--- a/slides/sdn-prog-present.pptx
+++ b/slides/sdn-prog-present.pptx
@@ -5,19 +5,21 @@
     <p:sldMasterId id="2147483660" r:id="rId1"/>
   </p:sldMasterIdLst>
   <p:notesMasterIdLst>
-    <p:notesMasterId r:id="rId9"/>
+    <p:notesMasterId r:id="rId11"/>
   </p:notesMasterIdLst>
   <p:handoutMasterIdLst>
-    <p:handoutMasterId r:id="rId10"/>
+    <p:handoutMasterId r:id="rId12"/>
   </p:handoutMasterIdLst>
   <p:sldIdLst>
     <p:sldId id="284" r:id="rId2"/>
     <p:sldId id="267" r:id="rId3"/>
-    <p:sldId id="280" r:id="rId4"/>
-    <p:sldId id="281" r:id="rId5"/>
-    <p:sldId id="282" r:id="rId6"/>
-    <p:sldId id="283" r:id="rId7"/>
-    <p:sldId id="274" r:id="rId8"/>
+    <p:sldId id="287" r:id="rId4"/>
+    <p:sldId id="282" r:id="rId5"/>
+    <p:sldId id="288" r:id="rId6"/>
+    <p:sldId id="289" r:id="rId7"/>
+    <p:sldId id="280" r:id="rId8"/>
+    <p:sldId id="274" r:id="rId9"/>
+    <p:sldId id="285" r:id="rId10"/>
   </p:sldIdLst>
   <p:sldSz cx="12192000" cy="6858000"/>
   <p:notesSz cx="6858000" cy="9144000"/>
@@ -256,7 +258,7 @@
             <a:fld id="{158D7B40-71F4-6643-BBA7-6F15D4C62CFC}" type="datetimeFigureOut">
               <a:rPr lang="en-US" altLang="en-US"/>
               <a:pPr/>
-              <a:t>11/5/16</a:t>
+              <a:t>11/7/16</a:t>
             </a:fld>
             <a:endParaRPr lang="en-US" altLang="en-US"/>
           </a:p>
@@ -434,7 +436,7 @@
             <a:fld id="{F6161D77-DA42-0E4D-AA32-C2E1181A13B7}" type="datetimeFigureOut">
               <a:rPr lang="en-US" altLang="en-US"/>
               <a:pPr/>
-              <a:t>11/5/16</a:t>
+              <a:t>11/7/16</a:t>
             </a:fld>
             <a:endParaRPr lang="en-US" altLang="en-US"/>
           </a:p>
@@ -993,7 +995,7 @@
             <a:fld id="{03C92CC8-7E75-864B-BC8A-CDD76A5E7CA1}" type="slidenum">
               <a:rPr lang="en-US" altLang="en-US"/>
               <a:pPr/>
-              <a:t>5</a:t>
+              <a:t>4</a:t>
             </a:fld>
             <a:endParaRPr lang="en-US" altLang="en-US"/>
           </a:p>
@@ -1145,7 +1147,7 @@
             <a:fld id="{1C7E5A75-3EF9-7747-9D80-673BA4C4F15A}" type="datetimeFigureOut">
               <a:rPr lang="en-US" altLang="en-US"/>
               <a:pPr/>
-              <a:t>11/5/16</a:t>
+              <a:t>11/7/16</a:t>
             </a:fld>
             <a:endParaRPr lang="en-US" altLang="en-US"/>
           </a:p>
@@ -1335,7 +1337,7 @@
             <a:fld id="{8C439535-8C4F-4F49-893D-CCB17B0EBA3E}" type="datetimeFigureOut">
               <a:rPr lang="en-US" altLang="en-US"/>
               <a:pPr/>
-              <a:t>11/5/16</a:t>
+              <a:t>11/7/16</a:t>
             </a:fld>
             <a:endParaRPr lang="en-US" altLang="en-US"/>
           </a:p>
@@ -1535,7 +1537,7 @@
             <a:fld id="{7E53A1AE-7E0A-CA42-A0FB-63A86C67CBA8}" type="datetimeFigureOut">
               <a:rPr lang="en-US" altLang="en-US"/>
               <a:pPr/>
-              <a:t>11/5/16</a:t>
+              <a:t>11/7/16</a:t>
             </a:fld>
             <a:endParaRPr lang="en-US" altLang="en-US"/>
           </a:p>
@@ -1725,7 +1727,7 @@
             <a:fld id="{7B2AAE7C-0E1A-6C47-9D98-5FC613114C8D}" type="datetimeFigureOut">
               <a:rPr lang="en-US" altLang="en-US"/>
               <a:pPr/>
-              <a:t>11/5/16</a:t>
+              <a:t>11/7/16</a:t>
             </a:fld>
             <a:endParaRPr lang="en-US" altLang="en-US"/>
           </a:p>
@@ -1991,7 +1993,7 @@
             <a:fld id="{B4D3AADE-735B-2F46-BE6C-5B2C3C25B9B2}" type="datetimeFigureOut">
               <a:rPr lang="en-US" altLang="en-US"/>
               <a:pPr/>
-              <a:t>11/5/16</a:t>
+              <a:t>11/7/16</a:t>
             </a:fld>
             <a:endParaRPr lang="en-US" altLang="en-US"/>
           </a:p>
@@ -2243,7 +2245,7 @@
             <a:fld id="{960DA9F1-D02C-0B4E-9374-37463F5FD456}" type="datetimeFigureOut">
               <a:rPr lang="en-US" altLang="en-US"/>
               <a:pPr/>
-              <a:t>11/5/16</a:t>
+              <a:t>11/7/16</a:t>
             </a:fld>
             <a:endParaRPr lang="en-US" altLang="en-US"/>
           </a:p>
@@ -2630,7 +2632,7 @@
             <a:fld id="{26F0FB61-C0D9-7245-AAD8-459E0B78ACD8}" type="datetimeFigureOut">
               <a:rPr lang="en-US" altLang="en-US"/>
               <a:pPr/>
-              <a:t>11/5/16</a:t>
+              <a:t>11/7/16</a:t>
             </a:fld>
             <a:endParaRPr lang="en-US" altLang="en-US"/>
           </a:p>
@@ -2768,7 +2770,7 @@
             <a:fld id="{E5C8D778-78AE-E04D-968F-081191FECE63}" type="datetimeFigureOut">
               <a:rPr lang="en-US" altLang="en-US"/>
               <a:pPr/>
-              <a:t>11/5/16</a:t>
+              <a:t>11/7/16</a:t>
             </a:fld>
             <a:endParaRPr lang="en-US" altLang="en-US"/>
           </a:p>
@@ -2883,7 +2885,7 @@
             <a:fld id="{EF6E5D0B-0D5B-024B-8EE5-6984418D4C73}" type="datetimeFigureOut">
               <a:rPr lang="en-US" altLang="en-US"/>
               <a:pPr/>
-              <a:t>11/5/16</a:t>
+              <a:t>11/7/16</a:t>
             </a:fld>
             <a:endParaRPr lang="en-US" altLang="en-US"/>
           </a:p>
@@ -3180,7 +3182,7 @@
             <a:fld id="{127E6482-7686-E94A-B175-7FCD7F301556}" type="datetimeFigureOut">
               <a:rPr lang="en-US" altLang="en-US"/>
               <a:pPr/>
-              <a:t>11/5/16</a:t>
+              <a:t>11/7/16</a:t>
             </a:fld>
             <a:endParaRPr lang="en-US" altLang="en-US"/>
           </a:p>
@@ -3456,7 +3458,7 @@
             <a:fld id="{3CD37D3C-2CEF-194E-8299-3A4002E27B08}" type="datetimeFigureOut">
               <a:rPr lang="en-US" altLang="en-US"/>
               <a:pPr/>
-              <a:t>11/5/16</a:t>
+              <a:t>11/7/16</a:t>
             </a:fld>
             <a:endParaRPr lang="en-US" altLang="en-US"/>
           </a:p>
@@ -3744,7 +3746,7 @@
             <a:fld id="{18A591AD-CDA5-C742-A1D1-E131DEE42C17}" type="datetimeFigureOut">
               <a:rPr lang="en-US" altLang="en-US"/>
               <a:pPr/>
-              <a:t>11/5/16</a:t>
+              <a:t>11/7/16</a:t>
             </a:fld>
             <a:endParaRPr lang="en-US" altLang="en-US"/>
           </a:p>
@@ -4306,735 +4308,332 @@
       </p:grpSpPr>
       <p:sp>
         <p:nvSpPr>
-          <p:cNvPr id="7" name="Rectangle 6"/>
-          <p:cNvSpPr/>
-          <p:nvPr/>
+          <p:cNvPr id="43009" name="Title 2"/>
+          <p:cNvSpPr>
+            <a:spLocks noGrp="1"/>
+          </p:cNvSpPr>
+          <p:nvPr>
+            <p:ph type="title"/>
+          </p:nvPr>
         </p:nvSpPr>
         <p:spPr>
           <a:xfrm>
-            <a:off x="8825346" y="277092"/>
-            <a:ext cx="2687781" cy="4114799"/>
+            <a:off x="838200" y="365125"/>
+            <a:ext cx="10515600" cy="798657"/>
           </a:xfrm>
-          <a:prstGeom prst="rect">
-            <a:avLst/>
-          </a:prstGeom>
         </p:spPr>
-        <p:style>
-          <a:lnRef idx="2">
-            <a:schemeClr val="accent1">
-              <a:shade val="50000"/>
-            </a:schemeClr>
-          </a:lnRef>
-          <a:fillRef idx="1">
-            <a:schemeClr val="accent1"/>
-          </a:fillRef>
-          <a:effectRef idx="0">
-            <a:schemeClr val="accent1"/>
-          </a:effectRef>
-          <a:fontRef idx="minor">
-            <a:schemeClr val="lt1"/>
-          </a:fontRef>
-        </p:style>
         <p:txBody>
-          <a:bodyPr rtlCol="0" anchor="ctr"/>
+          <a:bodyPr/>
           <a:lstStyle/>
           <a:p>
             <a:pPr algn="ctr"/>
-            <a:endParaRPr lang="en-US"/>
+            <a:r>
+              <a:rPr lang="en-US" altLang="en-US" sz="3200" b="1" u="sng" dirty="0" smtClean="0"/>
+              <a:t>Problem</a:t>
+            </a:r>
+            <a:endParaRPr lang="en-US" altLang="en-US" sz="2800" b="1" u="sng" dirty="0"/>
           </a:p>
         </p:txBody>
       </p:sp>
       <p:sp>
         <p:nvSpPr>
-          <p:cNvPr id="8" name="Rectangle 7"/>
-          <p:cNvSpPr/>
-          <p:nvPr/>
+          <p:cNvPr id="3" name="Content Placeholder 2"/>
+          <p:cNvSpPr>
+            <a:spLocks noGrp="1"/>
+          </p:cNvSpPr>
+          <p:nvPr>
+            <p:ph idx="1"/>
+          </p:nvPr>
         </p:nvSpPr>
         <p:spPr>
           <a:xfrm>
-            <a:off x="6137565" y="277092"/>
-            <a:ext cx="2687781" cy="5153890"/>
+            <a:off x="838199" y="1052945"/>
+            <a:ext cx="11242965" cy="5124018"/>
           </a:xfrm>
-          <a:prstGeom prst="rect">
-            <a:avLst/>
-          </a:prstGeom>
         </p:spPr>
-        <p:style>
-          <a:lnRef idx="2">
-            <a:schemeClr val="accent1">
-              <a:shade val="50000"/>
-            </a:schemeClr>
-          </a:lnRef>
-          <a:fillRef idx="1">
-            <a:schemeClr val="accent1"/>
-          </a:fillRef>
-          <a:effectRef idx="0">
-            <a:schemeClr val="accent1"/>
-          </a:effectRef>
-          <a:fontRef idx="minor">
-            <a:schemeClr val="lt1"/>
-          </a:fontRef>
-        </p:style>
         <p:txBody>
-          <a:bodyPr rtlCol="0" anchor="ctr"/>
+          <a:bodyPr/>
           <a:lstStyle/>
           <a:p>
-            <a:pPr algn="ctr"/>
-            <a:endParaRPr lang="en-US"/>
+            <a:r>
+              <a:rPr lang="en-US" sz="2400" dirty="0" smtClean="0"/>
+              <a:t>Super computing can benefit from super efficient and super flexible infrastructures</a:t>
+            </a:r>
+          </a:p>
+          <a:p>
+            <a:r>
+              <a:rPr lang="en-US" sz="2400" dirty="0" smtClean="0"/>
+              <a:t>Traditional networks are not flexible, leading to inefficient network resources usage</a:t>
+            </a:r>
+          </a:p>
+          <a:p>
+            <a:r>
+              <a:rPr lang="en-US" sz="2400" dirty="0" smtClean="0"/>
+              <a:t>Emergence of SDN promises super efficient and flexible networks but current SDN control programming systems are low level, limited (machine code age</a:t>
+            </a:r>
+            <a:r>
+              <a:rPr lang="mr-IN" sz="2400" dirty="0" smtClean="0"/>
+              <a:t>…</a:t>
+            </a:r>
+            <a:r>
+              <a:rPr lang="en-US" sz="2400" dirty="0" smtClean="0"/>
+              <a:t>)</a:t>
+            </a:r>
           </a:p>
         </p:txBody>
       </p:sp>
-      <p:sp>
-        <p:nvSpPr>
-          <p:cNvPr id="9" name="Rectangle 8"/>
-          <p:cNvSpPr/>
-          <p:nvPr/>
-        </p:nvSpPr>
-        <p:spPr>
-          <a:xfrm>
-            <a:off x="3449784" y="277092"/>
-            <a:ext cx="2687781" cy="5153890"/>
-          </a:xfrm>
-          <a:prstGeom prst="rect">
-            <a:avLst/>
-          </a:prstGeom>
-        </p:spPr>
-        <p:style>
-          <a:lnRef idx="2">
-            <a:schemeClr val="accent1">
-              <a:shade val="50000"/>
-            </a:schemeClr>
-          </a:lnRef>
-          <a:fillRef idx="1">
-            <a:schemeClr val="accent1"/>
-          </a:fillRef>
-          <a:effectRef idx="0">
-            <a:schemeClr val="accent1"/>
-          </a:effectRef>
-          <a:fontRef idx="minor">
-            <a:schemeClr val="lt1"/>
-          </a:fontRef>
-        </p:style>
-        <p:txBody>
-          <a:bodyPr rtlCol="0" anchor="ctr"/>
-          <a:lstStyle/>
-          <a:p>
-            <a:pPr algn="ctr"/>
-            <a:endParaRPr lang="en-US"/>
-          </a:p>
-        </p:txBody>
-      </p:sp>
-      <p:sp>
-        <p:nvSpPr>
-          <p:cNvPr id="10" name="Rectangle 9"/>
-          <p:cNvSpPr/>
-          <p:nvPr/>
-        </p:nvSpPr>
-        <p:spPr>
-          <a:xfrm>
-            <a:off x="651165" y="5733063"/>
-            <a:ext cx="2687781" cy="748145"/>
-          </a:xfrm>
-          <a:prstGeom prst="rect">
-            <a:avLst/>
-          </a:prstGeom>
-        </p:spPr>
-        <p:style>
-          <a:lnRef idx="2">
-            <a:schemeClr val="accent1">
-              <a:shade val="50000"/>
-            </a:schemeClr>
-          </a:lnRef>
-          <a:fillRef idx="1">
-            <a:schemeClr val="accent1"/>
-          </a:fillRef>
-          <a:effectRef idx="0">
-            <a:schemeClr val="accent1"/>
-          </a:effectRef>
-          <a:fontRef idx="minor">
-            <a:schemeClr val="lt1"/>
-          </a:fontRef>
-        </p:style>
-        <p:txBody>
-          <a:bodyPr rtlCol="0" anchor="ctr"/>
-          <a:lstStyle/>
-          <a:p>
-            <a:pPr algn="ctr"/>
-            <a:r>
-              <a:rPr lang="en-US" dirty="0" smtClean="0"/>
-              <a:t>Open Gala</a:t>
-            </a:r>
-            <a:endParaRPr lang="en-US" dirty="0"/>
-          </a:p>
-        </p:txBody>
-      </p:sp>
-      <p:sp>
-        <p:nvSpPr>
-          <p:cNvPr id="11" name="Rectangle 10"/>
-          <p:cNvSpPr/>
-          <p:nvPr/>
-        </p:nvSpPr>
-        <p:spPr>
-          <a:xfrm>
-            <a:off x="3449783" y="637309"/>
-            <a:ext cx="2687781" cy="568036"/>
-          </a:xfrm>
-          <a:prstGeom prst="rect">
-            <a:avLst/>
-          </a:prstGeom>
-          <a:solidFill>
-            <a:schemeClr val="accent6">
-              <a:lumMod val="75000"/>
-            </a:schemeClr>
-          </a:solidFill>
-        </p:spPr>
-        <p:style>
-          <a:lnRef idx="2">
-            <a:schemeClr val="accent1">
-              <a:shade val="50000"/>
-            </a:schemeClr>
-          </a:lnRef>
-          <a:fillRef idx="1">
-            <a:schemeClr val="accent1"/>
-          </a:fillRef>
-          <a:effectRef idx="0">
-            <a:schemeClr val="accent1"/>
-          </a:effectRef>
-          <a:fontRef idx="minor">
-            <a:schemeClr val="lt1"/>
-          </a:fontRef>
-        </p:style>
-        <p:txBody>
-          <a:bodyPr rtlCol="0" anchor="ctr"/>
-          <a:lstStyle/>
-          <a:p>
-            <a:pPr algn="ctr"/>
-            <a:r>
-              <a:rPr lang="en-US" sz="1400" dirty="0" smtClean="0"/>
-              <a:t>Presentation: SDN Programmable Science Networks: New Tools [Richard]</a:t>
-            </a:r>
-            <a:endParaRPr lang="en-US" sz="1400" dirty="0"/>
-          </a:p>
-        </p:txBody>
-      </p:sp>
-      <p:sp>
-        <p:nvSpPr>
-          <p:cNvPr id="4" name="TextBox 3"/>
-          <p:cNvSpPr txBox="1"/>
-          <p:nvPr/>
-        </p:nvSpPr>
-        <p:spPr>
-          <a:xfrm>
-            <a:off x="2759898" y="123203"/>
-            <a:ext cx="681597" cy="307777"/>
-          </a:xfrm>
-          <a:prstGeom prst="rect">
-            <a:avLst/>
-          </a:prstGeom>
-          <a:noFill/>
-        </p:spPr>
-        <p:txBody>
-          <a:bodyPr wrap="none" rtlCol="0">
-            <a:spAutoFit/>
-          </a:bodyPr>
-          <a:lstStyle/>
-          <a:p>
-            <a:r>
-              <a:rPr lang="en-US" sz="1400" smtClean="0"/>
-              <a:t>10 am</a:t>
-            </a:r>
-            <a:endParaRPr lang="en-US" sz="1400"/>
-          </a:p>
-        </p:txBody>
-      </p:sp>
-      <p:sp>
-        <p:nvSpPr>
-          <p:cNvPr id="13" name="TextBox 12"/>
-          <p:cNvSpPr txBox="1"/>
-          <p:nvPr/>
-        </p:nvSpPr>
-        <p:spPr>
-          <a:xfrm>
-            <a:off x="2808169" y="5194453"/>
-            <a:ext cx="585054" cy="307777"/>
-          </a:xfrm>
-          <a:prstGeom prst="rect">
-            <a:avLst/>
-          </a:prstGeom>
-          <a:noFill/>
-        </p:spPr>
-        <p:txBody>
-          <a:bodyPr wrap="square" rtlCol="0">
-            <a:spAutoFit/>
-          </a:bodyPr>
-          <a:lstStyle/>
-          <a:p>
-            <a:r>
-              <a:rPr lang="en-US" sz="1400" dirty="0" smtClean="0"/>
-              <a:t>6 </a:t>
-            </a:r>
-            <a:r>
-              <a:rPr lang="en-US" sz="1400" dirty="0"/>
-              <a:t>p</a:t>
-            </a:r>
-            <a:r>
-              <a:rPr lang="en-US" sz="1400" dirty="0" smtClean="0"/>
-              <a:t>m</a:t>
-            </a:r>
-            <a:endParaRPr lang="en-US" sz="1400" dirty="0"/>
-          </a:p>
-        </p:txBody>
-      </p:sp>
-      <p:sp>
-        <p:nvSpPr>
-          <p:cNvPr id="14" name="TextBox 13"/>
-          <p:cNvSpPr txBox="1"/>
-          <p:nvPr/>
-        </p:nvSpPr>
-        <p:spPr>
-          <a:xfrm>
-            <a:off x="66111" y="5579174"/>
-            <a:ext cx="585054" cy="307777"/>
-          </a:xfrm>
-          <a:prstGeom prst="rect">
-            <a:avLst/>
-          </a:prstGeom>
-          <a:noFill/>
-        </p:spPr>
-        <p:txBody>
-          <a:bodyPr wrap="square" rtlCol="0">
-            <a:spAutoFit/>
-          </a:bodyPr>
-          <a:lstStyle/>
-          <a:p>
-            <a:r>
-              <a:rPr lang="en-US" sz="1400" dirty="0"/>
-              <a:t>7</a:t>
-            </a:r>
-            <a:r>
-              <a:rPr lang="en-US" sz="1400" dirty="0" smtClean="0"/>
-              <a:t> </a:t>
-            </a:r>
-            <a:r>
-              <a:rPr lang="en-US" sz="1400" dirty="0"/>
-              <a:t>p</a:t>
-            </a:r>
-            <a:r>
-              <a:rPr lang="en-US" sz="1400" dirty="0" smtClean="0"/>
-              <a:t>m</a:t>
-            </a:r>
-            <a:endParaRPr lang="en-US" sz="1400" dirty="0"/>
-          </a:p>
-        </p:txBody>
-      </p:sp>
-      <p:sp>
-        <p:nvSpPr>
-          <p:cNvPr id="15" name="TextBox 14"/>
-          <p:cNvSpPr txBox="1"/>
-          <p:nvPr/>
-        </p:nvSpPr>
-        <p:spPr>
-          <a:xfrm>
-            <a:off x="69275" y="6177381"/>
-            <a:ext cx="585054" cy="307777"/>
-          </a:xfrm>
-          <a:prstGeom prst="rect">
-            <a:avLst/>
-          </a:prstGeom>
-          <a:noFill/>
-        </p:spPr>
-        <p:txBody>
-          <a:bodyPr wrap="square" rtlCol="0">
-            <a:spAutoFit/>
-          </a:bodyPr>
-          <a:lstStyle/>
-          <a:p>
-            <a:r>
-              <a:rPr lang="en-US" sz="1400" dirty="0"/>
-              <a:t>9</a:t>
-            </a:r>
-            <a:r>
-              <a:rPr lang="en-US" sz="1400" dirty="0" smtClean="0"/>
-              <a:t> </a:t>
-            </a:r>
-            <a:r>
-              <a:rPr lang="en-US" sz="1400" dirty="0"/>
-              <a:t>p</a:t>
-            </a:r>
-            <a:r>
-              <a:rPr lang="en-US" sz="1400" dirty="0" smtClean="0"/>
-              <a:t>m</a:t>
-            </a:r>
-            <a:endParaRPr lang="en-US" sz="1400" dirty="0"/>
-          </a:p>
-        </p:txBody>
-      </p:sp>
-      <p:sp>
-        <p:nvSpPr>
-          <p:cNvPr id="16" name="TextBox 15"/>
-          <p:cNvSpPr txBox="1"/>
-          <p:nvPr/>
-        </p:nvSpPr>
-        <p:spPr>
-          <a:xfrm>
-            <a:off x="11532549" y="4084114"/>
-            <a:ext cx="585054" cy="307777"/>
-          </a:xfrm>
-          <a:prstGeom prst="rect">
-            <a:avLst/>
-          </a:prstGeom>
-          <a:noFill/>
-        </p:spPr>
-        <p:txBody>
-          <a:bodyPr wrap="square" rtlCol="0">
-            <a:spAutoFit/>
-          </a:bodyPr>
-          <a:lstStyle/>
-          <a:p>
-            <a:r>
-              <a:rPr lang="en-US" sz="1400" dirty="0" smtClean="0"/>
-              <a:t>3 </a:t>
-            </a:r>
-            <a:r>
-              <a:rPr lang="en-US" sz="1400" dirty="0"/>
-              <a:t>p</a:t>
-            </a:r>
-            <a:r>
-              <a:rPr lang="en-US" sz="1400" dirty="0" smtClean="0"/>
-              <a:t>m</a:t>
-            </a:r>
-            <a:endParaRPr lang="en-US" sz="1400" dirty="0"/>
-          </a:p>
-        </p:txBody>
-      </p:sp>
-      <p:sp>
-        <p:nvSpPr>
-          <p:cNvPr id="17" name="TextBox 16"/>
-          <p:cNvSpPr txBox="1"/>
-          <p:nvPr/>
-        </p:nvSpPr>
-        <p:spPr>
-          <a:xfrm>
-            <a:off x="2519719" y="479470"/>
-            <a:ext cx="930063" cy="307777"/>
-          </a:xfrm>
-          <a:prstGeom prst="rect">
-            <a:avLst/>
-          </a:prstGeom>
-          <a:noFill/>
-        </p:spPr>
-        <p:txBody>
-          <a:bodyPr wrap="none" rtlCol="0">
-            <a:spAutoFit/>
-          </a:bodyPr>
-          <a:lstStyle/>
-          <a:p>
-            <a:r>
-              <a:rPr lang="en-US" sz="1400" smtClean="0"/>
-              <a:t>10:30 am</a:t>
-            </a:r>
-            <a:endParaRPr lang="en-US" sz="1400"/>
-          </a:p>
-        </p:txBody>
-      </p:sp>
-      <p:sp>
-        <p:nvSpPr>
-          <p:cNvPr id="18" name="TextBox 17"/>
-          <p:cNvSpPr txBox="1"/>
-          <p:nvPr/>
-        </p:nvSpPr>
-        <p:spPr>
-          <a:xfrm>
-            <a:off x="2500298" y="1017107"/>
-            <a:ext cx="916789" cy="307777"/>
-          </a:xfrm>
-          <a:prstGeom prst="rect">
-            <a:avLst/>
-          </a:prstGeom>
-          <a:noFill/>
-        </p:spPr>
-        <p:txBody>
-          <a:bodyPr wrap="none" rtlCol="0">
-            <a:spAutoFit/>
-          </a:bodyPr>
-          <a:lstStyle/>
-          <a:p>
-            <a:r>
-              <a:rPr lang="en-US" sz="1400" dirty="0" smtClean="0"/>
-              <a:t>11:00 am</a:t>
-            </a:r>
-            <a:endParaRPr lang="en-US" sz="1400" dirty="0"/>
-          </a:p>
-        </p:txBody>
-      </p:sp>
-      <p:sp>
-        <p:nvSpPr>
-          <p:cNvPr id="19" name="Rectangle 18"/>
-          <p:cNvSpPr/>
-          <p:nvPr/>
-        </p:nvSpPr>
-        <p:spPr>
-          <a:xfrm>
-            <a:off x="6118143" y="637309"/>
-            <a:ext cx="2687781" cy="568036"/>
-          </a:xfrm>
-          <a:prstGeom prst="rect">
-            <a:avLst/>
-          </a:prstGeom>
-          <a:solidFill>
-            <a:schemeClr val="accent6">
-              <a:lumMod val="75000"/>
-            </a:schemeClr>
-          </a:solidFill>
-        </p:spPr>
-        <p:style>
-          <a:lnRef idx="2">
-            <a:schemeClr val="accent1">
-              <a:shade val="50000"/>
-            </a:schemeClr>
-          </a:lnRef>
-          <a:fillRef idx="1">
-            <a:schemeClr val="accent1"/>
-          </a:fillRef>
-          <a:effectRef idx="0">
-            <a:schemeClr val="accent1"/>
-          </a:effectRef>
-          <a:fontRef idx="minor">
-            <a:schemeClr val="lt1"/>
-          </a:fontRef>
-        </p:style>
-        <p:txBody>
-          <a:bodyPr rtlCol="0" anchor="ctr"/>
-          <a:lstStyle/>
-          <a:p>
-            <a:pPr algn="ctr"/>
-            <a:r>
-              <a:rPr lang="en-US" sz="1400" dirty="0" smtClean="0"/>
-              <a:t>Presentation: SDN Programmable Science Networks: New Tools [?]</a:t>
-            </a:r>
-            <a:endParaRPr lang="en-US" sz="1400" dirty="0"/>
-          </a:p>
-        </p:txBody>
-      </p:sp>
-      <p:sp>
-        <p:nvSpPr>
-          <p:cNvPr id="20" name="Rectangle 19"/>
-          <p:cNvSpPr/>
-          <p:nvPr/>
-        </p:nvSpPr>
-        <p:spPr>
-          <a:xfrm>
-            <a:off x="8805923" y="637309"/>
-            <a:ext cx="2687781" cy="568036"/>
-          </a:xfrm>
-          <a:prstGeom prst="rect">
-            <a:avLst/>
-          </a:prstGeom>
-          <a:solidFill>
-            <a:schemeClr val="accent6">
-              <a:lumMod val="75000"/>
-            </a:schemeClr>
-          </a:solidFill>
-        </p:spPr>
-        <p:style>
-          <a:lnRef idx="2">
-            <a:schemeClr val="accent1">
-              <a:shade val="50000"/>
-            </a:schemeClr>
-          </a:lnRef>
-          <a:fillRef idx="1">
-            <a:schemeClr val="accent1"/>
-          </a:fillRef>
-          <a:effectRef idx="0">
-            <a:schemeClr val="accent1"/>
-          </a:effectRef>
-          <a:fontRef idx="minor">
-            <a:schemeClr val="lt1"/>
-          </a:fontRef>
-        </p:style>
-        <p:txBody>
-          <a:bodyPr rtlCol="0" anchor="ctr"/>
-          <a:lstStyle/>
-          <a:p>
-            <a:pPr algn="ctr"/>
-            <a:r>
-              <a:rPr lang="en-US" sz="1400" dirty="0" smtClean="0"/>
-              <a:t>Presentation: SDN Programmable Science Networks: New Tools [?]</a:t>
-            </a:r>
-            <a:endParaRPr lang="en-US" sz="1400" dirty="0"/>
-          </a:p>
-        </p:txBody>
-      </p:sp>
-      <p:sp>
-        <p:nvSpPr>
-          <p:cNvPr id="21" name="Rectangle 20"/>
-          <p:cNvSpPr/>
-          <p:nvPr/>
-        </p:nvSpPr>
-        <p:spPr>
-          <a:xfrm>
-            <a:off x="3469207" y="2717422"/>
-            <a:ext cx="2687781" cy="568036"/>
-          </a:xfrm>
-          <a:prstGeom prst="rect">
-            <a:avLst/>
-          </a:prstGeom>
-          <a:solidFill>
-            <a:schemeClr val="accent4">
-              <a:lumMod val="75000"/>
-            </a:schemeClr>
-          </a:solidFill>
-        </p:spPr>
-        <p:style>
-          <a:lnRef idx="2">
-            <a:schemeClr val="accent1">
-              <a:shade val="50000"/>
-            </a:schemeClr>
-          </a:lnRef>
-          <a:fillRef idx="1">
-            <a:schemeClr val="accent1"/>
-          </a:fillRef>
-          <a:effectRef idx="0">
-            <a:schemeClr val="accent1"/>
-          </a:effectRef>
-          <a:fontRef idx="minor">
-            <a:schemeClr val="lt1"/>
-          </a:fontRef>
-        </p:style>
-        <p:txBody>
-          <a:bodyPr rtlCol="0" anchor="ctr"/>
-          <a:lstStyle/>
-          <a:p>
-            <a:pPr algn="ctr"/>
-            <a:r>
-              <a:rPr lang="en-US" sz="1400" dirty="0" smtClean="0"/>
-              <a:t>Lab: SDN Programmable Science Networks: New Tools [May; Jensen helps]</a:t>
-            </a:r>
-            <a:endParaRPr lang="en-US" sz="1400" dirty="0"/>
-          </a:p>
-        </p:txBody>
-      </p:sp>
-      <p:sp>
-        <p:nvSpPr>
-          <p:cNvPr id="22" name="TextBox 21"/>
-          <p:cNvSpPr txBox="1"/>
-          <p:nvPr/>
-        </p:nvSpPr>
-        <p:spPr>
-          <a:xfrm>
-            <a:off x="2539143" y="2559583"/>
-            <a:ext cx="930063" cy="307777"/>
-          </a:xfrm>
-          <a:prstGeom prst="rect">
-            <a:avLst/>
-          </a:prstGeom>
-          <a:noFill/>
-        </p:spPr>
-        <p:txBody>
-          <a:bodyPr wrap="none" rtlCol="0">
-            <a:spAutoFit/>
-          </a:bodyPr>
-          <a:lstStyle/>
-          <a:p>
-            <a:r>
-              <a:rPr lang="en-US" sz="1400" dirty="0" smtClean="0"/>
-              <a:t>01:30 pm</a:t>
-            </a:r>
-            <a:endParaRPr lang="en-US" sz="1400" dirty="0"/>
-          </a:p>
-        </p:txBody>
-      </p:sp>
-      <p:sp>
-        <p:nvSpPr>
-          <p:cNvPr id="23" name="TextBox 22"/>
-          <p:cNvSpPr txBox="1"/>
-          <p:nvPr/>
-        </p:nvSpPr>
-        <p:spPr>
-          <a:xfrm>
-            <a:off x="2519722" y="3097220"/>
-            <a:ext cx="930063" cy="307777"/>
-          </a:xfrm>
-          <a:prstGeom prst="rect">
-            <a:avLst/>
-          </a:prstGeom>
-          <a:noFill/>
-        </p:spPr>
-        <p:txBody>
-          <a:bodyPr wrap="none" rtlCol="0">
-            <a:spAutoFit/>
-          </a:bodyPr>
-          <a:lstStyle/>
-          <a:p>
-            <a:r>
-              <a:rPr lang="en-US" sz="1400" dirty="0" smtClean="0"/>
-              <a:t>02:00 </a:t>
-            </a:r>
-            <a:r>
-              <a:rPr lang="en-US" sz="1400" dirty="0"/>
-              <a:t>p</a:t>
-            </a:r>
-            <a:r>
-              <a:rPr lang="en-US" sz="1400" dirty="0" smtClean="0"/>
-              <a:t>m</a:t>
-            </a:r>
-            <a:endParaRPr lang="en-US" sz="1400" dirty="0"/>
-          </a:p>
-        </p:txBody>
-      </p:sp>
-      <p:sp>
-        <p:nvSpPr>
-          <p:cNvPr id="24" name="Rectangle 23"/>
-          <p:cNvSpPr/>
-          <p:nvPr/>
-        </p:nvSpPr>
-        <p:spPr>
-          <a:xfrm>
-            <a:off x="6166699" y="2736272"/>
-            <a:ext cx="2687781" cy="568036"/>
-          </a:xfrm>
-          <a:prstGeom prst="rect">
-            <a:avLst/>
-          </a:prstGeom>
-          <a:solidFill>
-            <a:schemeClr val="accent4">
-              <a:lumMod val="75000"/>
-            </a:schemeClr>
-          </a:solidFill>
-        </p:spPr>
-        <p:style>
-          <a:lnRef idx="2">
-            <a:schemeClr val="accent1">
-              <a:shade val="50000"/>
-            </a:schemeClr>
-          </a:lnRef>
-          <a:fillRef idx="1">
-            <a:schemeClr val="accent1"/>
-          </a:fillRef>
-          <a:effectRef idx="0">
-            <a:schemeClr val="accent1"/>
-          </a:effectRef>
-          <a:fontRef idx="minor">
-            <a:schemeClr val="lt1"/>
-          </a:fontRef>
-        </p:style>
-        <p:txBody>
-          <a:bodyPr rtlCol="0" anchor="ctr"/>
-          <a:lstStyle/>
-          <a:p>
-            <a:pPr algn="ctr"/>
-            <a:r>
-              <a:rPr lang="en-US" sz="1400" dirty="0" smtClean="0"/>
-              <a:t>Lab: SDN Programmable Science Networks: New Tools [May; Jensen helps]</a:t>
-            </a:r>
-            <a:endParaRPr lang="en-US" sz="1400" dirty="0"/>
-          </a:p>
-        </p:txBody>
-      </p:sp>
+      <p:graphicFrame>
+        <p:nvGraphicFramePr>
+          <p:cNvPr id="4" name="Table 3"/>
+          <p:cNvGraphicFramePr>
+            <a:graphicFrameLocks noGrp="1"/>
+          </p:cNvGraphicFramePr>
+          <p:nvPr>
+            <p:extLst>
+              <p:ext uri="{D42A27DB-BD31-4B8C-83A1-F6EECF244321}">
+                <p14:modId xmlns:p14="http://schemas.microsoft.com/office/powerpoint/2010/main" val="1928288700"/>
+              </p:ext>
+            </p:extLst>
+          </p:nvPr>
+        </p:nvGraphicFramePr>
+        <p:xfrm>
+          <a:off x="1505527" y="2928692"/>
+          <a:ext cx="9661237" cy="2844800"/>
+        </p:xfrm>
+        <a:graphic>
+          <a:graphicData uri="http://schemas.openxmlformats.org/drawingml/2006/table">
+            <a:tbl>
+              <a:tblPr firstRow="1" bandRow="1">
+                <a:tableStyleId>{5C22544A-7EE6-4342-B048-85BDC9FD1C3A}</a:tableStyleId>
+              </a:tblPr>
+              <a:tblGrid>
+                <a:gridCol w="4548909"/>
+                <a:gridCol w="5112328"/>
+              </a:tblGrid>
+              <a:tr h="370840">
+                <a:tc>
+                  <a:txBody>
+                    <a:bodyPr/>
+                    <a:lstStyle/>
+                    <a:p>
+                      <a:r>
+                        <a:rPr lang="en-US" dirty="0" smtClean="0"/>
+                        <a:t>Key feature</a:t>
+                      </a:r>
+                      <a:endParaRPr lang="en-US" dirty="0"/>
+                    </a:p>
+                  </a:txBody>
+                  <a:tcPr/>
+                </a:tc>
+                <a:tc>
+                  <a:txBody>
+                    <a:bodyPr/>
+                    <a:lstStyle/>
+                    <a:p>
+                      <a:r>
+                        <a:rPr lang="en-US" dirty="0" smtClean="0"/>
+                        <a:t>Issue</a:t>
+                      </a:r>
+                      <a:endParaRPr lang="en-US" dirty="0"/>
+                    </a:p>
+                  </a:txBody>
+                  <a:tcPr/>
+                </a:tc>
+              </a:tr>
+              <a:tr h="370840">
+                <a:tc>
+                  <a:txBody>
+                    <a:bodyPr/>
+                    <a:lstStyle/>
+                    <a:p>
+                      <a:r>
+                        <a:rPr lang="en-US" dirty="0" smtClean="0"/>
+                        <a:t>SDN programmer manually</a:t>
+                      </a:r>
+                      <a:r>
+                        <a:rPr lang="en-US" baseline="0" dirty="0" smtClean="0"/>
+                        <a:t> generates </a:t>
+                      </a:r>
+                      <a:r>
+                        <a:rPr lang="en-US" baseline="0" dirty="0" err="1" smtClean="0"/>
+                        <a:t>OpenFlow</a:t>
+                      </a:r>
+                      <a:r>
+                        <a:rPr lang="en-US" baseline="0" dirty="0" smtClean="0"/>
+                        <a:t> rules</a:t>
+                      </a:r>
+                      <a:endParaRPr lang="en-US" dirty="0"/>
+                    </a:p>
+                  </a:txBody>
+                  <a:tcPr/>
+                </a:tc>
+                <a:tc>
+                  <a:txBody>
+                    <a:bodyPr/>
+                    <a:lstStyle/>
+                    <a:p>
+                      <a:r>
+                        <a:rPr lang="en-US" dirty="0" err="1" smtClean="0"/>
+                        <a:t>OpenFlow</a:t>
+                      </a:r>
+                      <a:r>
+                        <a:rPr lang="en-US" dirty="0" smtClean="0"/>
+                        <a:t> is a low level, complex computation</a:t>
+                      </a:r>
+                      <a:r>
+                        <a:rPr lang="en-US" baseline="0" dirty="0" smtClean="0"/>
+                        <a:t> </a:t>
+                      </a:r>
+                      <a:r>
+                        <a:rPr lang="en-US" dirty="0" smtClean="0"/>
+                        <a:t>model:</a:t>
+                      </a:r>
+                      <a:r>
+                        <a:rPr lang="en-US" baseline="0" dirty="0" smtClean="0"/>
+                        <a:t> </a:t>
+                      </a:r>
+                      <a:r>
+                        <a:rPr lang="en-US" dirty="0" smtClean="0"/>
+                        <a:t>it does not</a:t>
+                      </a:r>
+                      <a:r>
+                        <a:rPr lang="en-US" baseline="0" dirty="0" smtClean="0"/>
+                        <a:t> even support logic negation, and hence needs priority to simulate logic negation, it supports only layer 2 to layer 4, but many decisions may depend on higher layers </a:t>
+                      </a:r>
+                      <a:endParaRPr lang="en-US" dirty="0"/>
+                    </a:p>
+                  </a:txBody>
+                  <a:tcPr/>
+                </a:tc>
+              </a:tr>
+              <a:tr h="370840">
+                <a:tc>
+                  <a:txBody>
+                    <a:bodyPr/>
+                    <a:lstStyle/>
+                    <a:p>
+                      <a:r>
+                        <a:rPr lang="en-US" dirty="0" smtClean="0"/>
+                        <a:t>SDN programmer uses </a:t>
+                      </a:r>
+                      <a:r>
+                        <a:rPr lang="en-US" i="1" dirty="0" smtClean="0"/>
+                        <a:t>incremental programming</a:t>
+                      </a:r>
+                      <a:endParaRPr lang="en-US" i="1" dirty="0"/>
+                    </a:p>
+                  </a:txBody>
+                  <a:tcPr/>
+                </a:tc>
+                <a:tc>
+                  <a:txBody>
+                    <a:bodyPr/>
+                    <a:lstStyle/>
+                    <a:p>
+                      <a:pPr marL="0" marR="0" indent="0" algn="l" defTabSz="914400" rtl="0" eaLnBrk="1" fontAlgn="auto" latinLnBrk="0" hangingPunct="1">
+                        <a:lnSpc>
+                          <a:spcPct val="100000"/>
+                        </a:lnSpc>
+                        <a:spcBef>
+                          <a:spcPts val="0"/>
+                        </a:spcBef>
+                        <a:spcAft>
+                          <a:spcPts val="0"/>
+                        </a:spcAft>
+                        <a:buClrTx/>
+                        <a:buSzTx/>
+                        <a:buFontTx/>
+                        <a:buNone/>
+                        <a:tabLst/>
+                        <a:defRPr/>
+                      </a:pPr>
+                      <a:r>
+                        <a:rPr lang="en-US" dirty="0" smtClean="0"/>
+                        <a:t>Complex manual tracking of execution dependency</a:t>
+                      </a:r>
+                    </a:p>
+                    <a:p>
+                      <a:pPr marL="0" marR="0" indent="0" algn="l" defTabSz="914400" rtl="0" eaLnBrk="1" fontAlgn="auto" latinLnBrk="0" hangingPunct="1">
+                        <a:lnSpc>
+                          <a:spcPct val="100000"/>
+                        </a:lnSpc>
+                        <a:spcBef>
+                          <a:spcPts val="0"/>
+                        </a:spcBef>
+                        <a:spcAft>
+                          <a:spcPts val="0"/>
+                        </a:spcAft>
+                        <a:buClrTx/>
+                        <a:buSzTx/>
+                        <a:buFontTx/>
+                        <a:buNone/>
+                        <a:tabLst/>
+                        <a:defRPr/>
+                      </a:pPr>
+                      <a:r>
+                        <a:rPr lang="en-US" dirty="0" smtClean="0"/>
+                        <a:t>Manual cleanup, re-execute</a:t>
+                      </a:r>
+                    </a:p>
+                  </a:txBody>
+                  <a:tcPr/>
+                </a:tc>
+              </a:tr>
+              <a:tr h="370840">
+                <a:tc>
+                  <a:txBody>
+                    <a:bodyPr/>
+                    <a:lstStyle/>
+                    <a:p>
+                      <a:pPr marL="0" marR="0" indent="0" algn="l" defTabSz="914400" rtl="0" eaLnBrk="1" fontAlgn="auto" latinLnBrk="0" hangingPunct="1">
+                        <a:lnSpc>
+                          <a:spcPct val="100000"/>
+                        </a:lnSpc>
+                        <a:spcBef>
+                          <a:spcPts val="0"/>
+                        </a:spcBef>
+                        <a:spcAft>
+                          <a:spcPts val="0"/>
+                        </a:spcAft>
+                        <a:buClrTx/>
+                        <a:buSzTx/>
+                        <a:buFontTx/>
+                        <a:buNone/>
+                        <a:tabLst/>
+                        <a:defRPr/>
+                      </a:pPr>
+                      <a:r>
+                        <a:rPr lang="en-US" dirty="0" smtClean="0"/>
+                        <a:t>[TODO: Add more]</a:t>
+                      </a:r>
+                      <a:r>
+                        <a:rPr lang="mr-IN" dirty="0" smtClean="0"/>
+                        <a:t>…</a:t>
+                      </a:r>
+                      <a:endParaRPr lang="en-US" i="1" dirty="0" smtClean="0"/>
+                    </a:p>
+                  </a:txBody>
+                  <a:tcPr/>
+                </a:tc>
+                <a:tc>
+                  <a:txBody>
+                    <a:bodyPr/>
+                    <a:lstStyle/>
+                    <a:p>
+                      <a:endParaRPr lang="en-US" dirty="0"/>
+                    </a:p>
+                  </a:txBody>
+                  <a:tcPr/>
+                </a:tc>
+              </a:tr>
+            </a:tbl>
+          </a:graphicData>
+        </a:graphic>
+      </p:graphicFrame>
     </p:spTree>
     <p:extLst>
       <p:ext uri="{BB962C8B-B14F-4D97-AF65-F5344CB8AC3E}">
-        <p14:creationId xmlns:p14="http://schemas.microsoft.com/office/powerpoint/2010/main" val="21454738"/>
+        <p14:creationId xmlns:p14="http://schemas.microsoft.com/office/powerpoint/2010/main" val="1077855894"/>
       </p:ext>
     </p:extLst>
   </p:cSld>
@@ -5080,8 +4679,8 @@
         </p:nvSpPr>
         <p:spPr>
           <a:xfrm>
-            <a:off x="987425" y="215900"/>
-            <a:ext cx="10515600" cy="688975"/>
+            <a:off x="152403" y="188190"/>
+            <a:ext cx="11959650" cy="688975"/>
           </a:xfrm>
         </p:spPr>
         <p:txBody>
@@ -5090,10 +4689,18 @@
           <a:p>
             <a:pPr algn="ctr" eaLnBrk="1" hangingPunct="1"/>
             <a:r>
-              <a:rPr lang="en-US" altLang="en-US" sz="3600" b="1" u="sng"/>
-              <a:t>New Tools</a:t>
-            </a:r>
-            <a:endParaRPr lang="en-US" altLang="en-US" sz="3600" b="1" i="1" u="sng"/>
+              <a:rPr lang="en-US" altLang="en-US" sz="3600" b="1" u="sng" dirty="0"/>
+              <a:t>Toward Super SDN </a:t>
+            </a:r>
+            <a:r>
+              <a:rPr lang="en-US" altLang="en-US" sz="3600" b="1" u="sng" dirty="0" smtClean="0"/>
+              <a:t>Programming: New </a:t>
+            </a:r>
+            <a:r>
+              <a:rPr lang="en-US" altLang="en-US" sz="3600" b="1" u="sng" dirty="0" smtClean="0"/>
+              <a:t>SDN Programming Tools</a:t>
+            </a:r>
+            <a:endParaRPr lang="en-US" altLang="en-US" sz="3600" b="1" i="1" u="sng" dirty="0"/>
           </a:p>
         </p:txBody>
       </p:sp>
@@ -5137,7 +4744,7 @@
         <p:spPr>
           <a:xfrm>
             <a:off x="665163" y="2320925"/>
-            <a:ext cx="5138737" cy="1568450"/>
+            <a:ext cx="5138737" cy="1569660"/>
           </a:xfrm>
           <a:prstGeom prst="rect">
             <a:avLst/>
@@ -5324,73 +4931,101 @@
               <a:buNone/>
             </a:pPr>
             <a:r>
-              <a:rPr lang="en-US" altLang="en-US" sz="1600">
+              <a:rPr lang="en-US" altLang="en-US" sz="1600" dirty="0">
                 <a:latin typeface="Arial" charset="0"/>
               </a:rPr>
-              <a:t>Before (low level programming)</a:t>
-            </a:r>
-          </a:p>
-          <a:p>
-            <a:pPr eaLnBrk="1" hangingPunct="1">
-              <a:lnSpc>
-                <a:spcPct val="100000"/>
-              </a:lnSpc>
-              <a:spcBef>
-                <a:spcPct val="0"/>
-              </a:spcBef>
-            </a:pPr>
-            <a:r>
-              <a:rPr lang="en-US" altLang="en-US" sz="1600">
+              <a:t>Before (low </a:t>
+            </a:r>
+            <a:r>
+              <a:rPr lang="en-US" altLang="en-US" sz="1600" dirty="0" smtClean="0">
                 <a:latin typeface="Arial" charset="0"/>
               </a:rPr>
-              <a:t>Low-level, complex OpenFlow rule programming</a:t>
+              <a:t>level, limited programming model)</a:t>
+            </a:r>
+            <a:endParaRPr lang="en-US" altLang="en-US" sz="1600" dirty="0">
+              <a:latin typeface="Arial" charset="0"/>
+            </a:endParaRPr>
+          </a:p>
+          <a:p>
+            <a:pPr eaLnBrk="1" hangingPunct="1">
+              <a:lnSpc>
+                <a:spcPct val="100000"/>
+              </a:lnSpc>
+              <a:spcBef>
+                <a:spcPct val="0"/>
+              </a:spcBef>
+            </a:pPr>
+            <a:r>
+              <a:rPr lang="en-US" altLang="en-US" sz="1600" dirty="0">
+                <a:latin typeface="Arial" charset="0"/>
+              </a:rPr>
+              <a:t>Low-level, </a:t>
+            </a:r>
+            <a:r>
+              <a:rPr lang="en-US" altLang="en-US" sz="1600" dirty="0" smtClean="0">
+                <a:latin typeface="Arial" charset="0"/>
+              </a:rPr>
+              <a:t>complex, limited (L2-L4) </a:t>
+            </a:r>
+            <a:r>
+              <a:rPr lang="en-US" altLang="en-US" sz="1600" dirty="0" err="1">
+                <a:latin typeface="Arial" charset="0"/>
+              </a:rPr>
+              <a:t>OpenFlow</a:t>
+            </a:r>
+            <a:r>
+              <a:rPr lang="en-US" altLang="en-US" sz="1600" dirty="0">
+                <a:latin typeface="Arial" charset="0"/>
+              </a:rPr>
+              <a:t> rule </a:t>
+            </a:r>
+            <a:r>
+              <a:rPr lang="en-US" altLang="en-US" sz="1600" dirty="0" smtClean="0">
+                <a:latin typeface="Arial" charset="0"/>
+              </a:rPr>
+              <a:t>programming</a:t>
+            </a:r>
+            <a:endParaRPr lang="en-US" altLang="en-US" sz="1600" dirty="0">
+              <a:latin typeface="Arial" charset="0"/>
+            </a:endParaRPr>
+          </a:p>
+          <a:p>
+            <a:pPr eaLnBrk="1" hangingPunct="1">
+              <a:lnSpc>
+                <a:spcPct val="100000"/>
+              </a:lnSpc>
+              <a:spcBef>
+                <a:spcPct val="0"/>
+              </a:spcBef>
+            </a:pPr>
+            <a:r>
+              <a:rPr lang="en-US" altLang="en-US" sz="1600" dirty="0">
+                <a:latin typeface="Arial" charset="0"/>
+              </a:rPr>
+              <a:t>Programmer can define only at flow level</a:t>
+            </a:r>
+          </a:p>
+          <a:p>
+            <a:pPr eaLnBrk="1" hangingPunct="1">
+              <a:lnSpc>
+                <a:spcPct val="100000"/>
+              </a:lnSpc>
+              <a:spcBef>
+                <a:spcPct val="0"/>
+              </a:spcBef>
+            </a:pPr>
+            <a:r>
+              <a:rPr lang="en-US" altLang="en-US" sz="1600" dirty="0">
+                <a:latin typeface="Arial" charset="0"/>
+              </a:rPr>
+              <a:t>Specific access control allowing only hosts partition</a:t>
             </a:r>
             <a:br>
-              <a:rPr lang="en-US" altLang="en-US" sz="1600">
+              <a:rPr lang="en-US" altLang="en-US" sz="1600" dirty="0">
                 <a:latin typeface="Arial" charset="0"/>
               </a:rPr>
             </a:br>
-            <a:endParaRPr lang="en-US" altLang="en-US" sz="1600">
-              <a:latin typeface="Arial" charset="0"/>
-            </a:endParaRPr>
-          </a:p>
-          <a:p>
-            <a:pPr eaLnBrk="1" hangingPunct="1">
-              <a:lnSpc>
-                <a:spcPct val="100000"/>
-              </a:lnSpc>
-              <a:spcBef>
-                <a:spcPct val="0"/>
-              </a:spcBef>
-            </a:pPr>
-            <a:r>
-              <a:rPr lang="en-US" altLang="en-US" sz="1600">
-                <a:latin typeface="Arial" charset="0"/>
-              </a:rPr>
-              <a:t>Programmer can define only at flow level</a:t>
-            </a:r>
-          </a:p>
-          <a:p>
-            <a:pPr eaLnBrk="1" hangingPunct="1">
-              <a:lnSpc>
-                <a:spcPct val="100000"/>
-              </a:lnSpc>
-              <a:spcBef>
-                <a:spcPct val="0"/>
-              </a:spcBef>
-            </a:pPr>
-            <a:r>
-              <a:rPr lang="en-US" altLang="en-US" sz="1600">
-                <a:latin typeface="Arial" charset="0"/>
-              </a:rPr>
-              <a:t>Specific access control allowing only hosts partition</a:t>
-            </a:r>
-            <a:br>
-              <a:rPr lang="en-US" altLang="en-US" sz="1600">
-                <a:latin typeface="Arial" charset="0"/>
-              </a:rPr>
-            </a:br>
-            <a:endParaRPr lang="en-US" altLang="en-US" sz="1600">
+            <a:endParaRPr lang="en-US" altLang="en-US" sz="1600" dirty="0">
               <a:latin typeface="Arial" charset="0"/>
             </a:endParaRPr>
           </a:p>
@@ -5405,7 +5040,7 @@
         <p:spPr>
           <a:xfrm>
             <a:off x="6619875" y="2305050"/>
-            <a:ext cx="5270500" cy="1570038"/>
+            <a:ext cx="5270500" cy="1569660"/>
           </a:xfrm>
           <a:prstGeom prst="rect">
             <a:avLst/>
@@ -5428,8 +5063,28 @@
               <a:defRPr/>
             </a:pPr>
             <a:r>
-              <a:rPr lang="en-US" altLang="en-US" sz="1600" dirty="0"/>
-              <a:t>Maple programming (high-level programming)</a:t>
+              <a:rPr lang="en-US" altLang="en-US" sz="1600" dirty="0">
+                <a:solidFill>
+                  <a:srgbClr val="FF0000"/>
+                </a:solidFill>
+              </a:rPr>
+              <a:t>Maple programming (</a:t>
+            </a:r>
+            <a:r>
+              <a:rPr lang="en-US" altLang="en-US" sz="1600" dirty="0" smtClean="0">
+                <a:solidFill>
+                  <a:srgbClr val="FF0000"/>
+                </a:solidFill>
+              </a:rPr>
+              <a:t>high-level, all-layer </a:t>
+            </a:r>
+            <a:r>
+              <a:rPr lang="en-US" altLang="en-US" sz="1600" dirty="0">
+                <a:solidFill>
+                  <a:srgbClr val="FF0000"/>
+                </a:solidFill>
+              </a:rPr>
+              <a:t>programming)</a:t>
             </a:r>
           </a:p>
           <a:p>
@@ -5440,8 +5095,21 @@
             </a:pPr>
             <a:r>
               <a:rPr lang="en-US" altLang="en-US" sz="1600" dirty="0"/>
-              <a:t>High-level, completely south-bound agnostic, cross-layer programming</a:t>
-            </a:r>
+              <a:t>High-level, completely south-bound agnostic, cross-layer </a:t>
+            </a:r>
+            <a:r>
+              <a:rPr lang="en-US" altLang="en-US" sz="1600" dirty="0" smtClean="0"/>
+              <a:t>(</a:t>
+            </a:r>
+            <a:r>
+              <a:rPr lang="en-US" altLang="en-US" sz="1600" dirty="0" smtClean="0"/>
+              <a:t>L2-L7) </a:t>
+            </a:r>
+            <a:r>
+              <a:rPr lang="en-US" altLang="en-US" sz="1600" dirty="0" smtClean="0"/>
+              <a:t>programming</a:t>
+            </a:r>
+            <a:endParaRPr lang="en-US" altLang="en-US" sz="1600" dirty="0"/>
           </a:p>
           <a:p>
             <a:pPr marL="285750" indent="-285750" eaLnBrk="1" hangingPunct="1">
@@ -5711,7 +5379,11 @@
               <a:defRPr/>
             </a:pPr>
             <a:r>
-              <a:rPr lang="en-US" altLang="en-US" sz="1600" dirty="0"/>
+              <a:rPr lang="en-US" altLang="en-US" sz="1600" dirty="0">
+                <a:solidFill>
+                  <a:srgbClr val="FF0000"/>
+                </a:solidFill>
+              </a:rPr>
               <a:t>FAST (automation function store)</a:t>
             </a:r>
           </a:p>
@@ -6331,7 +6003,11 @@
               <a:defRPr/>
             </a:pPr>
             <a:r>
-              <a:rPr lang="en-US" altLang="en-US" sz="1600" dirty="0"/>
+              <a:rPr lang="en-US" altLang="en-US" sz="1600" dirty="0">
+                <a:solidFill>
+                  <a:srgbClr val="FF0000"/>
+                </a:solidFill>
+              </a:rPr>
               <a:t>Web IDE</a:t>
             </a:r>
           </a:p>
@@ -6981,7 +6657,7 @@
       </p:grpSpPr>
       <p:sp>
         <p:nvSpPr>
-          <p:cNvPr id="38913" name="Title 1"/>
+          <p:cNvPr id="43009" name="Title 2"/>
           <p:cNvSpPr>
             <a:spLocks noGrp="1"/>
           </p:cNvSpPr>
@@ -6991,1466 +6667,26 @@
         </p:nvSpPr>
         <p:spPr>
           <a:xfrm>
-            <a:off x="1787525" y="239713"/>
-            <a:ext cx="8802688" cy="554037"/>
+            <a:off x="838200" y="365125"/>
+            <a:ext cx="10515600" cy="798657"/>
           </a:xfrm>
         </p:spPr>
         <p:txBody>
           <a:bodyPr/>
           <a:lstStyle/>
           <a:p>
-            <a:r>
-              <a:rPr lang="en-US" altLang="en-US" sz="2400"/>
-              <a:t>High-level SDN Programming Abstraction: Function Store (Details; skip)</a:t>
-            </a:r>
-          </a:p>
-        </p:txBody>
-      </p:sp>
-      <p:sp>
-        <p:nvSpPr>
-          <p:cNvPr id="6" name="Rectangle 5"/>
-          <p:cNvSpPr/>
-          <p:nvPr/>
-        </p:nvSpPr>
-        <p:spPr bwMode="auto">
-          <a:xfrm>
-            <a:off x="1603375" y="1757363"/>
-            <a:ext cx="3230563" cy="1077912"/>
-          </a:xfrm>
-          <a:prstGeom prst="rect">
-            <a:avLst/>
-          </a:prstGeom>
-          <a:solidFill>
-            <a:srgbClr val="4F81BD"/>
-          </a:solidFill>
-          <a:ln w="9525" cap="flat" cmpd="sng" algn="ctr">
-            <a:solidFill>
-              <a:sysClr val="windowText" lastClr="000000"/>
-            </a:solidFill>
-            <a:prstDash val="solid"/>
-            <a:round/>
-            <a:headEnd type="none" w="med" len="med"/>
-            <a:tailEnd type="none" w="med" len="med"/>
-          </a:ln>
-          <a:effectLst/>
-        </p:spPr>
-        <p:txBody>
-          <a:bodyPr/>
-          <a:lstStyle/>
-          <a:p>
-            <a:pPr>
-              <a:defRPr/>
-            </a:pPr>
-            <a:endParaRPr lang="en-US" sz="2400" kern="0" baseline="-25000">
-              <a:solidFill>
-                <a:sysClr val="windowText" lastClr="000000"/>
-              </a:solidFill>
-              <a:effectLst>
-                <a:outerShdw blurRad="38100" dist="38100" dir="2700000" algn="tl">
-                  <a:srgbClr val="000000">
-                    <a:alpha val="43137"/>
-                  </a:srgbClr>
-                </a:outerShdw>
-              </a:effectLst>
-              <a:latin typeface="Arial" pitchFamily="-105" charset="0"/>
-              <a:ea typeface="ＭＳ Ｐゴシック" pitchFamily="-105" charset="-128"/>
-              <a:cs typeface="ＭＳ Ｐゴシック" pitchFamily="-105" charset="-128"/>
-            </a:endParaRPr>
-          </a:p>
-        </p:txBody>
-      </p:sp>
-      <p:sp>
-        <p:nvSpPr>
-          <p:cNvPr id="4" name="Document 3"/>
-          <p:cNvSpPr/>
-          <p:nvPr/>
-        </p:nvSpPr>
-        <p:spPr>
-          <a:xfrm>
-            <a:off x="1831273" y="1968150"/>
-            <a:ext cx="751115" cy="588905"/>
-          </a:xfrm>
-          <a:prstGeom prst="flowChartDocument">
-            <a:avLst/>
-          </a:prstGeom>
-          <a:gradFill flip="none" rotWithShape="1">
-            <a:gsLst>
-              <a:gs pos="0">
-                <a:schemeClr val="accent2">
-                  <a:lumMod val="0"/>
-                  <a:lumOff val="100000"/>
-                </a:schemeClr>
-              </a:gs>
-              <a:gs pos="35000">
-                <a:schemeClr val="accent2">
-                  <a:lumMod val="0"/>
-                  <a:lumOff val="100000"/>
-                </a:schemeClr>
-              </a:gs>
-              <a:gs pos="100000">
-                <a:schemeClr val="accent2">
-                  <a:lumMod val="100000"/>
-                </a:schemeClr>
-              </a:gs>
-            </a:gsLst>
-            <a:path path="circle">
-              <a:fillToRect l="50000" t="-80000" r="50000" b="180000"/>
-            </a:path>
-            <a:tileRect/>
-          </a:gradFill>
-        </p:spPr>
-        <p:style>
-          <a:lnRef idx="1">
-            <a:schemeClr val="accent1"/>
-          </a:lnRef>
-          <a:fillRef idx="3">
-            <a:schemeClr val="accent1"/>
-          </a:fillRef>
-          <a:effectRef idx="2">
-            <a:schemeClr val="accent1"/>
-          </a:effectRef>
-          <a:fontRef idx="minor">
-            <a:schemeClr val="lt1"/>
-          </a:fontRef>
-        </p:style>
-        <p:txBody>
-          <a:bodyPr anchor="ctr"/>
-          <a:lstStyle/>
-          <a:p>
-            <a:pPr algn="ctr">
-              <a:defRPr/>
-            </a:pPr>
-            <a:r>
-              <a:rPr lang="en-US" sz="1200" dirty="0">
-                <a:solidFill>
-                  <a:srgbClr val="C00000"/>
-                </a:solidFill>
-              </a:rPr>
-              <a:t>function</a:t>
-            </a:r>
-            <a:br>
-              <a:rPr lang="en-US" sz="1200" dirty="0">
-                <a:solidFill>
-                  <a:srgbClr val="C00000"/>
-                </a:solidFill>
-              </a:rPr>
-            </a:br>
-            <a:r>
-              <a:rPr lang="en-US" sz="1200" dirty="0">
-                <a:solidFill>
-                  <a:srgbClr val="C00000"/>
-                </a:solidFill>
-              </a:rPr>
-              <a:t>instance</a:t>
-            </a:r>
-          </a:p>
-        </p:txBody>
-      </p:sp>
-      <p:sp>
-        <p:nvSpPr>
-          <p:cNvPr id="38918" name="Shape 167"/>
-          <p:cNvSpPr txBox="1">
-            <a:spLocks/>
-          </p:cNvSpPr>
-          <p:nvPr/>
-        </p:nvSpPr>
-        <p:spPr bwMode="auto">
-          <a:xfrm>
-            <a:off x="5046663" y="1552575"/>
-            <a:ext cx="5259387" cy="4645025"/>
-          </a:xfrm>
-          <a:prstGeom prst="rect">
-            <a:avLst/>
-          </a:prstGeom>
-          <a:noFill/>
-          <a:ln w="9525">
-            <a:solidFill>
-              <a:srgbClr val="000000"/>
-            </a:solidFill>
-            <a:miter lim="800000"/>
-            <a:headEnd/>
-            <a:tailEnd/>
-          </a:ln>
-          <a:extLst>
-            <a:ext uri="{909E8E84-426E-40DD-AFC4-6F175D3DCCD1}">
-              <a14:hiddenFill xmlns:a14="http://schemas.microsoft.com/office/drawing/2010/main">
-                <a:solidFill>
-                  <a:srgbClr val="FFFFFF"/>
-                </a:solidFill>
-              </a14:hiddenFill>
-            </a:ext>
-          </a:extLst>
-        </p:spPr>
-        <p:txBody>
-          <a:bodyPr lIns="91425" tIns="91425" rIns="91425" bIns="91425"/>
-          <a:lstStyle>
-            <a:lvl1pPr>
-              <a:lnSpc>
-                <a:spcPct val="90000"/>
-              </a:lnSpc>
-              <a:spcBef>
-                <a:spcPts val="1000"/>
-              </a:spcBef>
-              <a:buFont typeface="Arial" charset="0"/>
-              <a:buChar char="•"/>
-              <a:defRPr sz="2800">
-                <a:solidFill>
-                  <a:schemeClr val="tx1"/>
-                </a:solidFill>
-                <a:latin typeface="Calibri" charset="0"/>
-              </a:defRPr>
-            </a:lvl1pPr>
-            <a:lvl2pPr marL="742950" indent="-133350">
-              <a:lnSpc>
-                <a:spcPct val="90000"/>
-              </a:lnSpc>
-              <a:spcBef>
-                <a:spcPts val="500"/>
-              </a:spcBef>
-              <a:buFont typeface="Arial" charset="0"/>
-              <a:buChar char="•"/>
-              <a:defRPr sz="2400">
-                <a:solidFill>
-                  <a:schemeClr val="tx1"/>
-                </a:solidFill>
-                <a:latin typeface="Calibri" charset="0"/>
-              </a:defRPr>
-            </a:lvl2pPr>
-            <a:lvl3pPr marL="1143000" indent="-101600">
-              <a:lnSpc>
-                <a:spcPct val="90000"/>
-              </a:lnSpc>
-              <a:spcBef>
-                <a:spcPts val="500"/>
-              </a:spcBef>
-              <a:buFont typeface="Arial" charset="0"/>
-              <a:buChar char="•"/>
-              <a:defRPr sz="2000">
-                <a:solidFill>
-                  <a:schemeClr val="tx1"/>
-                </a:solidFill>
-                <a:latin typeface="Calibri" charset="0"/>
-              </a:defRPr>
-            </a:lvl3pPr>
-            <a:lvl4pPr marL="1600200" indent="-114300">
-              <a:lnSpc>
-                <a:spcPct val="90000"/>
-              </a:lnSpc>
-              <a:spcBef>
-                <a:spcPts val="500"/>
-              </a:spcBef>
-              <a:buFont typeface="Arial" charset="0"/>
-              <a:buChar char="•"/>
-              <a:defRPr>
-                <a:solidFill>
-                  <a:schemeClr val="tx1"/>
-                </a:solidFill>
-                <a:latin typeface="Calibri" charset="0"/>
-              </a:defRPr>
-            </a:lvl4pPr>
-            <a:lvl5pPr marL="2057400" indent="-114300">
-              <a:lnSpc>
-                <a:spcPct val="90000"/>
-              </a:lnSpc>
-              <a:spcBef>
-                <a:spcPts val="500"/>
-              </a:spcBef>
-              <a:buFont typeface="Arial" charset="0"/>
-              <a:buChar char="•"/>
-              <a:defRPr>
-                <a:solidFill>
-                  <a:schemeClr val="tx1"/>
-                </a:solidFill>
-                <a:latin typeface="Calibri" charset="0"/>
-              </a:defRPr>
-            </a:lvl5pPr>
-            <a:lvl6pPr marL="2514600" indent="-114300" eaLnBrk="0" fontAlgn="base" hangingPunct="0">
-              <a:lnSpc>
-                <a:spcPct val="90000"/>
-              </a:lnSpc>
-              <a:spcBef>
-                <a:spcPts val="500"/>
-              </a:spcBef>
-              <a:spcAft>
-                <a:spcPct val="0"/>
-              </a:spcAft>
-              <a:buFont typeface="Arial" charset="0"/>
-              <a:buChar char="•"/>
-              <a:defRPr>
-                <a:solidFill>
-                  <a:schemeClr val="tx1"/>
-                </a:solidFill>
-                <a:latin typeface="Calibri" charset="0"/>
-              </a:defRPr>
-            </a:lvl6pPr>
-            <a:lvl7pPr marL="2971800" indent="-114300" eaLnBrk="0" fontAlgn="base" hangingPunct="0">
-              <a:lnSpc>
-                <a:spcPct val="90000"/>
-              </a:lnSpc>
-              <a:spcBef>
-                <a:spcPts val="500"/>
-              </a:spcBef>
-              <a:spcAft>
-                <a:spcPct val="0"/>
-              </a:spcAft>
-              <a:buFont typeface="Arial" charset="0"/>
-              <a:buChar char="•"/>
-              <a:defRPr>
-                <a:solidFill>
-                  <a:schemeClr val="tx1"/>
-                </a:solidFill>
-                <a:latin typeface="Calibri" charset="0"/>
-              </a:defRPr>
-            </a:lvl7pPr>
-            <a:lvl8pPr marL="3429000" indent="-114300" eaLnBrk="0" fontAlgn="base" hangingPunct="0">
-              <a:lnSpc>
-                <a:spcPct val="90000"/>
-              </a:lnSpc>
-              <a:spcBef>
-                <a:spcPts val="500"/>
-              </a:spcBef>
-              <a:spcAft>
-                <a:spcPct val="0"/>
-              </a:spcAft>
-              <a:buFont typeface="Arial" charset="0"/>
-              <a:buChar char="•"/>
-              <a:defRPr>
-                <a:solidFill>
-                  <a:schemeClr val="tx1"/>
-                </a:solidFill>
-                <a:latin typeface="Calibri" charset="0"/>
-              </a:defRPr>
-            </a:lvl8pPr>
-            <a:lvl9pPr marL="3886200" indent="-114300" eaLnBrk="0" fontAlgn="base" hangingPunct="0">
-              <a:lnSpc>
-                <a:spcPct val="90000"/>
-              </a:lnSpc>
-              <a:spcBef>
-                <a:spcPts val="500"/>
-              </a:spcBef>
-              <a:spcAft>
-                <a:spcPct val="0"/>
-              </a:spcAft>
-              <a:buFont typeface="Arial" charset="0"/>
-              <a:buChar char="•"/>
-              <a:defRPr>
-                <a:solidFill>
-                  <a:schemeClr val="tx1"/>
-                </a:solidFill>
-                <a:latin typeface="Calibri" charset="0"/>
-              </a:defRPr>
-            </a:lvl9pPr>
-          </a:lstStyle>
-          <a:p>
-            <a:pPr eaLnBrk="1" hangingPunct="1">
-              <a:lnSpc>
-                <a:spcPct val="100000"/>
-              </a:lnSpc>
-              <a:spcBef>
-                <a:spcPct val="0"/>
-              </a:spcBef>
-              <a:buClr>
-                <a:srgbClr val="6E7BBD"/>
-              </a:buClr>
-              <a:buFont typeface="Calibri" charset="0"/>
-              <a:buNone/>
-            </a:pPr>
-            <a:r>
-              <a:rPr lang="mr-IN" altLang="en-US" sz="1400" b="1">
-                <a:solidFill>
-                  <a:srgbClr val="000000"/>
-                </a:solidFill>
-                <a:latin typeface="Consolas" charset="0"/>
-                <a:ea typeface="Consolas" charset="0"/>
-                <a:cs typeface="Consolas" charset="0"/>
-                <a:sym typeface="Consolas" charset="0"/>
-              </a:rPr>
-              <a:t>public void </a:t>
-            </a:r>
-            <a:r>
-              <a:rPr lang="en-US" altLang="en-US" sz="1400" b="1">
-                <a:solidFill>
-                  <a:srgbClr val="FF0000"/>
-                </a:solidFill>
-                <a:latin typeface="Consolas" charset="0"/>
-                <a:ea typeface="Consolas" charset="0"/>
-                <a:cs typeface="Consolas" charset="0"/>
-                <a:sym typeface="Consolas" charset="0"/>
-              </a:rPr>
-              <a:t>QoSRouting</a:t>
-            </a:r>
-            <a:r>
-              <a:rPr lang="mr-IN" altLang="en-US" sz="1400" b="1">
-                <a:solidFill>
-                  <a:srgbClr val="000000"/>
-                </a:solidFill>
-                <a:latin typeface="Consolas" charset="0"/>
-                <a:ea typeface="Consolas" charset="0"/>
-                <a:cs typeface="Consolas" charset="0"/>
-                <a:sym typeface="Consolas" charset="0"/>
-              </a:rPr>
-              <a:t>(</a:t>
-            </a:r>
-            <a:r>
-              <a:rPr lang="mr-IN" altLang="en-US" sz="1400" b="1">
-                <a:solidFill>
-                  <a:srgbClr val="FF0000"/>
-                </a:solidFill>
-                <a:latin typeface="Consolas" charset="0"/>
-                <a:ea typeface="Consolas" charset="0"/>
-                <a:cs typeface="Consolas" charset="0"/>
-                <a:sym typeface="Consolas" charset="0"/>
-              </a:rPr>
-              <a:t>Ipv4Address src, </a:t>
-            </a:r>
-            <a:r>
-              <a:rPr lang="en-US" altLang="en-US" sz="1400" b="1">
-                <a:solidFill>
-                  <a:srgbClr val="FF0000"/>
-                </a:solidFill>
-                <a:latin typeface="Consolas" charset="0"/>
-                <a:ea typeface="Consolas" charset="0"/>
-                <a:cs typeface="Consolas" charset="0"/>
-                <a:sym typeface="Consolas" charset="0"/>
-              </a:rPr>
-              <a:t/>
-            </a:r>
-            <a:br>
-              <a:rPr lang="en-US" altLang="en-US" sz="1400" b="1">
-                <a:solidFill>
-                  <a:srgbClr val="FF0000"/>
-                </a:solidFill>
-                <a:latin typeface="Consolas" charset="0"/>
-                <a:ea typeface="Consolas" charset="0"/>
-                <a:cs typeface="Consolas" charset="0"/>
-                <a:sym typeface="Consolas" charset="0"/>
-              </a:rPr>
-            </a:br>
-            <a:r>
-              <a:rPr lang="en-US" altLang="en-US" sz="1400" b="1">
-                <a:solidFill>
-                  <a:srgbClr val="FF0000"/>
-                </a:solidFill>
-                <a:latin typeface="Consolas" charset="0"/>
-                <a:ea typeface="Consolas" charset="0"/>
-                <a:cs typeface="Consolas" charset="0"/>
-                <a:sym typeface="Consolas" charset="0"/>
-              </a:rPr>
-              <a:t>            </a:t>
-            </a:r>
-            <a:r>
-              <a:rPr lang="mr-IN" altLang="en-US" sz="1400" b="1">
-                <a:solidFill>
-                  <a:srgbClr val="FF0000"/>
-                </a:solidFill>
-                <a:latin typeface="Consolas" charset="0"/>
-                <a:ea typeface="Consolas" charset="0"/>
-                <a:cs typeface="Consolas" charset="0"/>
-                <a:sym typeface="Consolas" charset="0"/>
-              </a:rPr>
-              <a:t>Ipv4Address dst, int requiredBw</a:t>
-            </a:r>
-            <a:r>
-              <a:rPr lang="mr-IN" altLang="en-US" sz="1400" b="1">
-                <a:solidFill>
-                  <a:srgbClr val="000000"/>
-                </a:solidFill>
-                <a:latin typeface="Consolas" charset="0"/>
-                <a:ea typeface="Consolas" charset="0"/>
-                <a:cs typeface="Consolas" charset="0"/>
-                <a:sym typeface="Consolas" charset="0"/>
-              </a:rPr>
-              <a:t>) {</a:t>
-            </a:r>
-          </a:p>
-          <a:p>
-            <a:pPr eaLnBrk="1" hangingPunct="1">
-              <a:lnSpc>
-                <a:spcPct val="100000"/>
-              </a:lnSpc>
-              <a:spcBef>
-                <a:spcPct val="0"/>
-              </a:spcBef>
-              <a:buClr>
-                <a:srgbClr val="6E7BBD"/>
-              </a:buClr>
-              <a:buFont typeface="Calibri" charset="0"/>
-              <a:buNone/>
-            </a:pPr>
-            <a:r>
-              <a:rPr lang="en-US" altLang="en-US" sz="1400" b="1">
-                <a:solidFill>
-                  <a:srgbClr val="000000"/>
-                </a:solidFill>
-                <a:latin typeface="Consolas" charset="0"/>
-                <a:ea typeface="Consolas" charset="0"/>
-                <a:cs typeface="Consolas" charset="0"/>
-                <a:sym typeface="Consolas" charset="0"/>
-              </a:rPr>
-              <a:t>  </a:t>
-            </a:r>
-            <a:r>
-              <a:rPr lang="mr-IN" altLang="en-US" sz="1400" b="1">
-                <a:solidFill>
-                  <a:srgbClr val="000000"/>
-                </a:solidFill>
-                <a:latin typeface="Consolas" charset="0"/>
-                <a:ea typeface="Consolas" charset="0"/>
-                <a:cs typeface="Consolas" charset="0"/>
-                <a:sym typeface="Consolas" charset="0"/>
-              </a:rPr>
-              <a:t>srcNode, dstNode = </a:t>
-            </a:r>
-            <a:r>
-              <a:rPr lang="mr-IN" altLang="en-US" sz="1400" b="1">
-                <a:solidFill>
-                  <a:srgbClr val="FF0000"/>
-                </a:solidFill>
-                <a:latin typeface="Consolas" charset="0"/>
-                <a:ea typeface="Consolas" charset="0"/>
-                <a:cs typeface="Consolas" charset="0"/>
-                <a:sym typeface="Consolas" charset="0"/>
-              </a:rPr>
-              <a:t>mapToNode</a:t>
-            </a:r>
-            <a:r>
-              <a:rPr lang="mr-IN" altLang="en-US" sz="1400" b="1">
-                <a:solidFill>
-                  <a:srgbClr val="000000"/>
-                </a:solidFill>
-                <a:latin typeface="Consolas" charset="0"/>
-                <a:ea typeface="Consolas" charset="0"/>
-                <a:cs typeface="Consolas" charset="0"/>
-                <a:sym typeface="Consolas" charset="0"/>
-              </a:rPr>
-              <a:t>(src, dst);</a:t>
-            </a:r>
-          </a:p>
-          <a:p>
-            <a:pPr eaLnBrk="1" hangingPunct="1">
-              <a:lnSpc>
-                <a:spcPct val="100000"/>
-              </a:lnSpc>
-              <a:spcBef>
-                <a:spcPct val="0"/>
-              </a:spcBef>
-              <a:buClr>
-                <a:srgbClr val="6E7BBD"/>
-              </a:buClr>
-              <a:buFont typeface="Calibri" charset="0"/>
-              <a:buNone/>
-            </a:pPr>
-            <a:r>
-              <a:rPr lang="mr-IN" altLang="en-US" sz="1400" b="1">
-                <a:solidFill>
-                  <a:srgbClr val="000000"/>
-                </a:solidFill>
-                <a:latin typeface="Consolas" charset="0"/>
-                <a:ea typeface="Consolas" charset="0"/>
-                <a:cs typeface="Consolas" charset="0"/>
-                <a:sym typeface="Consolas" charset="0"/>
-              </a:rPr>
-              <a:t>  topology = </a:t>
-            </a:r>
-            <a:r>
-              <a:rPr lang="mr-IN" altLang="en-US" sz="1400" b="1">
-                <a:solidFill>
-                  <a:srgbClr val="FF0000"/>
-                </a:solidFill>
-                <a:latin typeface="Consolas" charset="0"/>
-                <a:ea typeface="Consolas" charset="0"/>
-                <a:cs typeface="Consolas" charset="0"/>
-                <a:sym typeface="Consolas" charset="0"/>
-              </a:rPr>
-              <a:t>readTopology()</a:t>
-            </a:r>
-            <a:r>
-              <a:rPr lang="mr-IN" altLang="en-US" sz="1400" b="1">
-                <a:solidFill>
-                  <a:srgbClr val="000000"/>
-                </a:solidFill>
-                <a:latin typeface="Consolas" charset="0"/>
-                <a:ea typeface="Consolas" charset="0"/>
-                <a:cs typeface="Consolas" charset="0"/>
-                <a:sym typeface="Consolas" charset="0"/>
-              </a:rPr>
-              <a:t>;</a:t>
-            </a:r>
-          </a:p>
-          <a:p>
-            <a:pPr eaLnBrk="1" hangingPunct="1">
-              <a:lnSpc>
-                <a:spcPct val="100000"/>
-              </a:lnSpc>
-              <a:spcBef>
-                <a:spcPct val="0"/>
-              </a:spcBef>
-              <a:buClr>
-                <a:srgbClr val="6E7BBD"/>
-              </a:buClr>
-              <a:buFont typeface="Calibri" charset="0"/>
-              <a:buNone/>
-            </a:pPr>
-            <a:endParaRPr lang="mr-IN" altLang="en-US" sz="1400" b="1">
-              <a:solidFill>
-                <a:srgbClr val="000000"/>
-              </a:solidFill>
-              <a:latin typeface="Consolas" charset="0"/>
-              <a:ea typeface="Consolas" charset="0"/>
-              <a:cs typeface="Consolas" charset="0"/>
-              <a:sym typeface="Consolas" charset="0"/>
-            </a:endParaRPr>
-          </a:p>
-          <a:p>
-            <a:pPr eaLnBrk="1" hangingPunct="1">
-              <a:lnSpc>
-                <a:spcPct val="100000"/>
-              </a:lnSpc>
-              <a:spcBef>
-                <a:spcPct val="0"/>
-              </a:spcBef>
-              <a:buClr>
-                <a:srgbClr val="6E7BBD"/>
-              </a:buClr>
-              <a:buFont typeface="Calibri" charset="0"/>
-              <a:buNone/>
-            </a:pPr>
-            <a:r>
-              <a:rPr lang="mr-IN" altLang="en-US" sz="1400" b="1">
-                <a:solidFill>
-                  <a:srgbClr val="000000"/>
-                </a:solidFill>
-                <a:latin typeface="Consolas" charset="0"/>
-                <a:ea typeface="Consolas" charset="0"/>
-                <a:cs typeface="Consolas" charset="0"/>
-                <a:sym typeface="Consolas" charset="0"/>
-              </a:rPr>
-              <a:t>  pq.add(srcNode);</a:t>
-            </a:r>
-          </a:p>
-          <a:p>
-            <a:pPr eaLnBrk="1" hangingPunct="1">
-              <a:lnSpc>
-                <a:spcPct val="100000"/>
-              </a:lnSpc>
-              <a:spcBef>
-                <a:spcPct val="0"/>
-              </a:spcBef>
-              <a:buClr>
-                <a:srgbClr val="6E7BBD"/>
-              </a:buClr>
-              <a:buFont typeface="Calibri" charset="0"/>
-              <a:buNone/>
-            </a:pPr>
-            <a:r>
-              <a:rPr lang="mr-IN" altLang="en-US" sz="1400" b="1">
-                <a:solidFill>
-                  <a:srgbClr val="000000"/>
-                </a:solidFill>
-                <a:latin typeface="Consolas" charset="0"/>
-                <a:ea typeface="Consolas" charset="0"/>
-                <a:cs typeface="Consolas" charset="0"/>
-                <a:sym typeface="Consolas" charset="0"/>
-              </a:rPr>
-              <a:t>  while (!pq.isEmpty()) {</a:t>
-            </a:r>
-          </a:p>
-          <a:p>
-            <a:pPr eaLnBrk="1" hangingPunct="1">
-              <a:lnSpc>
-                <a:spcPct val="100000"/>
-              </a:lnSpc>
-              <a:spcBef>
-                <a:spcPct val="0"/>
-              </a:spcBef>
-              <a:buClr>
-                <a:srgbClr val="6E7BBD"/>
-              </a:buClr>
-              <a:buFont typeface="Calibri" charset="0"/>
-              <a:buNone/>
-            </a:pPr>
-            <a:r>
-              <a:rPr lang="mr-IN" altLang="en-US" sz="1400" b="1">
-                <a:solidFill>
-                  <a:srgbClr val="000000"/>
-                </a:solidFill>
-                <a:latin typeface="Consolas" charset="0"/>
-                <a:ea typeface="Consolas" charset="0"/>
-                <a:cs typeface="Consolas" charset="0"/>
-                <a:sym typeface="Consolas" charset="0"/>
-              </a:rPr>
-              <a:t>    n = pq.pop();</a:t>
-            </a:r>
-          </a:p>
-          <a:p>
-            <a:pPr eaLnBrk="1" hangingPunct="1">
-              <a:lnSpc>
-                <a:spcPct val="100000"/>
-              </a:lnSpc>
-              <a:spcBef>
-                <a:spcPct val="0"/>
-              </a:spcBef>
-              <a:buClr>
-                <a:srgbClr val="6E7BBD"/>
-              </a:buClr>
-              <a:buFont typeface="Calibri" charset="0"/>
-              <a:buNone/>
-            </a:pPr>
-            <a:r>
-              <a:rPr lang="mr-IN" altLang="en-US" sz="1400" b="1">
-                <a:solidFill>
-                  <a:srgbClr val="000000"/>
-                </a:solidFill>
-                <a:latin typeface="Consolas" charset="0"/>
-                <a:ea typeface="Consolas" charset="0"/>
-                <a:cs typeface="Consolas" charset="0"/>
-                <a:sym typeface="Consolas" charset="0"/>
-              </a:rPr>
-              <a:t>    if (bw_src(n) &lt; requiredBw)</a:t>
-            </a:r>
-          </a:p>
-          <a:p>
-            <a:pPr eaLnBrk="1" hangingPunct="1">
-              <a:lnSpc>
-                <a:spcPct val="100000"/>
-              </a:lnSpc>
-              <a:spcBef>
-                <a:spcPct val="0"/>
-              </a:spcBef>
-              <a:buClr>
-                <a:srgbClr val="6E7BBD"/>
-              </a:buClr>
-              <a:buFont typeface="Calibri" charset="0"/>
-              <a:buNone/>
-            </a:pPr>
-            <a:r>
-              <a:rPr lang="mr-IN" altLang="en-US" sz="1400" b="1">
-                <a:solidFill>
-                  <a:srgbClr val="000000"/>
-                </a:solidFill>
-                <a:latin typeface="Consolas" charset="0"/>
-                <a:ea typeface="Consolas" charset="0"/>
-                <a:cs typeface="Consolas" charset="0"/>
-                <a:sym typeface="Consolas" charset="0"/>
-              </a:rPr>
-              <a:t>      return failure</a:t>
-            </a:r>
-          </a:p>
-          <a:p>
-            <a:pPr eaLnBrk="1" hangingPunct="1">
-              <a:lnSpc>
-                <a:spcPct val="100000"/>
-              </a:lnSpc>
-              <a:spcBef>
-                <a:spcPct val="0"/>
-              </a:spcBef>
-              <a:buClr>
-                <a:srgbClr val="6E7BBD"/>
-              </a:buClr>
-              <a:buFont typeface="Calibri" charset="0"/>
-              <a:buNone/>
-            </a:pPr>
-            <a:r>
-              <a:rPr lang="mr-IN" altLang="en-US" sz="1400" b="1">
-                <a:solidFill>
-                  <a:srgbClr val="000000"/>
-                </a:solidFill>
-                <a:latin typeface="Consolas" charset="0"/>
-                <a:ea typeface="Consolas" charset="0"/>
-                <a:cs typeface="Consolas" charset="0"/>
-                <a:sym typeface="Consolas" charset="0"/>
-              </a:rPr>
-              <a:t>    if (n == dstNode)</a:t>
-            </a:r>
-          </a:p>
-          <a:p>
-            <a:pPr eaLnBrk="1" hangingPunct="1">
-              <a:lnSpc>
-                <a:spcPct val="100000"/>
-              </a:lnSpc>
-              <a:spcBef>
-                <a:spcPct val="0"/>
-              </a:spcBef>
-              <a:buClr>
-                <a:srgbClr val="6E7BBD"/>
-              </a:buClr>
-              <a:buFont typeface="Calibri" charset="0"/>
-              <a:buNone/>
-            </a:pPr>
-            <a:r>
-              <a:rPr lang="mr-IN" altLang="en-US" sz="1400" b="1">
-                <a:solidFill>
-                  <a:srgbClr val="000000"/>
-                </a:solidFill>
-                <a:latin typeface="Consolas" charset="0"/>
-                <a:ea typeface="Consolas" charset="0"/>
-                <a:cs typeface="Consolas" charset="0"/>
-                <a:sym typeface="Consolas" charset="0"/>
-              </a:rPr>
-              <a:t>      return </a:t>
-            </a:r>
-            <a:r>
-              <a:rPr lang="en-US" altLang="en-US" sz="1400" b="1">
-                <a:solidFill>
-                  <a:srgbClr val="0000FF"/>
-                </a:solidFill>
-                <a:latin typeface="Consolas" charset="0"/>
-                <a:ea typeface="Consolas" charset="0"/>
-                <a:cs typeface="Consolas" charset="0"/>
-                <a:sym typeface="Consolas" charset="0"/>
-              </a:rPr>
-              <a:t>writeRoute</a:t>
-            </a:r>
-            <a:r>
-              <a:rPr lang="mr-IN" altLang="en-US" sz="1400" b="1">
-                <a:solidFill>
-                  <a:srgbClr val="0000FF"/>
-                </a:solidFill>
-                <a:latin typeface="Consolas" charset="0"/>
-                <a:ea typeface="Consolas" charset="0"/>
-                <a:cs typeface="Consolas" charset="0"/>
-                <a:sym typeface="Consolas" charset="0"/>
-              </a:rPr>
-              <a:t>(</a:t>
-            </a:r>
-            <a:r>
-              <a:rPr lang="en-US" altLang="en-US" sz="1400" b="1">
-                <a:solidFill>
-                  <a:srgbClr val="0000FF"/>
-                </a:solidFill>
-                <a:latin typeface="Consolas" charset="0"/>
-                <a:ea typeface="Consolas" charset="0"/>
-                <a:cs typeface="Consolas" charset="0"/>
-                <a:sym typeface="Consolas" charset="0"/>
-              </a:rPr>
-              <a:t>src, dst, </a:t>
-            </a:r>
-            <a:r>
-              <a:rPr lang="mr-IN" altLang="en-US" sz="1400" b="1">
-                <a:solidFill>
-                  <a:srgbClr val="0000FF"/>
-                </a:solidFill>
-                <a:latin typeface="Consolas" charset="0"/>
-                <a:ea typeface="Consolas" charset="0"/>
-                <a:cs typeface="Consolas" charset="0"/>
-                <a:sym typeface="Consolas" charset="0"/>
-              </a:rPr>
-              <a:t>path)</a:t>
-            </a:r>
-            <a:r>
-              <a:rPr lang="mr-IN" altLang="en-US" sz="1400" b="1">
-                <a:solidFill>
-                  <a:srgbClr val="000000"/>
-                </a:solidFill>
-                <a:latin typeface="Consolas" charset="0"/>
-                <a:ea typeface="Consolas" charset="0"/>
-                <a:cs typeface="Consolas" charset="0"/>
-                <a:sym typeface="Consolas" charset="0"/>
-              </a:rPr>
-              <a:t>;</a:t>
-            </a:r>
-          </a:p>
-          <a:p>
-            <a:pPr eaLnBrk="1" hangingPunct="1">
-              <a:lnSpc>
-                <a:spcPct val="100000"/>
-              </a:lnSpc>
-              <a:spcBef>
-                <a:spcPct val="0"/>
-              </a:spcBef>
-              <a:buClr>
-                <a:srgbClr val="6E7BBD"/>
-              </a:buClr>
-              <a:buFont typeface="Calibri" charset="0"/>
-              <a:buNone/>
-            </a:pPr>
-            <a:r>
-              <a:rPr lang="mr-IN" altLang="en-US" sz="1400" b="1">
-                <a:solidFill>
-                  <a:srgbClr val="000000"/>
-                </a:solidFill>
-                <a:latin typeface="Consolas" charset="0"/>
-                <a:ea typeface="Consolas" charset="0"/>
-                <a:cs typeface="Consolas" charset="0"/>
-                <a:sym typeface="Consolas" charset="0"/>
-              </a:rPr>
-              <a:t>    for (e(n-&gt;m): </a:t>
-            </a:r>
-            <a:r>
-              <a:rPr lang="mr-IN" altLang="en-US" sz="1400" b="1">
-                <a:solidFill>
-                  <a:srgbClr val="FF0000"/>
-                </a:solidFill>
-                <a:latin typeface="Consolas" charset="0"/>
-                <a:ea typeface="Consolas" charset="0"/>
-                <a:cs typeface="Consolas" charset="0"/>
-                <a:sym typeface="Consolas" charset="0"/>
-              </a:rPr>
-              <a:t>n.neighbors</a:t>
-            </a:r>
-            <a:r>
-              <a:rPr lang="mr-IN" altLang="en-US" sz="1400" b="1">
-                <a:solidFill>
-                  <a:srgbClr val="000000"/>
-                </a:solidFill>
-                <a:latin typeface="Consolas" charset="0"/>
-                <a:ea typeface="Consolas" charset="0"/>
-                <a:cs typeface="Consolas" charset="0"/>
-                <a:sym typeface="Consolas" charset="0"/>
-              </a:rPr>
-              <a:t>) {</a:t>
-            </a:r>
-          </a:p>
-          <a:p>
-            <a:pPr eaLnBrk="1" hangingPunct="1">
-              <a:lnSpc>
-                <a:spcPct val="100000"/>
-              </a:lnSpc>
-              <a:spcBef>
-                <a:spcPct val="0"/>
-              </a:spcBef>
-              <a:buClr>
-                <a:srgbClr val="6E7BBD"/>
-              </a:buClr>
-              <a:buFont typeface="Calibri" charset="0"/>
-              <a:buNone/>
-            </a:pPr>
-            <a:r>
-              <a:rPr lang="mr-IN" altLang="en-US" sz="1400" b="1">
-                <a:solidFill>
-                  <a:srgbClr val="000000"/>
-                </a:solidFill>
-                <a:latin typeface="Consolas" charset="0"/>
-                <a:ea typeface="Consolas" charset="0"/>
-                <a:cs typeface="Consolas" charset="0"/>
-                <a:sym typeface="Consolas" charset="0"/>
-              </a:rPr>
-              <a:t>      if (min(</a:t>
-            </a:r>
-            <a:r>
-              <a:rPr lang="mr-IN" altLang="en-US" sz="1400" b="1">
-                <a:solidFill>
-                  <a:srgbClr val="FF0000"/>
-                </a:solidFill>
-                <a:latin typeface="Consolas" charset="0"/>
-                <a:ea typeface="Consolas" charset="0"/>
-                <a:cs typeface="Consolas" charset="0"/>
-                <a:sym typeface="Consolas" charset="0"/>
-              </a:rPr>
-              <a:t>e.bw</a:t>
-            </a:r>
-            <a:r>
-              <a:rPr lang="mr-IN" altLang="en-US" sz="1400" b="1">
-                <a:solidFill>
-                  <a:srgbClr val="000000"/>
-                </a:solidFill>
-                <a:latin typeface="Consolas" charset="0"/>
-                <a:ea typeface="Consolas" charset="0"/>
-                <a:cs typeface="Consolas" charset="0"/>
-                <a:sym typeface="Consolas" charset="0"/>
-              </a:rPr>
-              <a:t>, bw_src(n)) &gt; bw_src(m)) {</a:t>
-            </a:r>
-          </a:p>
-          <a:p>
-            <a:pPr eaLnBrk="1" hangingPunct="1">
-              <a:lnSpc>
-                <a:spcPct val="100000"/>
-              </a:lnSpc>
-              <a:spcBef>
-                <a:spcPct val="0"/>
-              </a:spcBef>
-              <a:buClr>
-                <a:srgbClr val="6E7BBD"/>
-              </a:buClr>
-              <a:buFont typeface="Calibri" charset="0"/>
-              <a:buNone/>
-            </a:pPr>
-            <a:r>
-              <a:rPr lang="mr-IN" altLang="en-US" sz="1400" b="1">
-                <a:solidFill>
-                  <a:srgbClr val="000000"/>
-                </a:solidFill>
-                <a:latin typeface="Consolas" charset="0"/>
-                <a:ea typeface="Consolas" charset="0"/>
-                <a:cs typeface="Consolas" charset="0"/>
-                <a:sym typeface="Consolas" charset="0"/>
-              </a:rPr>
-              <a:t>         updateBw(m, min(e.bw, bw_src(n)));</a:t>
-            </a:r>
-          </a:p>
-          <a:p>
-            <a:pPr eaLnBrk="1" hangingPunct="1">
-              <a:lnSpc>
-                <a:spcPct val="100000"/>
-              </a:lnSpc>
-              <a:spcBef>
-                <a:spcPct val="0"/>
-              </a:spcBef>
-              <a:buClr>
-                <a:srgbClr val="6E7BBD"/>
-              </a:buClr>
-              <a:buFont typeface="Calibri" charset="0"/>
-              <a:buNone/>
-            </a:pPr>
-            <a:r>
-              <a:rPr lang="mr-IN" altLang="en-US" sz="1400" b="1">
-                <a:solidFill>
-                  <a:srgbClr val="000000"/>
-                </a:solidFill>
-                <a:latin typeface="Consolas" charset="0"/>
-                <a:ea typeface="Consolas" charset="0"/>
-                <a:cs typeface="Consolas" charset="0"/>
-                <a:sym typeface="Consolas" charset="0"/>
-              </a:rPr>
-              <a:t>         ...</a:t>
-            </a:r>
-          </a:p>
-          <a:p>
-            <a:pPr eaLnBrk="1" hangingPunct="1">
-              <a:lnSpc>
-                <a:spcPct val="100000"/>
-              </a:lnSpc>
-              <a:spcBef>
-                <a:spcPct val="0"/>
-              </a:spcBef>
-              <a:buClr>
-                <a:srgbClr val="6E7BBD"/>
-              </a:buClr>
-              <a:buFont typeface="Calibri" charset="0"/>
-              <a:buNone/>
-            </a:pPr>
-            <a:r>
-              <a:rPr lang="mr-IN" altLang="en-US" sz="1400" b="1">
-                <a:solidFill>
-                  <a:srgbClr val="000000"/>
-                </a:solidFill>
-                <a:latin typeface="Consolas" charset="0"/>
-                <a:ea typeface="Consolas" charset="0"/>
-                <a:cs typeface="Consolas" charset="0"/>
-                <a:sym typeface="Consolas" charset="0"/>
-              </a:rPr>
-              <a:t>      }</a:t>
-            </a:r>
-          </a:p>
-          <a:p>
-            <a:pPr eaLnBrk="1" hangingPunct="1">
-              <a:lnSpc>
-                <a:spcPct val="100000"/>
-              </a:lnSpc>
-              <a:spcBef>
-                <a:spcPct val="0"/>
-              </a:spcBef>
-              <a:buClr>
-                <a:srgbClr val="6E7BBD"/>
-              </a:buClr>
-              <a:buFont typeface="Calibri" charset="0"/>
-              <a:buNone/>
-            </a:pPr>
-            <a:r>
-              <a:rPr lang="mr-IN" altLang="en-US" sz="1400" b="1">
-                <a:solidFill>
-                  <a:srgbClr val="000000"/>
-                </a:solidFill>
-                <a:latin typeface="Consolas" charset="0"/>
-                <a:ea typeface="Consolas" charset="0"/>
-                <a:cs typeface="Consolas" charset="0"/>
-                <a:sym typeface="Consolas" charset="0"/>
-              </a:rPr>
-              <a:t>    }</a:t>
-            </a:r>
-          </a:p>
-          <a:p>
-            <a:pPr eaLnBrk="1" hangingPunct="1">
-              <a:lnSpc>
-                <a:spcPct val="100000"/>
-              </a:lnSpc>
-              <a:spcBef>
-                <a:spcPct val="0"/>
-              </a:spcBef>
-              <a:buClr>
-                <a:srgbClr val="6E7BBD"/>
-              </a:buClr>
-              <a:buFont typeface="Calibri" charset="0"/>
-              <a:buNone/>
-            </a:pPr>
-            <a:r>
-              <a:rPr lang="mr-IN" altLang="en-US" sz="1400" b="1">
-                <a:solidFill>
-                  <a:srgbClr val="000000"/>
-                </a:solidFill>
-                <a:latin typeface="Consolas" charset="0"/>
-                <a:ea typeface="Consolas" charset="0"/>
-                <a:cs typeface="Consolas" charset="0"/>
-                <a:sym typeface="Consolas" charset="0"/>
-              </a:rPr>
-              <a:t>  }</a:t>
-            </a:r>
-          </a:p>
-          <a:p>
-            <a:pPr eaLnBrk="1" hangingPunct="1">
-              <a:lnSpc>
-                <a:spcPct val="100000"/>
-              </a:lnSpc>
-              <a:spcBef>
-                <a:spcPct val="0"/>
-              </a:spcBef>
-              <a:buClr>
-                <a:srgbClr val="6E7BBD"/>
-              </a:buClr>
-              <a:buFont typeface="Calibri" charset="0"/>
-              <a:buNone/>
-            </a:pPr>
-            <a:r>
-              <a:rPr lang="mr-IN" altLang="en-US" sz="1400" b="1">
-                <a:solidFill>
-                  <a:srgbClr val="000000"/>
-                </a:solidFill>
-                <a:latin typeface="Consolas" charset="0"/>
-                <a:ea typeface="Consolas" charset="0"/>
-                <a:cs typeface="Consolas" charset="0"/>
-                <a:sym typeface="Consolas" charset="0"/>
-              </a:rPr>
-              <a:t>  return failure</a:t>
-            </a:r>
-            <a:r>
-              <a:rPr lang="en-US" altLang="en-US" sz="1400" b="1">
-                <a:solidFill>
-                  <a:srgbClr val="000000"/>
-                </a:solidFill>
-                <a:latin typeface="Consolas" charset="0"/>
-                <a:ea typeface="Consolas" charset="0"/>
-                <a:cs typeface="Consolas" charset="0"/>
-                <a:sym typeface="Consolas" charset="0"/>
-              </a:rPr>
-              <a:t> </a:t>
-            </a:r>
-            <a:r>
-              <a:rPr lang="mr-IN" altLang="en-US" sz="1400" b="1">
-                <a:solidFill>
-                  <a:srgbClr val="000000"/>
-                </a:solidFill>
-                <a:latin typeface="Consolas" charset="0"/>
-                <a:ea typeface="Consolas" charset="0"/>
-                <a:cs typeface="Consolas" charset="0"/>
-                <a:sym typeface="Consolas" charset="0"/>
-              </a:rPr>
-              <a:t>}</a:t>
-            </a:r>
-          </a:p>
-        </p:txBody>
-      </p:sp>
-      <p:sp>
-        <p:nvSpPr>
-          <p:cNvPr id="11" name="Content Placeholder 4"/>
-          <p:cNvSpPr>
-            <a:spLocks noGrp="1"/>
-          </p:cNvSpPr>
-          <p:nvPr>
-            <p:ph idx="1"/>
-          </p:nvPr>
-        </p:nvSpPr>
-        <p:spPr>
-          <a:xfrm>
-            <a:off x="1617663" y="3041650"/>
-            <a:ext cx="3216275" cy="3155950"/>
-          </a:xfrm>
-          <a:ln>
-            <a:solidFill>
-              <a:schemeClr val="accent1">
-                <a:shade val="95000"/>
-                <a:satMod val="105000"/>
-              </a:schemeClr>
-            </a:solidFill>
-          </a:ln>
-        </p:spPr>
-        <p:txBody>
-          <a:bodyPr>
-            <a:normAutofit/>
-          </a:bodyPr>
-          <a:lstStyle/>
-          <a:p>
-            <a:pPr marL="342900" lvl="2" indent="-342900">
-              <a:defRPr/>
-            </a:pPr>
-            <a:r>
-              <a:rPr lang="en-US" altLang="ja-JP" dirty="0" smtClean="0">
-                <a:cs typeface="ＭＳ Ｐゴシック" charset="0"/>
-              </a:rPr>
-              <a:t>Allow generic functions</a:t>
-            </a:r>
-          </a:p>
-          <a:p>
-            <a:pPr marL="342900" lvl="2" indent="-342900">
-              <a:defRPr/>
-            </a:pPr>
-            <a:r>
-              <a:rPr lang="en-US" altLang="ja-JP" dirty="0" smtClean="0">
-                <a:cs typeface="ＭＳ Ｐゴシック" charset="0"/>
-              </a:rPr>
-              <a:t>Automatically track data dependency</a:t>
-            </a:r>
-          </a:p>
-          <a:p>
-            <a:pPr marL="342900" lvl="2" indent="-342900">
-              <a:defRPr/>
-            </a:pPr>
-            <a:r>
-              <a:rPr lang="en-US" altLang="ja-JP" dirty="0" smtClean="0">
-                <a:cs typeface="ＭＳ Ｐゴシック" charset="0"/>
-              </a:rPr>
-              <a:t>Automatic clean up, reschedule,  and </a:t>
-            </a:r>
-            <a:br>
-              <a:rPr lang="en-US" altLang="ja-JP" dirty="0" smtClean="0">
-                <a:cs typeface="ＭＳ Ｐゴシック" charset="0"/>
-              </a:rPr>
-            </a:br>
-            <a:r>
-              <a:rPr lang="en-US" altLang="ja-JP" dirty="0" smtClean="0">
-                <a:cs typeface="ＭＳ Ｐゴシック" charset="0"/>
-              </a:rPr>
-              <a:t>re-execute after dependent data changes (achieve intent)</a:t>
-            </a:r>
-          </a:p>
-        </p:txBody>
-      </p:sp>
-      <p:sp>
-        <p:nvSpPr>
-          <p:cNvPr id="12" name="Document 11"/>
-          <p:cNvSpPr/>
-          <p:nvPr/>
-        </p:nvSpPr>
-        <p:spPr>
-          <a:xfrm>
-            <a:off x="2794658" y="1968149"/>
-            <a:ext cx="751115" cy="588905"/>
-          </a:xfrm>
-          <a:prstGeom prst="flowChartDocument">
-            <a:avLst/>
-          </a:prstGeom>
-          <a:gradFill flip="none" rotWithShape="1">
-            <a:gsLst>
-              <a:gs pos="0">
-                <a:schemeClr val="accent5">
-                  <a:lumMod val="0"/>
-                  <a:lumOff val="100000"/>
-                </a:schemeClr>
-              </a:gs>
-              <a:gs pos="35000">
-                <a:schemeClr val="accent5">
-                  <a:lumMod val="0"/>
-                  <a:lumOff val="100000"/>
-                </a:schemeClr>
-              </a:gs>
-              <a:gs pos="100000">
-                <a:schemeClr val="accent5">
-                  <a:lumMod val="100000"/>
-                </a:schemeClr>
-              </a:gs>
-            </a:gsLst>
-            <a:path path="circle">
-              <a:fillToRect l="50000" t="-80000" r="50000" b="180000"/>
-            </a:path>
-            <a:tileRect/>
-          </a:gradFill>
-        </p:spPr>
-        <p:style>
-          <a:lnRef idx="1">
-            <a:schemeClr val="accent1"/>
-          </a:lnRef>
-          <a:fillRef idx="3">
-            <a:schemeClr val="accent1"/>
-          </a:fillRef>
-          <a:effectRef idx="2">
-            <a:schemeClr val="accent1"/>
-          </a:effectRef>
-          <a:fontRef idx="minor">
-            <a:schemeClr val="lt1"/>
-          </a:fontRef>
-        </p:style>
-        <p:txBody>
-          <a:bodyPr anchor="ctr"/>
-          <a:lstStyle/>
-          <a:p>
-            <a:pPr algn="ctr">
-              <a:defRPr/>
-            </a:pPr>
-            <a:r>
-              <a:rPr lang="en-US" sz="1200" dirty="0">
-                <a:solidFill>
-                  <a:srgbClr val="C00000"/>
-                </a:solidFill>
-              </a:rPr>
-              <a:t>function</a:t>
-            </a:r>
-            <a:br>
-              <a:rPr lang="en-US" sz="1200" dirty="0">
-                <a:solidFill>
-                  <a:srgbClr val="C00000"/>
-                </a:solidFill>
-              </a:rPr>
-            </a:br>
-            <a:r>
-              <a:rPr lang="en-US" sz="1200" dirty="0">
-                <a:solidFill>
-                  <a:srgbClr val="C00000"/>
-                </a:solidFill>
-              </a:rPr>
-              <a:t>instance</a:t>
-            </a:r>
-          </a:p>
-        </p:txBody>
-      </p:sp>
-      <p:sp>
-        <p:nvSpPr>
-          <p:cNvPr id="13" name="Document 12"/>
-          <p:cNvSpPr/>
-          <p:nvPr/>
-        </p:nvSpPr>
-        <p:spPr>
-          <a:xfrm>
-            <a:off x="3839684" y="1968149"/>
-            <a:ext cx="751115" cy="588905"/>
-          </a:xfrm>
-          <a:prstGeom prst="flowChartDocument">
-            <a:avLst/>
-          </a:prstGeom>
-          <a:gradFill flip="none" rotWithShape="1">
-            <a:gsLst>
-              <a:gs pos="0">
-                <a:schemeClr val="accent6">
-                  <a:lumMod val="0"/>
-                  <a:lumOff val="100000"/>
-                </a:schemeClr>
-              </a:gs>
-              <a:gs pos="35000">
-                <a:schemeClr val="accent6">
-                  <a:lumMod val="0"/>
-                  <a:lumOff val="100000"/>
-                </a:schemeClr>
-              </a:gs>
-              <a:gs pos="100000">
-                <a:schemeClr val="accent6">
-                  <a:lumMod val="100000"/>
-                </a:schemeClr>
-              </a:gs>
-            </a:gsLst>
-            <a:path path="circle">
-              <a:fillToRect l="50000" t="-80000" r="50000" b="180000"/>
-            </a:path>
-            <a:tileRect/>
-          </a:gradFill>
-        </p:spPr>
-        <p:style>
-          <a:lnRef idx="1">
-            <a:schemeClr val="accent1"/>
-          </a:lnRef>
-          <a:fillRef idx="3">
-            <a:schemeClr val="accent1"/>
-          </a:fillRef>
-          <a:effectRef idx="2">
-            <a:schemeClr val="accent1"/>
-          </a:effectRef>
-          <a:fontRef idx="minor">
-            <a:schemeClr val="lt1"/>
-          </a:fontRef>
-        </p:style>
-        <p:txBody>
-          <a:bodyPr anchor="ctr"/>
-          <a:lstStyle/>
-          <a:p>
-            <a:pPr algn="ctr">
-              <a:defRPr/>
-            </a:pPr>
-            <a:r>
-              <a:rPr lang="en-US" sz="1200" dirty="0">
-                <a:solidFill>
-                  <a:srgbClr val="C00000"/>
-                </a:solidFill>
-              </a:rPr>
-              <a:t>function</a:t>
-            </a:r>
-            <a:br>
-              <a:rPr lang="en-US" sz="1200" dirty="0">
-                <a:solidFill>
-                  <a:srgbClr val="C00000"/>
-                </a:solidFill>
-              </a:rPr>
-            </a:br>
-            <a:r>
-              <a:rPr lang="en-US" sz="1200" dirty="0">
-                <a:solidFill>
-                  <a:srgbClr val="C00000"/>
-                </a:solidFill>
-              </a:rPr>
-              <a:t>instance</a:t>
-            </a:r>
-          </a:p>
-        </p:txBody>
-      </p:sp>
-    </p:spTree>
-  </p:cSld>
-  <p:clrMapOvr>
-    <a:masterClrMapping/>
-  </p:clrMapOvr>
-  <p:timing>
-    <p:tnLst>
-      <p:par>
-        <p:cTn id="1" dur="indefinite" restart="never" nodeType="tmRoot"/>
-      </p:par>
-    </p:tnLst>
-  </p:timing>
-</p:sld>
-</file>
-
-<file path=ppt/slides/slide4.xml><?xml version="1.0" encoding="utf-8"?>
-<p:sld xmlns:a="http://schemas.openxmlformats.org/drawingml/2006/main" xmlns:r="http://schemas.openxmlformats.org/officeDocument/2006/relationships" xmlns:p="http://schemas.openxmlformats.org/presentationml/2006/main">
-  <p:cSld>
-    <p:spTree>
-      <p:nvGrpSpPr>
-        <p:cNvPr id="1" name=""/>
-        <p:cNvGrpSpPr/>
-        <p:nvPr/>
-      </p:nvGrpSpPr>
-      <p:grpSpPr>
-        <a:xfrm>
-          <a:off x="0" y="0"/>
-          <a:ext cx="0" cy="0"/>
-          <a:chOff x="0" y="0"/>
-          <a:chExt cx="0" cy="0"/>
-        </a:xfrm>
-      </p:grpSpPr>
-      <p:sp>
-        <p:nvSpPr>
-          <p:cNvPr id="39937" name="Title 2"/>
-          <p:cNvSpPr>
-            <a:spLocks noGrp="1"/>
-          </p:cNvSpPr>
-          <p:nvPr>
-            <p:ph type="title"/>
-          </p:nvPr>
-        </p:nvSpPr>
-        <p:spPr>
-          <a:xfrm>
-            <a:off x="1905000" y="561975"/>
-            <a:ext cx="8588375" cy="769938"/>
-          </a:xfrm>
-        </p:spPr>
-        <p:txBody>
-          <a:bodyPr/>
-          <a:lstStyle/>
-          <a:p>
-            <a:r>
-              <a:rPr lang="en-US" altLang="en-US" sz="2800"/>
-              <a:t>High-level SDN Programming Abstraction: Maple Programming (Details; Skip)</a:t>
-            </a:r>
+            <a:pPr algn="ctr"/>
+            <a:r>
+              <a:rPr lang="en-US" altLang="en-US" sz="3200" b="1" u="sng" dirty="0" smtClean="0"/>
+              <a:t>The Super Simple SDN Programming Model</a:t>
+            </a:r>
+            <a:endParaRPr lang="en-US" altLang="en-US" sz="2800" b="1" u="sng" dirty="0"/>
           </a:p>
         </p:txBody>
       </p:sp>
       <p:grpSp>
         <p:nvGrpSpPr>
-          <p:cNvPr id="39938" name="Group 3"/>
+          <p:cNvPr id="5" name="Group 3"/>
           <p:cNvGrpSpPr>
             <a:grpSpLocks/>
           </p:cNvGrpSpPr>
@@ -8458,7 +6694,7 @@
         </p:nvGrpSpPr>
         <p:grpSpPr bwMode="auto">
           <a:xfrm>
-            <a:off x="2674938" y="2638425"/>
+            <a:off x="2106902" y="1696316"/>
             <a:ext cx="4051300" cy="2647950"/>
             <a:chOff x="5308600" y="4744155"/>
             <a:chExt cx="2720621" cy="1471812"/>
@@ -8466,7 +6702,7 @@
         </p:grpSpPr>
         <p:pic>
           <p:nvPicPr>
-            <p:cNvPr id="39944" name="Picture 4"/>
+            <p:cNvPr id="6" name="Picture 4"/>
             <p:cNvPicPr>
               <a:picLocks noChangeAspect="1"/>
             </p:cNvPicPr>
@@ -8523,7 +6759,7 @@
         </p:pic>
         <p:cxnSp>
           <p:nvCxnSpPr>
-            <p:cNvPr id="39945" name="Straight Arrow Connector 5"/>
+            <p:cNvPr id="7" name="Straight Arrow Connector 5"/>
             <p:cNvCxnSpPr>
               <a:cxnSpLocks noChangeShapeType="1"/>
             </p:cNvCxnSpPr>
@@ -8557,7 +6793,7 @@
         </p:cxnSp>
         <p:sp>
           <p:nvSpPr>
-            <p:cNvPr id="7" name="Freeform 6"/>
+            <p:cNvPr id="8" name="Freeform 7"/>
             <p:cNvSpPr/>
             <p:nvPr/>
           </p:nvSpPr>
@@ -8649,7 +6885,7 @@
       </p:grpSp>
       <p:sp>
         <p:nvSpPr>
-          <p:cNvPr id="8" name="Rectangle 7"/>
+          <p:cNvPr id="9" name="Rectangle 8"/>
           <p:cNvSpPr>
             <a:spLocks noChangeArrowheads="1"/>
           </p:cNvSpPr>
@@ -8657,7 +6893,7 @@
         </p:nvSpPr>
         <p:spPr bwMode="auto">
           <a:xfrm>
-            <a:off x="1524000" y="2216150"/>
+            <a:off x="955964" y="1274041"/>
             <a:ext cx="2006600" cy="1200150"/>
           </a:xfrm>
           <a:prstGeom prst="rect">
@@ -8905,7 +7141,7 @@
       </p:sp>
       <p:sp>
         <p:nvSpPr>
-          <p:cNvPr id="9" name="Rectangle 8"/>
+          <p:cNvPr id="10" name="Rectangle 9"/>
           <p:cNvSpPr>
             <a:spLocks noChangeArrowheads="1"/>
           </p:cNvSpPr>
@@ -8913,8 +7149,8 @@
         </p:nvSpPr>
         <p:spPr bwMode="auto">
           <a:xfrm>
-            <a:off x="6726238" y="3624263"/>
-            <a:ext cx="3941762" cy="708025"/>
+            <a:off x="6158201" y="1531506"/>
+            <a:ext cx="4648343" cy="400110"/>
           </a:xfrm>
           <a:prstGeom prst="rect">
             <a:avLst/>
@@ -8944,7 +7180,7 @@
           </a:extLst>
         </p:spPr>
         <p:txBody>
-          <a:bodyPr>
+          <a:bodyPr wrap="square">
             <a:spAutoFit/>
           </a:bodyPr>
           <a:lstStyle>
@@ -9130,258 +7366,6 @@
                 <a:latin typeface="Arial" charset="0"/>
               </a:rPr>
               <a:t>single virtual server</a:t>
-            </a:r>
-          </a:p>
-        </p:txBody>
-      </p:sp>
-      <p:sp>
-        <p:nvSpPr>
-          <p:cNvPr id="10" name="Rectangle 9"/>
-          <p:cNvSpPr>
-            <a:spLocks noChangeArrowheads="1"/>
-          </p:cNvSpPr>
-          <p:nvPr/>
-        </p:nvSpPr>
-        <p:spPr bwMode="auto">
-          <a:xfrm>
-            <a:off x="6726238" y="4764088"/>
-            <a:ext cx="3941762" cy="1323975"/>
-          </a:xfrm>
-          <a:prstGeom prst="rect">
-            <a:avLst/>
-          </a:prstGeom>
-          <a:noFill/>
-          <a:ln>
-            <a:noFill/>
-          </a:ln>
-          <a:extLst>
-            <a:ext uri="{909E8E84-426E-40DD-AFC4-6F175D3DCCD1}">
-              <a14:hiddenFill xmlns:a14="http://schemas.microsoft.com/office/drawing/2010/main">
-                <a:solidFill>
-                  <a:srgbClr val="FFFFFF"/>
-                </a:solidFill>
-              </a14:hiddenFill>
-            </a:ext>
-            <a:ext uri="{91240B29-F687-4F45-9708-019B960494DF}">
-              <a14:hiddenLine xmlns:a14="http://schemas.microsoft.com/office/drawing/2010/main" w="9525">
-                <a:solidFill>
-                  <a:srgbClr val="000000"/>
-                </a:solidFill>
-                <a:miter lim="800000"/>
-                <a:headEnd/>
-                <a:tailEnd/>
-              </a14:hiddenLine>
-            </a:ext>
-          </a:extLst>
-        </p:spPr>
-        <p:txBody>
-          <a:bodyPr>
-            <a:spAutoFit/>
-          </a:bodyPr>
-          <a:lstStyle>
-            <a:lvl1pPr>
-              <a:lnSpc>
-                <a:spcPct val="90000"/>
-              </a:lnSpc>
-              <a:spcBef>
-                <a:spcPts val="1000"/>
-              </a:spcBef>
-              <a:buFont typeface="Arial" charset="0"/>
-              <a:buChar char="•"/>
-              <a:defRPr sz="2800">
-                <a:solidFill>
-                  <a:schemeClr val="tx1"/>
-                </a:solidFill>
-                <a:latin typeface="Calibri" charset="0"/>
-              </a:defRPr>
-            </a:lvl1pPr>
-            <a:lvl2pPr marL="742950" indent="-285750">
-              <a:lnSpc>
-                <a:spcPct val="90000"/>
-              </a:lnSpc>
-              <a:spcBef>
-                <a:spcPts val="500"/>
-              </a:spcBef>
-              <a:buFont typeface="Arial" charset="0"/>
-              <a:buChar char="•"/>
-              <a:defRPr sz="2400">
-                <a:solidFill>
-                  <a:schemeClr val="tx1"/>
-                </a:solidFill>
-                <a:latin typeface="Calibri" charset="0"/>
-              </a:defRPr>
-            </a:lvl2pPr>
-            <a:lvl3pPr marL="1143000" indent="-228600">
-              <a:lnSpc>
-                <a:spcPct val="90000"/>
-              </a:lnSpc>
-              <a:spcBef>
-                <a:spcPts val="500"/>
-              </a:spcBef>
-              <a:buFont typeface="Arial" charset="0"/>
-              <a:buChar char="•"/>
-              <a:defRPr sz="2000">
-                <a:solidFill>
-                  <a:schemeClr val="tx1"/>
-                </a:solidFill>
-                <a:latin typeface="Calibri" charset="0"/>
-              </a:defRPr>
-            </a:lvl3pPr>
-            <a:lvl4pPr marL="1600200" indent="-228600">
-              <a:lnSpc>
-                <a:spcPct val="90000"/>
-              </a:lnSpc>
-              <a:spcBef>
-                <a:spcPts val="500"/>
-              </a:spcBef>
-              <a:buFont typeface="Arial" charset="0"/>
-              <a:buChar char="•"/>
-              <a:defRPr>
-                <a:solidFill>
-                  <a:schemeClr val="tx1"/>
-                </a:solidFill>
-                <a:latin typeface="Calibri" charset="0"/>
-              </a:defRPr>
-            </a:lvl4pPr>
-            <a:lvl5pPr marL="2057400" indent="-228600">
-              <a:lnSpc>
-                <a:spcPct val="90000"/>
-              </a:lnSpc>
-              <a:spcBef>
-                <a:spcPts val="500"/>
-              </a:spcBef>
-              <a:buFont typeface="Arial" charset="0"/>
-              <a:buChar char="•"/>
-              <a:defRPr>
-                <a:solidFill>
-                  <a:schemeClr val="tx1"/>
-                </a:solidFill>
-                <a:latin typeface="Calibri" charset="0"/>
-              </a:defRPr>
-            </a:lvl5pPr>
-            <a:lvl6pPr marL="2514600" indent="-228600" eaLnBrk="0" fontAlgn="base" hangingPunct="0">
-              <a:lnSpc>
-                <a:spcPct val="90000"/>
-              </a:lnSpc>
-              <a:spcBef>
-                <a:spcPts val="500"/>
-              </a:spcBef>
-              <a:spcAft>
-                <a:spcPct val="0"/>
-              </a:spcAft>
-              <a:buFont typeface="Arial" charset="0"/>
-              <a:buChar char="•"/>
-              <a:defRPr>
-                <a:solidFill>
-                  <a:schemeClr val="tx1"/>
-                </a:solidFill>
-                <a:latin typeface="Calibri" charset="0"/>
-              </a:defRPr>
-            </a:lvl6pPr>
-            <a:lvl7pPr marL="2971800" indent="-228600" eaLnBrk="0" fontAlgn="base" hangingPunct="0">
-              <a:lnSpc>
-                <a:spcPct val="90000"/>
-              </a:lnSpc>
-              <a:spcBef>
-                <a:spcPts val="500"/>
-              </a:spcBef>
-              <a:spcAft>
-                <a:spcPct val="0"/>
-              </a:spcAft>
-              <a:buFont typeface="Arial" charset="0"/>
-              <a:buChar char="•"/>
-              <a:defRPr>
-                <a:solidFill>
-                  <a:schemeClr val="tx1"/>
-                </a:solidFill>
-                <a:latin typeface="Calibri" charset="0"/>
-              </a:defRPr>
-            </a:lvl7pPr>
-            <a:lvl8pPr marL="3429000" indent="-228600" eaLnBrk="0" fontAlgn="base" hangingPunct="0">
-              <a:lnSpc>
-                <a:spcPct val="90000"/>
-              </a:lnSpc>
-              <a:spcBef>
-                <a:spcPts val="500"/>
-              </a:spcBef>
-              <a:spcAft>
-                <a:spcPct val="0"/>
-              </a:spcAft>
-              <a:buFont typeface="Arial" charset="0"/>
-              <a:buChar char="•"/>
-              <a:defRPr>
-                <a:solidFill>
-                  <a:schemeClr val="tx1"/>
-                </a:solidFill>
-                <a:latin typeface="Calibri" charset="0"/>
-              </a:defRPr>
-            </a:lvl8pPr>
-            <a:lvl9pPr marL="3886200" indent="-228600" eaLnBrk="0" fontAlgn="base" hangingPunct="0">
-              <a:lnSpc>
-                <a:spcPct val="90000"/>
-              </a:lnSpc>
-              <a:spcBef>
-                <a:spcPts val="500"/>
-              </a:spcBef>
-              <a:spcAft>
-                <a:spcPct val="0"/>
-              </a:spcAft>
-              <a:buFont typeface="Arial" charset="0"/>
-              <a:buChar char="•"/>
-              <a:defRPr>
-                <a:solidFill>
-                  <a:schemeClr val="tx1"/>
-                </a:solidFill>
-                <a:latin typeface="Calibri" charset="0"/>
-              </a:defRPr>
-            </a:lvl9pPr>
-          </a:lstStyle>
-          <a:p>
-            <a:pPr>
-              <a:lnSpc>
-                <a:spcPct val="100000"/>
-              </a:lnSpc>
-              <a:spcBef>
-                <a:spcPct val="0"/>
-              </a:spcBef>
-              <a:buFontTx/>
-              <a:buNone/>
-            </a:pPr>
-            <a:r>
-              <a:rPr lang="en-US" altLang="en-US" sz="2000">
-                <a:latin typeface="Arial" charset="0"/>
-              </a:rPr>
-              <a:t>- Network functions (</a:t>
-            </a:r>
-            <a:r>
-              <a:rPr lang="en-US" altLang="en-US" sz="2000" b="1" i="1">
-                <a:solidFill>
-                  <a:srgbClr val="C00000"/>
-                </a:solidFill>
-                <a:latin typeface="Arial" charset="0"/>
-              </a:rPr>
-              <a:t>logically</a:t>
-            </a:r>
-            <a:r>
-              <a:rPr lang="en-US" altLang="en-US" sz="2000">
-                <a:latin typeface="Arial" charset="0"/>
-              </a:rPr>
-              <a:t>) </a:t>
-            </a:r>
-            <a:r>
-              <a:rPr lang="en-US" altLang="en-US" sz="2000">
-                <a:solidFill>
-                  <a:srgbClr val="FF0000"/>
-                </a:solidFill>
-                <a:latin typeface="Arial" charset="0"/>
-              </a:rPr>
-              <a:t>invoked on each new pkt</a:t>
-            </a:r>
-            <a:r>
-              <a:rPr lang="en-US" altLang="en-US" sz="2000">
-                <a:latin typeface="Arial" charset="0"/>
-              </a:rPr>
-              <a:t>, returning how net handles that request</a:t>
             </a:r>
           </a:p>
         </p:txBody>
@@ -9396,8 +7380,8 @@
         </p:nvSpPr>
         <p:spPr bwMode="auto">
           <a:xfrm>
-            <a:off x="6726238" y="4024313"/>
-            <a:ext cx="3616325" cy="708025"/>
+            <a:off x="6158201" y="3145193"/>
+            <a:ext cx="5341071" cy="1015663"/>
           </a:xfrm>
           <a:prstGeom prst="rect">
             <a:avLst/>
@@ -9427,7 +7411,7 @@
           </a:extLst>
         </p:spPr>
         <p:txBody>
-          <a:bodyPr>
+          <a:bodyPr wrap="square">
             <a:spAutoFit/>
           </a:bodyPr>
           <a:lstStyle>
@@ -9600,19 +7584,49 @@
               <a:buNone/>
             </a:pPr>
             <a:r>
-              <a:rPr lang="en-US" altLang="en-US" sz="2000">
+              <a:rPr lang="en-US" altLang="en-US" sz="2000" dirty="0">
                 <a:latin typeface="Arial" charset="0"/>
               </a:rPr>
-              <a:t>- Network functions expressed in </a:t>
-            </a:r>
-            <a:r>
-              <a:rPr lang="en-US" altLang="en-US" sz="2000">
-                <a:solidFill>
-                  <a:srgbClr val="FF0000"/>
+              <a:t>- Network functions (</a:t>
+            </a:r>
+            <a:r>
+              <a:rPr lang="en-US" altLang="en-US" sz="2000" b="1" i="1" dirty="0">
+                <a:solidFill>
+                  <a:srgbClr val="C00000"/>
                 </a:solidFill>
                 <a:latin typeface="Arial" charset="0"/>
               </a:rPr>
-              <a:t>general purpose language</a:t>
+              <a:t>logically</a:t>
+            </a:r>
+            <a:r>
+              <a:rPr lang="en-US" altLang="en-US" sz="2000" dirty="0">
+                <a:latin typeface="Arial" charset="0"/>
+              </a:rPr>
+              <a:t>) </a:t>
+            </a:r>
+            <a:r>
+              <a:rPr lang="en-US" altLang="en-US" sz="2000" dirty="0">
+                <a:solidFill>
+                  <a:srgbClr val="FF0000"/>
+                </a:solidFill>
+                <a:latin typeface="Arial" charset="0"/>
+              </a:rPr>
+              <a:t>invoked on each new </a:t>
+            </a:r>
+            <a:r>
+              <a:rPr lang="en-US" altLang="en-US" sz="2000" dirty="0" err="1">
+                <a:solidFill>
+                  <a:srgbClr val="FF0000"/>
+                </a:solidFill>
+                <a:latin typeface="Arial" charset="0"/>
+              </a:rPr>
+              <a:t>pkt</a:t>
+            </a:r>
+            <a:r>
+              <a:rPr lang="en-US" altLang="en-US" sz="2000" dirty="0">
+                <a:latin typeface="Arial" charset="0"/>
+              </a:rPr>
+              <a:t>, returning how net handles that request</a:t>
             </a:r>
           </a:p>
         </p:txBody>
@@ -9627,8 +7641,8 @@
         </p:nvSpPr>
         <p:spPr bwMode="auto">
           <a:xfrm>
-            <a:off x="6726238" y="5729288"/>
-            <a:ext cx="3616325" cy="708025"/>
+            <a:off x="6158201" y="2184392"/>
+            <a:ext cx="5784417" cy="708025"/>
           </a:xfrm>
           <a:prstGeom prst="rect">
             <a:avLst/>
@@ -9658,7 +7672,7 @@
           </a:extLst>
         </p:spPr>
         <p:txBody>
-          <a:bodyPr>
+          <a:bodyPr wrap="square">
             <a:spAutoFit/>
           </a:bodyPr>
           <a:lstStyle>
@@ -9831,13 +7845,244 @@
               <a:buNone/>
             </a:pPr>
             <a:r>
-              <a:rPr lang="en-US" altLang="en-US" sz="2000">
+              <a:rPr lang="en-US" altLang="en-US" sz="2000" dirty="0">
+                <a:latin typeface="Arial" charset="0"/>
+              </a:rPr>
+              <a:t>- Network functions expressed in </a:t>
+            </a:r>
+            <a:r>
+              <a:rPr lang="en-US" altLang="en-US" sz="2000" dirty="0">
+                <a:solidFill>
+                  <a:srgbClr val="FF0000"/>
+                </a:solidFill>
+                <a:latin typeface="Arial" charset="0"/>
+              </a:rPr>
+              <a:t>general purpose language</a:t>
+            </a:r>
+          </a:p>
+        </p:txBody>
+      </p:sp>
+      <p:sp>
+        <p:nvSpPr>
+          <p:cNvPr id="13" name="Rectangle 12"/>
+          <p:cNvSpPr>
+            <a:spLocks noChangeArrowheads="1"/>
+          </p:cNvSpPr>
+          <p:nvPr/>
+        </p:nvSpPr>
+        <p:spPr bwMode="auto">
+          <a:xfrm>
+            <a:off x="6158201" y="6100794"/>
+            <a:ext cx="6297035" cy="400110"/>
+          </a:xfrm>
+          <a:prstGeom prst="rect">
+            <a:avLst/>
+          </a:prstGeom>
+          <a:noFill/>
+          <a:ln>
+            <a:noFill/>
+          </a:ln>
+          <a:extLst>
+            <a:ext uri="{909E8E84-426E-40DD-AFC4-6F175D3DCCD1}">
+              <a14:hiddenFill xmlns:a14="http://schemas.microsoft.com/office/drawing/2010/main">
+                <a:solidFill>
+                  <a:srgbClr val="FFFFFF"/>
+                </a:solidFill>
+              </a14:hiddenFill>
+            </a:ext>
+            <a:ext uri="{91240B29-F687-4F45-9708-019B960494DF}">
+              <a14:hiddenLine xmlns:a14="http://schemas.microsoft.com/office/drawing/2010/main" w="9525">
+                <a:solidFill>
+                  <a:srgbClr val="000000"/>
+                </a:solidFill>
+                <a:miter lim="800000"/>
+                <a:headEnd/>
+                <a:tailEnd/>
+              </a14:hiddenLine>
+            </a:ext>
+          </a:extLst>
+        </p:spPr>
+        <p:txBody>
+          <a:bodyPr wrap="square">
+            <a:spAutoFit/>
+          </a:bodyPr>
+          <a:lstStyle>
+            <a:lvl1pPr>
+              <a:lnSpc>
+                <a:spcPct val="90000"/>
+              </a:lnSpc>
+              <a:spcBef>
+                <a:spcPts val="1000"/>
+              </a:spcBef>
+              <a:buFont typeface="Arial" charset="0"/>
+              <a:buChar char="•"/>
+              <a:defRPr sz="2800">
+                <a:solidFill>
+                  <a:schemeClr val="tx1"/>
+                </a:solidFill>
+                <a:latin typeface="Calibri" charset="0"/>
+              </a:defRPr>
+            </a:lvl1pPr>
+            <a:lvl2pPr marL="742950" indent="-285750">
+              <a:lnSpc>
+                <a:spcPct val="90000"/>
+              </a:lnSpc>
+              <a:spcBef>
+                <a:spcPts val="500"/>
+              </a:spcBef>
+              <a:buFont typeface="Arial" charset="0"/>
+              <a:buChar char="•"/>
+              <a:defRPr sz="2400">
+                <a:solidFill>
+                  <a:schemeClr val="tx1"/>
+                </a:solidFill>
+                <a:latin typeface="Calibri" charset="0"/>
+              </a:defRPr>
+            </a:lvl2pPr>
+            <a:lvl3pPr marL="1143000" indent="-228600">
+              <a:lnSpc>
+                <a:spcPct val="90000"/>
+              </a:lnSpc>
+              <a:spcBef>
+                <a:spcPts val="500"/>
+              </a:spcBef>
+              <a:buFont typeface="Arial" charset="0"/>
+              <a:buChar char="•"/>
+              <a:defRPr sz="2000">
+                <a:solidFill>
+                  <a:schemeClr val="tx1"/>
+                </a:solidFill>
+                <a:latin typeface="Calibri" charset="0"/>
+              </a:defRPr>
+            </a:lvl3pPr>
+            <a:lvl4pPr marL="1600200" indent="-228600">
+              <a:lnSpc>
+                <a:spcPct val="90000"/>
+              </a:lnSpc>
+              <a:spcBef>
+                <a:spcPts val="500"/>
+              </a:spcBef>
+              <a:buFont typeface="Arial" charset="0"/>
+              <a:buChar char="•"/>
+              <a:defRPr>
+                <a:solidFill>
+                  <a:schemeClr val="tx1"/>
+                </a:solidFill>
+                <a:latin typeface="Calibri" charset="0"/>
+              </a:defRPr>
+            </a:lvl4pPr>
+            <a:lvl5pPr marL="2057400" indent="-228600">
+              <a:lnSpc>
+                <a:spcPct val="90000"/>
+              </a:lnSpc>
+              <a:spcBef>
+                <a:spcPts val="500"/>
+              </a:spcBef>
+              <a:buFont typeface="Arial" charset="0"/>
+              <a:buChar char="•"/>
+              <a:defRPr>
+                <a:solidFill>
+                  <a:schemeClr val="tx1"/>
+                </a:solidFill>
+                <a:latin typeface="Calibri" charset="0"/>
+              </a:defRPr>
+            </a:lvl5pPr>
+            <a:lvl6pPr marL="2514600" indent="-228600" eaLnBrk="0" fontAlgn="base" hangingPunct="0">
+              <a:lnSpc>
+                <a:spcPct val="90000"/>
+              </a:lnSpc>
+              <a:spcBef>
+                <a:spcPts val="500"/>
+              </a:spcBef>
+              <a:spcAft>
+                <a:spcPct val="0"/>
+              </a:spcAft>
+              <a:buFont typeface="Arial" charset="0"/>
+              <a:buChar char="•"/>
+              <a:defRPr>
+                <a:solidFill>
+                  <a:schemeClr val="tx1"/>
+                </a:solidFill>
+                <a:latin typeface="Calibri" charset="0"/>
+              </a:defRPr>
+            </a:lvl6pPr>
+            <a:lvl7pPr marL="2971800" indent="-228600" eaLnBrk="0" fontAlgn="base" hangingPunct="0">
+              <a:lnSpc>
+                <a:spcPct val="90000"/>
+              </a:lnSpc>
+              <a:spcBef>
+                <a:spcPts val="500"/>
+              </a:spcBef>
+              <a:spcAft>
+                <a:spcPct val="0"/>
+              </a:spcAft>
+              <a:buFont typeface="Arial" charset="0"/>
+              <a:buChar char="•"/>
+              <a:defRPr>
+                <a:solidFill>
+                  <a:schemeClr val="tx1"/>
+                </a:solidFill>
+                <a:latin typeface="Calibri" charset="0"/>
+              </a:defRPr>
+            </a:lvl7pPr>
+            <a:lvl8pPr marL="3429000" indent="-228600" eaLnBrk="0" fontAlgn="base" hangingPunct="0">
+              <a:lnSpc>
+                <a:spcPct val="90000"/>
+              </a:lnSpc>
+              <a:spcBef>
+                <a:spcPts val="500"/>
+              </a:spcBef>
+              <a:spcAft>
+                <a:spcPct val="0"/>
+              </a:spcAft>
+              <a:buFont typeface="Arial" charset="0"/>
+              <a:buChar char="•"/>
+              <a:defRPr>
+                <a:solidFill>
+                  <a:schemeClr val="tx1"/>
+                </a:solidFill>
+                <a:latin typeface="Calibri" charset="0"/>
+              </a:defRPr>
+            </a:lvl8pPr>
+            <a:lvl9pPr marL="3886200" indent="-228600" eaLnBrk="0" fontAlgn="base" hangingPunct="0">
+              <a:lnSpc>
+                <a:spcPct val="90000"/>
+              </a:lnSpc>
+              <a:spcBef>
+                <a:spcPts val="500"/>
+              </a:spcBef>
+              <a:spcAft>
+                <a:spcPct val="0"/>
+              </a:spcAft>
+              <a:buFont typeface="Arial" charset="0"/>
+              <a:buChar char="•"/>
+              <a:defRPr>
+                <a:solidFill>
+                  <a:schemeClr val="tx1"/>
+                </a:solidFill>
+                <a:latin typeface="Calibri" charset="0"/>
+              </a:defRPr>
+            </a:lvl9pPr>
+          </a:lstStyle>
+          <a:p>
+            <a:pPr>
+              <a:lnSpc>
+                <a:spcPct val="100000"/>
+              </a:lnSpc>
+              <a:spcBef>
+                <a:spcPct val="0"/>
+              </a:spcBef>
+              <a:buFontTx/>
+              <a:buNone/>
+            </a:pPr>
+            <a:r>
+              <a:rPr lang="en-US" altLang="en-US" sz="2000" dirty="0">
                 <a:latin typeface="Arial" charset="0"/>
               </a:rPr>
               <a:t>- </a:t>
             </a:r>
             <a:r>
-              <a:rPr lang="en-US" altLang="en-US" sz="2000">
+              <a:rPr lang="en-US" altLang="en-US" sz="2000" dirty="0">
                 <a:solidFill>
                   <a:srgbClr val="FF0000"/>
                 </a:solidFill>
@@ -9846,12 +8091,24 @@
               <a:t>Realization of return is opaque</a:t>
             </a:r>
             <a:r>
-              <a:rPr lang="en-US" altLang="en-US" sz="2000">
+              <a:rPr lang="en-US" altLang="en-US" sz="2000" dirty="0">
                 <a:latin typeface="Arial" charset="0"/>
               </a:rPr>
-              <a:t>, computed by system</a:t>
-            </a:r>
-            <a:endParaRPr lang="en-US" altLang="en-US" sz="2000">
+              <a:t>, </a:t>
+            </a:r>
+            <a:r>
+              <a:rPr lang="en-US" altLang="en-US" sz="2000" dirty="0" smtClean="0">
+                <a:latin typeface="Arial" charset="0"/>
+              </a:rPr>
+              <a:t>by </a:t>
+            </a:r>
+            <a:r>
+              <a:rPr lang="en-US" altLang="en-US" sz="2000" dirty="0">
+                <a:latin typeface="Arial" charset="0"/>
+              </a:rPr>
+              <a:t>system</a:t>
+            </a:r>
+            <a:endParaRPr lang="en-US" altLang="en-US" sz="2000" dirty="0">
               <a:solidFill>
                 <a:srgbClr val="FF0000"/>
               </a:solidFill>
@@ -9860,7 +8117,495 @@
           </a:p>
         </p:txBody>
       </p:sp>
+      <p:sp>
+        <p:nvSpPr>
+          <p:cNvPr id="15" name="Rectangle 14"/>
+          <p:cNvSpPr>
+            <a:spLocks noChangeArrowheads="1"/>
+          </p:cNvSpPr>
+          <p:nvPr/>
+        </p:nvSpPr>
+        <p:spPr bwMode="auto">
+          <a:xfrm>
+            <a:off x="6175592" y="4413632"/>
+            <a:ext cx="5178208" cy="400110"/>
+          </a:xfrm>
+          <a:prstGeom prst="rect">
+            <a:avLst/>
+          </a:prstGeom>
+          <a:noFill/>
+          <a:ln>
+            <a:noFill/>
+          </a:ln>
+          <a:extLst>
+            <a:ext uri="{909E8E84-426E-40DD-AFC4-6F175D3DCCD1}">
+              <a14:hiddenFill xmlns:a14="http://schemas.microsoft.com/office/drawing/2010/main">
+                <a:solidFill>
+                  <a:srgbClr val="FFFFFF"/>
+                </a:solidFill>
+              </a14:hiddenFill>
+            </a:ext>
+            <a:ext uri="{91240B29-F687-4F45-9708-019B960494DF}">
+              <a14:hiddenLine xmlns:a14="http://schemas.microsoft.com/office/drawing/2010/main" w="9525">
+                <a:solidFill>
+                  <a:srgbClr val="000000"/>
+                </a:solidFill>
+                <a:miter lim="800000"/>
+                <a:headEnd/>
+                <a:tailEnd/>
+              </a14:hiddenLine>
+            </a:ext>
+          </a:extLst>
+        </p:spPr>
+        <p:txBody>
+          <a:bodyPr wrap="square">
+            <a:spAutoFit/>
+          </a:bodyPr>
+          <a:lstStyle>
+            <a:lvl1pPr>
+              <a:lnSpc>
+                <a:spcPct val="90000"/>
+              </a:lnSpc>
+              <a:spcBef>
+                <a:spcPts val="1000"/>
+              </a:spcBef>
+              <a:buFont typeface="Arial" charset="0"/>
+              <a:buChar char="•"/>
+              <a:defRPr sz="2800">
+                <a:solidFill>
+                  <a:schemeClr val="tx1"/>
+                </a:solidFill>
+                <a:latin typeface="Calibri" charset="0"/>
+              </a:defRPr>
+            </a:lvl1pPr>
+            <a:lvl2pPr marL="742950" indent="-285750">
+              <a:lnSpc>
+                <a:spcPct val="90000"/>
+              </a:lnSpc>
+              <a:spcBef>
+                <a:spcPts val="500"/>
+              </a:spcBef>
+              <a:buFont typeface="Arial" charset="0"/>
+              <a:buChar char="•"/>
+              <a:defRPr sz="2400">
+                <a:solidFill>
+                  <a:schemeClr val="tx1"/>
+                </a:solidFill>
+                <a:latin typeface="Calibri" charset="0"/>
+              </a:defRPr>
+            </a:lvl2pPr>
+            <a:lvl3pPr marL="1143000" indent="-228600">
+              <a:lnSpc>
+                <a:spcPct val="90000"/>
+              </a:lnSpc>
+              <a:spcBef>
+                <a:spcPts val="500"/>
+              </a:spcBef>
+              <a:buFont typeface="Arial" charset="0"/>
+              <a:buChar char="•"/>
+              <a:defRPr sz="2000">
+                <a:solidFill>
+                  <a:schemeClr val="tx1"/>
+                </a:solidFill>
+                <a:latin typeface="Calibri" charset="0"/>
+              </a:defRPr>
+            </a:lvl3pPr>
+            <a:lvl4pPr marL="1600200" indent="-228600">
+              <a:lnSpc>
+                <a:spcPct val="90000"/>
+              </a:lnSpc>
+              <a:spcBef>
+                <a:spcPts val="500"/>
+              </a:spcBef>
+              <a:buFont typeface="Arial" charset="0"/>
+              <a:buChar char="•"/>
+              <a:defRPr>
+                <a:solidFill>
+                  <a:schemeClr val="tx1"/>
+                </a:solidFill>
+                <a:latin typeface="Calibri" charset="0"/>
+              </a:defRPr>
+            </a:lvl4pPr>
+            <a:lvl5pPr marL="2057400" indent="-228600">
+              <a:lnSpc>
+                <a:spcPct val="90000"/>
+              </a:lnSpc>
+              <a:spcBef>
+                <a:spcPts val="500"/>
+              </a:spcBef>
+              <a:buFont typeface="Arial" charset="0"/>
+              <a:buChar char="•"/>
+              <a:defRPr>
+                <a:solidFill>
+                  <a:schemeClr val="tx1"/>
+                </a:solidFill>
+                <a:latin typeface="Calibri" charset="0"/>
+              </a:defRPr>
+            </a:lvl5pPr>
+            <a:lvl6pPr marL="2514600" indent="-228600" eaLnBrk="0" fontAlgn="base" hangingPunct="0">
+              <a:lnSpc>
+                <a:spcPct val="90000"/>
+              </a:lnSpc>
+              <a:spcBef>
+                <a:spcPts val="500"/>
+              </a:spcBef>
+              <a:spcAft>
+                <a:spcPct val="0"/>
+              </a:spcAft>
+              <a:buFont typeface="Arial" charset="0"/>
+              <a:buChar char="•"/>
+              <a:defRPr>
+                <a:solidFill>
+                  <a:schemeClr val="tx1"/>
+                </a:solidFill>
+                <a:latin typeface="Calibri" charset="0"/>
+              </a:defRPr>
+            </a:lvl6pPr>
+            <a:lvl7pPr marL="2971800" indent="-228600" eaLnBrk="0" fontAlgn="base" hangingPunct="0">
+              <a:lnSpc>
+                <a:spcPct val="90000"/>
+              </a:lnSpc>
+              <a:spcBef>
+                <a:spcPts val="500"/>
+              </a:spcBef>
+              <a:spcAft>
+                <a:spcPct val="0"/>
+              </a:spcAft>
+              <a:buFont typeface="Arial" charset="0"/>
+              <a:buChar char="•"/>
+              <a:defRPr>
+                <a:solidFill>
+                  <a:schemeClr val="tx1"/>
+                </a:solidFill>
+                <a:latin typeface="Calibri" charset="0"/>
+              </a:defRPr>
+            </a:lvl7pPr>
+            <a:lvl8pPr marL="3429000" indent="-228600" eaLnBrk="0" fontAlgn="base" hangingPunct="0">
+              <a:lnSpc>
+                <a:spcPct val="90000"/>
+              </a:lnSpc>
+              <a:spcBef>
+                <a:spcPts val="500"/>
+              </a:spcBef>
+              <a:spcAft>
+                <a:spcPct val="0"/>
+              </a:spcAft>
+              <a:buFont typeface="Arial" charset="0"/>
+              <a:buChar char="•"/>
+              <a:defRPr>
+                <a:solidFill>
+                  <a:schemeClr val="tx1"/>
+                </a:solidFill>
+                <a:latin typeface="Calibri" charset="0"/>
+              </a:defRPr>
+            </a:lvl8pPr>
+            <a:lvl9pPr marL="3886200" indent="-228600" eaLnBrk="0" fontAlgn="base" hangingPunct="0">
+              <a:lnSpc>
+                <a:spcPct val="90000"/>
+              </a:lnSpc>
+              <a:spcBef>
+                <a:spcPts val="500"/>
+              </a:spcBef>
+              <a:spcAft>
+                <a:spcPct val="0"/>
+              </a:spcAft>
+              <a:buFont typeface="Arial" charset="0"/>
+              <a:buChar char="•"/>
+              <a:defRPr>
+                <a:solidFill>
+                  <a:schemeClr val="tx1"/>
+                </a:solidFill>
+                <a:latin typeface="Calibri" charset="0"/>
+              </a:defRPr>
+            </a:lvl9pPr>
+          </a:lstStyle>
+          <a:p>
+            <a:pPr>
+              <a:lnSpc>
+                <a:spcPct val="100000"/>
+              </a:lnSpc>
+              <a:spcBef>
+                <a:spcPct val="0"/>
+              </a:spcBef>
+              <a:buFontTx/>
+              <a:buNone/>
+            </a:pPr>
+            <a:r>
+              <a:rPr lang="en-US" altLang="en-US" sz="2000" dirty="0">
+                <a:latin typeface="Arial" charset="0"/>
+              </a:rPr>
+              <a:t>- Network </a:t>
+            </a:r>
+            <a:r>
+              <a:rPr lang="en-US" altLang="en-US" sz="2000" dirty="0" smtClean="0">
+                <a:latin typeface="Arial" charset="0"/>
+              </a:rPr>
+              <a:t>decision can depend on L2 to</a:t>
+            </a:r>
+            <a:r>
+              <a:rPr lang="en-US" altLang="en-US" sz="2000" dirty="0" smtClean="0">
+                <a:solidFill>
+                  <a:srgbClr val="FF0000"/>
+                </a:solidFill>
+                <a:latin typeface="Arial" charset="0"/>
+              </a:rPr>
+              <a:t> L7</a:t>
+            </a:r>
+            <a:endParaRPr lang="en-US" altLang="en-US" sz="2000" dirty="0">
+              <a:solidFill>
+                <a:srgbClr val="FF0000"/>
+              </a:solidFill>
+              <a:latin typeface="Arial" charset="0"/>
+            </a:endParaRPr>
+          </a:p>
+        </p:txBody>
+      </p:sp>
+      <p:sp>
+        <p:nvSpPr>
+          <p:cNvPr id="16" name="Rectangle 15"/>
+          <p:cNvSpPr>
+            <a:spLocks noChangeArrowheads="1"/>
+          </p:cNvSpPr>
+          <p:nvPr/>
+        </p:nvSpPr>
+        <p:spPr bwMode="auto">
+          <a:xfrm>
+            <a:off x="6175592" y="5186368"/>
+            <a:ext cx="5462226" cy="707886"/>
+          </a:xfrm>
+          <a:prstGeom prst="rect">
+            <a:avLst/>
+          </a:prstGeom>
+          <a:noFill/>
+          <a:ln>
+            <a:noFill/>
+          </a:ln>
+          <a:extLst>
+            <a:ext uri="{909E8E84-426E-40DD-AFC4-6F175D3DCCD1}">
+              <a14:hiddenFill xmlns:a14="http://schemas.microsoft.com/office/drawing/2010/main">
+                <a:solidFill>
+                  <a:srgbClr val="FFFFFF"/>
+                </a:solidFill>
+              </a14:hiddenFill>
+            </a:ext>
+            <a:ext uri="{91240B29-F687-4F45-9708-019B960494DF}">
+              <a14:hiddenLine xmlns:a14="http://schemas.microsoft.com/office/drawing/2010/main" w="9525">
+                <a:solidFill>
+                  <a:srgbClr val="000000"/>
+                </a:solidFill>
+                <a:miter lim="800000"/>
+                <a:headEnd/>
+                <a:tailEnd/>
+              </a14:hiddenLine>
+            </a:ext>
+          </a:extLst>
+        </p:spPr>
+        <p:txBody>
+          <a:bodyPr wrap="square">
+            <a:spAutoFit/>
+          </a:bodyPr>
+          <a:lstStyle>
+            <a:lvl1pPr>
+              <a:lnSpc>
+                <a:spcPct val="90000"/>
+              </a:lnSpc>
+              <a:spcBef>
+                <a:spcPts val="1000"/>
+              </a:spcBef>
+              <a:buFont typeface="Arial" charset="0"/>
+              <a:buChar char="•"/>
+              <a:defRPr sz="2800">
+                <a:solidFill>
+                  <a:schemeClr val="tx1"/>
+                </a:solidFill>
+                <a:latin typeface="Calibri" charset="0"/>
+              </a:defRPr>
+            </a:lvl1pPr>
+            <a:lvl2pPr marL="742950" indent="-285750">
+              <a:lnSpc>
+                <a:spcPct val="90000"/>
+              </a:lnSpc>
+              <a:spcBef>
+                <a:spcPts val="500"/>
+              </a:spcBef>
+              <a:buFont typeface="Arial" charset="0"/>
+              <a:buChar char="•"/>
+              <a:defRPr sz="2400">
+                <a:solidFill>
+                  <a:schemeClr val="tx1"/>
+                </a:solidFill>
+                <a:latin typeface="Calibri" charset="0"/>
+              </a:defRPr>
+            </a:lvl2pPr>
+            <a:lvl3pPr marL="1143000" indent="-228600">
+              <a:lnSpc>
+                <a:spcPct val="90000"/>
+              </a:lnSpc>
+              <a:spcBef>
+                <a:spcPts val="500"/>
+              </a:spcBef>
+              <a:buFont typeface="Arial" charset="0"/>
+              <a:buChar char="•"/>
+              <a:defRPr sz="2000">
+                <a:solidFill>
+                  <a:schemeClr val="tx1"/>
+                </a:solidFill>
+                <a:latin typeface="Calibri" charset="0"/>
+              </a:defRPr>
+            </a:lvl3pPr>
+            <a:lvl4pPr marL="1600200" indent="-228600">
+              <a:lnSpc>
+                <a:spcPct val="90000"/>
+              </a:lnSpc>
+              <a:spcBef>
+                <a:spcPts val="500"/>
+              </a:spcBef>
+              <a:buFont typeface="Arial" charset="0"/>
+              <a:buChar char="•"/>
+              <a:defRPr>
+                <a:solidFill>
+                  <a:schemeClr val="tx1"/>
+                </a:solidFill>
+                <a:latin typeface="Calibri" charset="0"/>
+              </a:defRPr>
+            </a:lvl4pPr>
+            <a:lvl5pPr marL="2057400" indent="-228600">
+              <a:lnSpc>
+                <a:spcPct val="90000"/>
+              </a:lnSpc>
+              <a:spcBef>
+                <a:spcPts val="500"/>
+              </a:spcBef>
+              <a:buFont typeface="Arial" charset="0"/>
+              <a:buChar char="•"/>
+              <a:defRPr>
+                <a:solidFill>
+                  <a:schemeClr val="tx1"/>
+                </a:solidFill>
+                <a:latin typeface="Calibri" charset="0"/>
+              </a:defRPr>
+            </a:lvl5pPr>
+            <a:lvl6pPr marL="2514600" indent="-228600" eaLnBrk="0" fontAlgn="base" hangingPunct="0">
+              <a:lnSpc>
+                <a:spcPct val="90000"/>
+              </a:lnSpc>
+              <a:spcBef>
+                <a:spcPts val="500"/>
+              </a:spcBef>
+              <a:spcAft>
+                <a:spcPct val="0"/>
+              </a:spcAft>
+              <a:buFont typeface="Arial" charset="0"/>
+              <a:buChar char="•"/>
+              <a:defRPr>
+                <a:solidFill>
+                  <a:schemeClr val="tx1"/>
+                </a:solidFill>
+                <a:latin typeface="Calibri" charset="0"/>
+              </a:defRPr>
+            </a:lvl6pPr>
+            <a:lvl7pPr marL="2971800" indent="-228600" eaLnBrk="0" fontAlgn="base" hangingPunct="0">
+              <a:lnSpc>
+                <a:spcPct val="90000"/>
+              </a:lnSpc>
+              <a:spcBef>
+                <a:spcPts val="500"/>
+              </a:spcBef>
+              <a:spcAft>
+                <a:spcPct val="0"/>
+              </a:spcAft>
+              <a:buFont typeface="Arial" charset="0"/>
+              <a:buChar char="•"/>
+              <a:defRPr>
+                <a:solidFill>
+                  <a:schemeClr val="tx1"/>
+                </a:solidFill>
+                <a:latin typeface="Calibri" charset="0"/>
+              </a:defRPr>
+            </a:lvl7pPr>
+            <a:lvl8pPr marL="3429000" indent="-228600" eaLnBrk="0" fontAlgn="base" hangingPunct="0">
+              <a:lnSpc>
+                <a:spcPct val="90000"/>
+              </a:lnSpc>
+              <a:spcBef>
+                <a:spcPts val="500"/>
+              </a:spcBef>
+              <a:spcAft>
+                <a:spcPct val="0"/>
+              </a:spcAft>
+              <a:buFont typeface="Arial" charset="0"/>
+              <a:buChar char="•"/>
+              <a:defRPr>
+                <a:solidFill>
+                  <a:schemeClr val="tx1"/>
+                </a:solidFill>
+                <a:latin typeface="Calibri" charset="0"/>
+              </a:defRPr>
+            </a:lvl8pPr>
+            <a:lvl9pPr marL="3886200" indent="-228600" eaLnBrk="0" fontAlgn="base" hangingPunct="0">
+              <a:lnSpc>
+                <a:spcPct val="90000"/>
+              </a:lnSpc>
+              <a:spcBef>
+                <a:spcPts val="500"/>
+              </a:spcBef>
+              <a:spcAft>
+                <a:spcPct val="0"/>
+              </a:spcAft>
+              <a:buFont typeface="Arial" charset="0"/>
+              <a:buChar char="•"/>
+              <a:defRPr>
+                <a:solidFill>
+                  <a:schemeClr val="tx1"/>
+                </a:solidFill>
+                <a:latin typeface="Calibri" charset="0"/>
+              </a:defRPr>
+            </a:lvl9pPr>
+          </a:lstStyle>
+          <a:p>
+            <a:pPr>
+              <a:lnSpc>
+                <a:spcPct val="100000"/>
+              </a:lnSpc>
+              <a:spcBef>
+                <a:spcPct val="0"/>
+              </a:spcBef>
+              <a:buFontTx/>
+              <a:buNone/>
+            </a:pPr>
+            <a:r>
+              <a:rPr lang="en-US" altLang="en-US" sz="2000" dirty="0">
+                <a:latin typeface="Arial" charset="0"/>
+              </a:rPr>
+              <a:t>- Network </a:t>
+            </a:r>
+            <a:r>
+              <a:rPr lang="en-US" altLang="en-US" sz="2000" dirty="0" smtClean="0">
+                <a:latin typeface="Arial" charset="0"/>
+              </a:rPr>
+              <a:t>decision is lambda decision, not </a:t>
+            </a:r>
+            <a:r>
+              <a:rPr lang="en-US" altLang="en-US" sz="2000" smtClean="0">
+                <a:latin typeface="Arial" charset="0"/>
+              </a:rPr>
+              <a:t>incremental decision</a:t>
+            </a:r>
+            <a:endParaRPr lang="en-US" altLang="en-US" sz="2000" dirty="0">
+              <a:solidFill>
+                <a:srgbClr val="FF0000"/>
+              </a:solidFill>
+              <a:latin typeface="Arial" charset="0"/>
+            </a:endParaRPr>
+          </a:p>
+        </p:txBody>
+      </p:sp>
     </p:spTree>
+    <p:extLst>
+      <p:ext uri="{BB962C8B-B14F-4D97-AF65-F5344CB8AC3E}">
+        <p14:creationId xmlns:p14="http://schemas.microsoft.com/office/powerpoint/2010/main" val="1334948876"/>
+      </p:ext>
+    </p:extLst>
   </p:cSld>
   <p:clrMapOvr>
     <a:masterClrMapping/>
@@ -9874,13 +8619,13 @@
               <p:cTn id="2" dur="indefinite" nodeType="mainSeq">
                 <p:childTnLst>
                   <p:par>
-                    <p:cTn id="3" fill="hold" nodeType="clickPar">
+                    <p:cTn id="3" fill="hold">
                       <p:stCondLst>
                         <p:cond delay="indefinite"/>
                       </p:stCondLst>
                       <p:childTnLst>
                         <p:par>
-                          <p:cTn id="4" fill="hold" nodeType="withGroup">
+                          <p:cTn id="4" fill="hold">
                             <p:stCondLst>
                               <p:cond delay="0"/>
                             </p:stCondLst>
@@ -9899,7 +8644,7 @@
                                           </p:stCondLst>
                                         </p:cTn>
                                         <p:tgtEl>
-                                          <p:spTgt spid="8"/>
+                                          <p:spTgt spid="10"/>
                                         </p:tgtEl>
                                         <p:attrNameLst>
                                           <p:attrName>style.visibility</p:attrName>
@@ -9919,13 +8664,13 @@
                     </p:cTn>
                   </p:par>
                   <p:par>
-                    <p:cTn id="7" fill="hold" nodeType="clickPar">
+                    <p:cTn id="7" fill="hold">
                       <p:stCondLst>
                         <p:cond delay="indefinite"/>
                       </p:stCondLst>
                       <p:childTnLst>
                         <p:par>
-                          <p:cTn id="8" fill="hold" nodeType="withGroup">
+                          <p:cTn id="8" fill="hold">
                             <p:stCondLst>
                               <p:cond delay="0"/>
                             </p:stCondLst>
@@ -9964,13 +8709,13 @@
                     </p:cTn>
                   </p:par>
                   <p:par>
-                    <p:cTn id="11" fill="hold" nodeType="clickPar">
+                    <p:cTn id="11" fill="hold">
                       <p:stCondLst>
                         <p:cond delay="indefinite"/>
                       </p:stCondLst>
                       <p:childTnLst>
                         <p:par>
-                          <p:cTn id="12" fill="hold" nodeType="withGroup">
+                          <p:cTn id="12" fill="hold">
                             <p:stCondLst>
                               <p:cond delay="0"/>
                             </p:stCondLst>
@@ -9984,6 +8729,51 @@
                                     <p:set>
                                       <p:cBhvr>
                                         <p:cTn id="14" dur="1" fill="hold">
+                                          <p:stCondLst>
+                                            <p:cond delay="0"/>
+                                          </p:stCondLst>
+                                        </p:cTn>
+                                        <p:tgtEl>
+                                          <p:spTgt spid="12"/>
+                                        </p:tgtEl>
+                                        <p:attrNameLst>
+                                          <p:attrName>style.visibility</p:attrName>
+                                        </p:attrNameLst>
+                                      </p:cBhvr>
+                                      <p:to>
+                                        <p:strVal val="visible"/>
+                                      </p:to>
+                                    </p:set>
+                                  </p:childTnLst>
+                                </p:cTn>
+                              </p:par>
+                            </p:childTnLst>
+                          </p:cTn>
+                        </p:par>
+                      </p:childTnLst>
+                    </p:cTn>
+                  </p:par>
+                  <p:par>
+                    <p:cTn id="15" fill="hold">
+                      <p:stCondLst>
+                        <p:cond delay="indefinite"/>
+                      </p:stCondLst>
+                      <p:childTnLst>
+                        <p:par>
+                          <p:cTn id="16" fill="hold">
+                            <p:stCondLst>
+                              <p:cond delay="0"/>
+                            </p:stCondLst>
+                            <p:childTnLst>
+                              <p:par>
+                                <p:cTn id="17" presetID="1" presetClass="entr" presetSubtype="0" fill="hold" grpId="0" nodeType="clickEffect">
+                                  <p:stCondLst>
+                                    <p:cond delay="0"/>
+                                  </p:stCondLst>
+                                  <p:childTnLst>
+                                    <p:set>
+                                      <p:cBhvr>
+                                        <p:cTn id="18" dur="1" fill="hold">
                                           <p:stCondLst>
                                             <p:cond delay="0"/>
                                           </p:stCondLst>
@@ -10009,32 +8799,32 @@
                     </p:cTn>
                   </p:par>
                   <p:par>
-                    <p:cTn id="15" fill="hold" nodeType="clickPar">
+                    <p:cTn id="19" fill="hold">
                       <p:stCondLst>
                         <p:cond delay="indefinite"/>
                       </p:stCondLst>
                       <p:childTnLst>
                         <p:par>
-                          <p:cTn id="16" fill="hold" nodeType="withGroup">
+                          <p:cTn id="20" fill="hold">
                             <p:stCondLst>
                               <p:cond delay="0"/>
                             </p:stCondLst>
                             <p:childTnLst>
                               <p:par>
-                                <p:cTn id="17" presetID="1" presetClass="entr" presetSubtype="0" fill="hold" grpId="0" nodeType="clickEffect">
+                                <p:cTn id="21" presetID="1" presetClass="entr" presetSubtype="0" fill="hold" grpId="0" nodeType="clickEffect">
                                   <p:stCondLst>
                                     <p:cond delay="0"/>
                                   </p:stCondLst>
                                   <p:childTnLst>
                                     <p:set>
                                       <p:cBhvr>
-                                        <p:cTn id="18" dur="1" fill="hold">
+                                        <p:cTn id="22" dur="1" fill="hold">
                                           <p:stCondLst>
                                             <p:cond delay="0"/>
                                           </p:stCondLst>
                                         </p:cTn>
                                         <p:tgtEl>
-                                          <p:spTgt spid="10"/>
+                                          <p:spTgt spid="15"/>
                                         </p:tgtEl>
                                         <p:attrNameLst>
                                           <p:attrName>style.visibility</p:attrName>
@@ -10054,32 +8844,77 @@
                     </p:cTn>
                   </p:par>
                   <p:par>
-                    <p:cTn id="19" fill="hold" nodeType="clickPar">
+                    <p:cTn id="23" fill="hold">
                       <p:stCondLst>
                         <p:cond delay="indefinite"/>
                       </p:stCondLst>
                       <p:childTnLst>
                         <p:par>
-                          <p:cTn id="20" fill="hold" nodeType="withGroup">
+                          <p:cTn id="24" fill="hold">
                             <p:stCondLst>
                               <p:cond delay="0"/>
                             </p:stCondLst>
                             <p:childTnLst>
                               <p:par>
-                                <p:cTn id="21" presetID="1" presetClass="entr" presetSubtype="0" fill="hold" grpId="0" nodeType="clickEffect">
+                                <p:cTn id="25" presetID="1" presetClass="entr" presetSubtype="0" fill="hold" grpId="0" nodeType="clickEffect">
                                   <p:stCondLst>
                                     <p:cond delay="0"/>
                                   </p:stCondLst>
                                   <p:childTnLst>
                                     <p:set>
                                       <p:cBhvr>
-                                        <p:cTn id="22" dur="1" fill="hold">
+                                        <p:cTn id="26" dur="1" fill="hold">
                                           <p:stCondLst>
                                             <p:cond delay="0"/>
                                           </p:stCondLst>
                                         </p:cTn>
                                         <p:tgtEl>
-                                          <p:spTgt spid="12"/>
+                                          <p:spTgt spid="16"/>
+                                        </p:tgtEl>
+                                        <p:attrNameLst>
+                                          <p:attrName>style.visibility</p:attrName>
+                                        </p:attrNameLst>
+                                      </p:cBhvr>
+                                      <p:to>
+                                        <p:strVal val="visible"/>
+                                      </p:to>
+                                    </p:set>
+                                  </p:childTnLst>
+                                </p:cTn>
+                              </p:par>
+                            </p:childTnLst>
+                          </p:cTn>
+                        </p:par>
+                      </p:childTnLst>
+                    </p:cTn>
+                  </p:par>
+                  <p:par>
+                    <p:cTn id="27" fill="hold">
+                      <p:stCondLst>
+                        <p:cond delay="indefinite"/>
+                      </p:stCondLst>
+                      <p:childTnLst>
+                        <p:par>
+                          <p:cTn id="28" fill="hold">
+                            <p:stCondLst>
+                              <p:cond delay="0"/>
+                            </p:stCondLst>
+                            <p:childTnLst>
+                              <p:par>
+                                <p:cTn id="29" presetID="1" presetClass="entr" presetSubtype="0" fill="hold" grpId="0" nodeType="clickEffect">
+                                  <p:stCondLst>
+                                    <p:cond delay="0"/>
+                                  </p:stCondLst>
+                                  <p:childTnLst>
+                                    <p:set>
+                                      <p:cBhvr>
+                                        <p:cTn id="30" dur="1" fill="hold">
+                                          <p:stCondLst>
+                                            <p:cond delay="0"/>
+                                          </p:stCondLst>
+                                        </p:cTn>
+                                        <p:tgtEl>
+                                          <p:spTgt spid="13"/>
                                         </p:tgtEl>
                                         <p:attrNameLst>
                                           <p:attrName>style.visibility</p:attrName>
@@ -10120,17 +8955,19 @@
       </p:par>
     </p:tnLst>
     <p:bldLst>
-      <p:bldP spid="8" grpId="0"/>
       <p:bldP spid="9" grpId="0"/>
       <p:bldP spid="10" grpId="0"/>
       <p:bldP spid="11" grpId="0"/>
       <p:bldP spid="12" grpId="0"/>
+      <p:bldP spid="13" grpId="0"/>
+      <p:bldP spid="15" grpId="0"/>
+      <p:bldP spid="16" grpId="0"/>
     </p:bldLst>
   </p:timing>
 </p:sld>
 </file>
 
-<file path=ppt/slides/slide5.xml><?xml version="1.0" encoding="utf-8"?>
+<file path=ppt/slides/slide4.xml><?xml version="1.0" encoding="utf-8"?>
 <p:sld xmlns:a="http://schemas.openxmlformats.org/drawingml/2006/main" xmlns:r="http://schemas.openxmlformats.org/officeDocument/2006/relationships" xmlns:p="http://schemas.openxmlformats.org/presentationml/2006/main">
   <p:cSld>
     <p:spTree>
@@ -10159,8 +8996,8 @@
         </p:nvSpPr>
         <p:spPr>
           <a:xfrm>
-            <a:off x="1981200" y="1177925"/>
-            <a:ext cx="8229600" cy="606425"/>
+            <a:off x="290946" y="164162"/>
+            <a:ext cx="9157854" cy="1581511"/>
           </a:xfrm>
         </p:spPr>
         <p:txBody>
@@ -10168,9 +9005,39 @@
           <a:lstStyle/>
           <a:p>
             <a:r>
-              <a:rPr lang="en-US" altLang="en-US" sz="3200"/>
-              <a:t>Example Maple Program</a:t>
-            </a:r>
+              <a:rPr lang="en-US" altLang="en-US" sz="3200" dirty="0" smtClean="0"/>
+              <a:t>TODO: </a:t>
+            </a:r>
+            <a:br>
+              <a:rPr lang="en-US" altLang="en-US" sz="3200" dirty="0" smtClean="0"/>
+            </a:br>
+            <a:r>
+              <a:rPr lang="en-US" altLang="en-US" sz="3200" dirty="0" smtClean="0"/>
+              <a:t>- </a:t>
+            </a:r>
+            <a:r>
+              <a:rPr lang="en-US" altLang="en-US" sz="3200" dirty="0" smtClean="0"/>
+              <a:t>Change to Final Program</a:t>
+            </a:r>
+            <a:br>
+              <a:rPr lang="en-US" altLang="en-US" sz="3200" dirty="0" smtClean="0"/>
+            </a:br>
+            <a:r>
+              <a:rPr lang="en-US" altLang="en-US" sz="3200" dirty="0" smtClean="0"/>
+              <a:t>- Highlight key features, e.g., per-packet,</a:t>
+            </a:r>
+            <a:br>
+              <a:rPr lang="en-US" altLang="en-US" sz="3200" dirty="0" smtClean="0"/>
+            </a:br>
+            <a:r>
+              <a:rPr lang="en-US" altLang="en-US" sz="3200" dirty="0" smtClean="0"/>
+              <a:t>   cross layer (L7), meta control, </a:t>
+            </a:r>
+            <a:r>
+              <a:rPr lang="mr-IN" altLang="en-US" sz="3200" dirty="0" smtClean="0"/>
+              <a:t>…</a:t>
+            </a:r>
+            <a:endParaRPr lang="en-US" altLang="en-US" sz="3200" dirty="0"/>
           </a:p>
         </p:txBody>
       </p:sp>
@@ -11187,66 +10054,6 @@
             <a:r>
               <a:rPr lang="en-US" sz="2000" dirty="0"/>
               <a:t>Meta header to control cross layers</a:t>
-            </a:r>
-          </a:p>
-        </p:txBody>
-      </p:sp>
-      <p:sp>
-        <p:nvSpPr>
-          <p:cNvPr id="8" name="Rounded Rectangular Callout 7"/>
-          <p:cNvSpPr/>
-          <p:nvPr/>
-        </p:nvSpPr>
-        <p:spPr>
-          <a:xfrm>
-            <a:off x="6577013" y="5673725"/>
-            <a:ext cx="3095625" cy="1016000"/>
-          </a:xfrm>
-          <a:prstGeom prst="wedgeRoundRectCallout">
-            <a:avLst>
-              <a:gd name="adj1" fmla="val -138151"/>
-              <a:gd name="adj2" fmla="val -174232"/>
-              <a:gd name="adj3" fmla="val 16667"/>
-            </a:avLst>
-          </a:prstGeom>
-          <a:solidFill>
-            <a:schemeClr val="accent3">
-              <a:lumMod val="50000"/>
-            </a:schemeClr>
-          </a:solidFill>
-        </p:spPr>
-        <p:style>
-          <a:lnRef idx="1">
-            <a:schemeClr val="accent1"/>
-          </a:lnRef>
-          <a:fillRef idx="3">
-            <a:schemeClr val="accent1"/>
-          </a:fillRef>
-          <a:effectRef idx="2">
-            <a:schemeClr val="accent1"/>
-          </a:effectRef>
-          <a:fontRef idx="minor">
-            <a:schemeClr val="lt1"/>
-          </a:fontRef>
-        </p:style>
-        <p:txBody>
-          <a:bodyPr anchor="ctr"/>
-          <a:lstStyle/>
-          <a:p>
-            <a:pPr algn="ctr">
-              <a:defRPr/>
-            </a:pPr>
-            <a:r>
-              <a:rPr lang="en-US" sz="2000" dirty="0"/>
-              <a:t>Unspecified realization: Source-routing, compile, </a:t>
-            </a:r>
-            <a:r>
-              <a:rPr lang="en-US" sz="2000"/>
-              <a:t>or on-demand </a:t>
-            </a:r>
-            <a:r>
-              <a:rPr lang="en-US" sz="2000" dirty="0"/>
-              <a:t>at switches</a:t>
             </a:r>
           </a:p>
         </p:txBody>
@@ -11399,51 +10206,6 @@
                       </p:childTnLst>
                     </p:cTn>
                   </p:par>
-                  <p:par>
-                    <p:cTn id="15" fill="hold" nodeType="clickPar">
-                      <p:stCondLst>
-                        <p:cond delay="indefinite"/>
-                      </p:stCondLst>
-                      <p:childTnLst>
-                        <p:par>
-                          <p:cTn id="16" fill="hold" nodeType="withGroup">
-                            <p:stCondLst>
-                              <p:cond delay="0"/>
-                            </p:stCondLst>
-                            <p:childTnLst>
-                              <p:par>
-                                <p:cTn id="17" presetID="1" presetClass="entr" presetSubtype="0" fill="hold" grpId="0" nodeType="clickEffect">
-                                  <p:stCondLst>
-                                    <p:cond delay="0"/>
-                                  </p:stCondLst>
-                                  <p:childTnLst>
-                                    <p:set>
-                                      <p:cBhvr>
-                                        <p:cTn id="18" dur="1" fill="hold">
-                                          <p:stCondLst>
-                                            <p:cond delay="0"/>
-                                          </p:stCondLst>
-                                        </p:cTn>
-                                        <p:tgtEl>
-                                          <p:spTgt spid="8"/>
-                                        </p:tgtEl>
-                                        <p:attrNameLst>
-                                          <p:attrName>style.visibility</p:attrName>
-                                        </p:attrNameLst>
-                                      </p:cBhvr>
-                                      <p:to>
-                                        <p:strVal val="visible"/>
-                                      </p:to>
-                                    </p:set>
-                                  </p:childTnLst>
-                                </p:cTn>
-                              </p:par>
-                            </p:childTnLst>
-                          </p:cTn>
-                        </p:par>
-                      </p:childTnLst>
-                    </p:cTn>
-                  </p:par>
                 </p:childTnLst>
               </p:cTn>
               <p:prevCondLst>
@@ -11469,8 +10231,303 @@
       <p:bldP spid="5" grpId="0" animBg="1"/>
       <p:bldP spid="6" grpId="0" animBg="1"/>
       <p:bldP spid="7" grpId="0" animBg="1"/>
-      <p:bldP spid="8" grpId="0" animBg="1"/>
     </p:bldLst>
+  </p:timing>
+</p:sld>
+</file>
+
+<file path=ppt/slides/slide5.xml><?xml version="1.0" encoding="utf-8"?>
+<p:sld xmlns:a="http://schemas.openxmlformats.org/drawingml/2006/main" xmlns:r="http://schemas.openxmlformats.org/officeDocument/2006/relationships" xmlns:p="http://schemas.openxmlformats.org/presentationml/2006/main">
+  <p:cSld>
+    <p:spTree>
+      <p:nvGrpSpPr>
+        <p:cNvPr id="1" name=""/>
+        <p:cNvGrpSpPr/>
+        <p:nvPr/>
+      </p:nvGrpSpPr>
+      <p:grpSpPr>
+        <a:xfrm>
+          <a:off x="0" y="0"/>
+          <a:ext cx="0" cy="0"/>
+          <a:chOff x="0" y="0"/>
+          <a:chExt cx="0" cy="0"/>
+        </a:xfrm>
+      </p:grpSpPr>
+      <p:sp>
+        <p:nvSpPr>
+          <p:cNvPr id="39937" name="Title 2"/>
+          <p:cNvSpPr>
+            <a:spLocks noGrp="1"/>
+          </p:cNvSpPr>
+          <p:nvPr>
+            <p:ph type="title"/>
+          </p:nvPr>
+        </p:nvSpPr>
+        <p:spPr>
+          <a:xfrm>
+            <a:off x="1905000" y="561975"/>
+            <a:ext cx="8588375" cy="769938"/>
+          </a:xfrm>
+        </p:spPr>
+        <p:txBody>
+          <a:bodyPr/>
+          <a:lstStyle/>
+          <a:p>
+            <a:pPr algn="ctr"/>
+            <a:r>
+              <a:rPr lang="en-US" altLang="en-US" sz="2800" dirty="0" smtClean="0"/>
+              <a:t>Demo: Realizing Super Simple SDN Programming using </a:t>
+            </a:r>
+            <a:r>
+              <a:rPr lang="en-US" altLang="en-US" sz="2800" dirty="0" err="1" smtClean="0"/>
+              <a:t>OpenFlow</a:t>
+            </a:r>
+            <a:r>
+              <a:rPr lang="en-US" altLang="en-US" sz="2800" dirty="0" smtClean="0"/>
+              <a:t>, Bro</a:t>
+            </a:r>
+            <a:endParaRPr lang="en-US" altLang="en-US" sz="2800" dirty="0"/>
+          </a:p>
+        </p:txBody>
+      </p:sp>
+      <p:sp>
+        <p:nvSpPr>
+          <p:cNvPr id="3" name="Title 2"/>
+          <p:cNvSpPr txBox="1">
+            <a:spLocks/>
+          </p:cNvSpPr>
+          <p:nvPr/>
+        </p:nvSpPr>
+        <p:spPr bwMode="auto">
+          <a:xfrm>
+            <a:off x="360218" y="2713398"/>
+            <a:ext cx="9157854" cy="1581511"/>
+          </a:xfrm>
+          <a:prstGeom prst="rect">
+            <a:avLst/>
+          </a:prstGeom>
+          <a:noFill/>
+          <a:ln>
+            <a:noFill/>
+          </a:ln>
+          <a:extLst>
+            <a:ext uri="{909E8E84-426E-40DD-AFC4-6F175D3DCCD1}">
+              <a14:hiddenFill xmlns:a14="http://schemas.microsoft.com/office/drawing/2010/main">
+                <a:solidFill>
+                  <a:srgbClr val="FFFFFF"/>
+                </a:solidFill>
+              </a14:hiddenFill>
+            </a:ext>
+            <a:ext uri="{91240B29-F687-4F45-9708-019B960494DF}">
+              <a14:hiddenLine xmlns:a14="http://schemas.microsoft.com/office/drawing/2010/main" w="9525">
+                <a:solidFill>
+                  <a:srgbClr val="000000"/>
+                </a:solidFill>
+                <a:miter lim="800000"/>
+                <a:headEnd/>
+                <a:tailEnd/>
+              </a14:hiddenLine>
+            </a:ext>
+            <a:ext uri="{FAA26D3D-D897-4be2-8F04-BA451C77F1D7}">
+              <ma14:placeholderFlag xmlns:ma14="http://schemas.microsoft.com/office/mac/drawingml/2011/main" val="1"/>
+            </a:ext>
+          </a:extLst>
+        </p:spPr>
+        <p:txBody>
+          <a:bodyPr vert="horz" wrap="square" lIns="91440" tIns="45720" rIns="91440" bIns="45720" numCol="1" anchor="ctr" anchorCtr="0" compatLnSpc="1">
+            <a:prstTxWarp prst="textNoShape">
+              <a:avLst/>
+            </a:prstTxWarp>
+          </a:bodyPr>
+          <a:lstStyle>
+            <a:lvl1pPr algn="l" rtl="0" eaLnBrk="0" fontAlgn="base" hangingPunct="0">
+              <a:lnSpc>
+                <a:spcPct val="90000"/>
+              </a:lnSpc>
+              <a:spcBef>
+                <a:spcPct val="0"/>
+              </a:spcBef>
+              <a:spcAft>
+                <a:spcPct val="0"/>
+              </a:spcAft>
+              <a:defRPr sz="4400" kern="1200">
+                <a:solidFill>
+                  <a:schemeClr val="tx1"/>
+                </a:solidFill>
+                <a:latin typeface="+mj-lt"/>
+                <a:ea typeface="+mj-ea"/>
+                <a:cs typeface="+mj-cs"/>
+              </a:defRPr>
+            </a:lvl1pPr>
+            <a:lvl2pPr algn="l" rtl="0" eaLnBrk="0" fontAlgn="base" hangingPunct="0">
+              <a:lnSpc>
+                <a:spcPct val="90000"/>
+              </a:lnSpc>
+              <a:spcBef>
+                <a:spcPct val="0"/>
+              </a:spcBef>
+              <a:spcAft>
+                <a:spcPct val="0"/>
+              </a:spcAft>
+              <a:defRPr sz="4400">
+                <a:solidFill>
+                  <a:schemeClr val="tx1"/>
+                </a:solidFill>
+                <a:latin typeface="Calibri Light" panose="020F0302020204030204" pitchFamily="34" charset="0"/>
+              </a:defRPr>
+            </a:lvl2pPr>
+            <a:lvl3pPr algn="l" rtl="0" eaLnBrk="0" fontAlgn="base" hangingPunct="0">
+              <a:lnSpc>
+                <a:spcPct val="90000"/>
+              </a:lnSpc>
+              <a:spcBef>
+                <a:spcPct val="0"/>
+              </a:spcBef>
+              <a:spcAft>
+                <a:spcPct val="0"/>
+              </a:spcAft>
+              <a:defRPr sz="4400">
+                <a:solidFill>
+                  <a:schemeClr val="tx1"/>
+                </a:solidFill>
+                <a:latin typeface="Calibri Light" panose="020F0302020204030204" pitchFamily="34" charset="0"/>
+              </a:defRPr>
+            </a:lvl3pPr>
+            <a:lvl4pPr algn="l" rtl="0" eaLnBrk="0" fontAlgn="base" hangingPunct="0">
+              <a:lnSpc>
+                <a:spcPct val="90000"/>
+              </a:lnSpc>
+              <a:spcBef>
+                <a:spcPct val="0"/>
+              </a:spcBef>
+              <a:spcAft>
+                <a:spcPct val="0"/>
+              </a:spcAft>
+              <a:defRPr sz="4400">
+                <a:solidFill>
+                  <a:schemeClr val="tx1"/>
+                </a:solidFill>
+                <a:latin typeface="Calibri Light" panose="020F0302020204030204" pitchFamily="34" charset="0"/>
+              </a:defRPr>
+            </a:lvl4pPr>
+            <a:lvl5pPr algn="l" rtl="0" eaLnBrk="0" fontAlgn="base" hangingPunct="0">
+              <a:lnSpc>
+                <a:spcPct val="90000"/>
+              </a:lnSpc>
+              <a:spcBef>
+                <a:spcPct val="0"/>
+              </a:spcBef>
+              <a:spcAft>
+                <a:spcPct val="0"/>
+              </a:spcAft>
+              <a:defRPr sz="4400">
+                <a:solidFill>
+                  <a:schemeClr val="tx1"/>
+                </a:solidFill>
+                <a:latin typeface="Calibri Light" panose="020F0302020204030204" pitchFamily="34" charset="0"/>
+              </a:defRPr>
+            </a:lvl5pPr>
+            <a:lvl6pPr marL="457200" algn="l" rtl="0" fontAlgn="base">
+              <a:lnSpc>
+                <a:spcPct val="90000"/>
+              </a:lnSpc>
+              <a:spcBef>
+                <a:spcPct val="0"/>
+              </a:spcBef>
+              <a:spcAft>
+                <a:spcPct val="0"/>
+              </a:spcAft>
+              <a:defRPr sz="4400">
+                <a:solidFill>
+                  <a:schemeClr val="tx1"/>
+                </a:solidFill>
+                <a:latin typeface="Calibri Light" panose="020F0302020204030204" pitchFamily="34" charset="0"/>
+              </a:defRPr>
+            </a:lvl6pPr>
+            <a:lvl7pPr marL="914400" algn="l" rtl="0" fontAlgn="base">
+              <a:lnSpc>
+                <a:spcPct val="90000"/>
+              </a:lnSpc>
+              <a:spcBef>
+                <a:spcPct val="0"/>
+              </a:spcBef>
+              <a:spcAft>
+                <a:spcPct val="0"/>
+              </a:spcAft>
+              <a:defRPr sz="4400">
+                <a:solidFill>
+                  <a:schemeClr val="tx1"/>
+                </a:solidFill>
+                <a:latin typeface="Calibri Light" panose="020F0302020204030204" pitchFamily="34" charset="0"/>
+              </a:defRPr>
+            </a:lvl7pPr>
+            <a:lvl8pPr marL="1371600" algn="l" rtl="0" fontAlgn="base">
+              <a:lnSpc>
+                <a:spcPct val="90000"/>
+              </a:lnSpc>
+              <a:spcBef>
+                <a:spcPct val="0"/>
+              </a:spcBef>
+              <a:spcAft>
+                <a:spcPct val="0"/>
+              </a:spcAft>
+              <a:defRPr sz="4400">
+                <a:solidFill>
+                  <a:schemeClr val="tx1"/>
+                </a:solidFill>
+                <a:latin typeface="Calibri Light" panose="020F0302020204030204" pitchFamily="34" charset="0"/>
+              </a:defRPr>
+            </a:lvl8pPr>
+            <a:lvl9pPr marL="1828800" algn="l" rtl="0" fontAlgn="base">
+              <a:lnSpc>
+                <a:spcPct val="90000"/>
+              </a:lnSpc>
+              <a:spcBef>
+                <a:spcPct val="0"/>
+              </a:spcBef>
+              <a:spcAft>
+                <a:spcPct val="0"/>
+              </a:spcAft>
+              <a:defRPr sz="4400">
+                <a:solidFill>
+                  <a:schemeClr val="tx1"/>
+                </a:solidFill>
+                <a:latin typeface="Calibri Light" panose="020F0302020204030204" pitchFamily="34" charset="0"/>
+              </a:defRPr>
+            </a:lvl9pPr>
+          </a:lstStyle>
+          <a:p>
+            <a:r>
+              <a:rPr lang="en-US" altLang="en-US" sz="3200" dirty="0" smtClean="0"/>
+              <a:t>TODO: </a:t>
+            </a:r>
+            <a:br>
+              <a:rPr lang="en-US" altLang="en-US" sz="3200" dirty="0" smtClean="0"/>
+            </a:br>
+            <a:r>
+              <a:rPr lang="en-US" altLang="en-US" sz="3200" dirty="0" smtClean="0"/>
+              <a:t>Draw network, label what each component does</a:t>
+            </a:r>
+            <a:endParaRPr lang="en-US" altLang="en-US" sz="3200" dirty="0"/>
+          </a:p>
+        </p:txBody>
+      </p:sp>
+    </p:spTree>
+    <p:extLst>
+      <p:ext uri="{BB962C8B-B14F-4D97-AF65-F5344CB8AC3E}">
+        <p14:creationId xmlns:p14="http://schemas.microsoft.com/office/powerpoint/2010/main" val="1248543279"/>
+      </p:ext>
+    </p:extLst>
+  </p:cSld>
+  <p:clrMapOvr>
+    <a:masterClrMapping/>
+  </p:clrMapOvr>
+  <p:timing>
+    <p:tnLst>
+      <p:par>
+        <p:cTn id="1" dur="indefinite" restart="never" nodeType="tmRoot"/>
+      </p:par>
+    </p:tnLst>
   </p:timing>
 </p:sld>
 </file>
@@ -11494,7 +10551,86 @@
       </p:grpSpPr>
       <p:sp>
         <p:nvSpPr>
-          <p:cNvPr id="43009" name="Title 2"/>
+          <p:cNvPr id="2" name="Title 1"/>
+          <p:cNvSpPr>
+            <a:spLocks noGrp="1"/>
+          </p:cNvSpPr>
+          <p:nvPr>
+            <p:ph type="ctrTitle"/>
+          </p:nvPr>
+        </p:nvSpPr>
+        <p:spPr/>
+        <p:txBody>
+          <a:bodyPr/>
+          <a:lstStyle/>
+          <a:p>
+            <a:r>
+              <a:rPr lang="en-US" dirty="0" smtClean="0"/>
+              <a:t>Backup Slides</a:t>
+            </a:r>
+            <a:endParaRPr lang="en-US" dirty="0"/>
+          </a:p>
+        </p:txBody>
+      </p:sp>
+      <p:sp>
+        <p:nvSpPr>
+          <p:cNvPr id="3" name="Subtitle 2"/>
+          <p:cNvSpPr>
+            <a:spLocks noGrp="1"/>
+          </p:cNvSpPr>
+          <p:nvPr>
+            <p:ph type="subTitle" idx="1"/>
+          </p:nvPr>
+        </p:nvSpPr>
+        <p:spPr/>
+        <p:txBody>
+          <a:bodyPr/>
+          <a:lstStyle/>
+          <a:p>
+            <a:endParaRPr lang="en-US"/>
+          </a:p>
+        </p:txBody>
+      </p:sp>
+    </p:spTree>
+    <p:extLst>
+      <p:ext uri="{BB962C8B-B14F-4D97-AF65-F5344CB8AC3E}">
+        <p14:creationId xmlns:p14="http://schemas.microsoft.com/office/powerpoint/2010/main" val="1702318407"/>
+      </p:ext>
+    </p:extLst>
+  </p:cSld>
+  <p:clrMapOvr>
+    <a:masterClrMapping/>
+  </p:clrMapOvr>
+  <p:timing>
+    <p:tnLst>
+      <p:par>
+        <p:cTn id="1" dur="indefinite" restart="never" nodeType="tmRoot"/>
+      </p:par>
+    </p:tnLst>
+  </p:timing>
+</p:sld>
+</file>
+
+<file path=ppt/slides/slide7.xml><?xml version="1.0" encoding="utf-8"?>
+<p:sld xmlns:a="http://schemas.openxmlformats.org/drawingml/2006/main" xmlns:r="http://schemas.openxmlformats.org/officeDocument/2006/relationships" xmlns:p="http://schemas.openxmlformats.org/presentationml/2006/main">
+  <p:cSld>
+    <p:spTree>
+      <p:nvGrpSpPr>
+        <p:cNvPr id="1" name=""/>
+        <p:cNvGrpSpPr/>
+        <p:nvPr/>
+      </p:nvGrpSpPr>
+      <p:grpSpPr>
+        <a:xfrm>
+          <a:off x="0" y="0"/>
+          <a:ext cx="0" cy="0"/>
+          <a:chOff x="0" y="0"/>
+          <a:chExt cx="0" cy="0"/>
+        </a:xfrm>
+      </p:grpSpPr>
+      <p:sp>
+        <p:nvSpPr>
+          <p:cNvPr id="38913" name="Title 1"/>
           <p:cNvSpPr>
             <a:spLocks noGrp="1"/>
           </p:cNvSpPr>
@@ -11504,8 +10640,8 @@
         </p:nvSpPr>
         <p:spPr>
           <a:xfrm>
-            <a:off x="1920875" y="446088"/>
-            <a:ext cx="8588375" cy="769937"/>
+            <a:off x="1787525" y="239713"/>
+            <a:ext cx="8802688" cy="554037"/>
           </a:xfrm>
         </p:spPr>
         <p:txBody>
@@ -11513,8 +10649,1391 @@
           <a:lstStyle/>
           <a:p>
             <a:r>
-              <a:rPr lang="en-US" altLang="en-US" sz="2800"/>
-              <a:t>IDE Features (Details, with a screenshot, use callout to label key components/features; Skip)</a:t>
+              <a:rPr lang="en-US" altLang="en-US" sz="2400"/>
+              <a:t>High-level SDN Programming Abstraction: Function Store (Details; skip)</a:t>
+            </a:r>
+          </a:p>
+        </p:txBody>
+      </p:sp>
+      <p:sp>
+        <p:nvSpPr>
+          <p:cNvPr id="6" name="Rectangle 5"/>
+          <p:cNvSpPr/>
+          <p:nvPr/>
+        </p:nvSpPr>
+        <p:spPr bwMode="auto">
+          <a:xfrm>
+            <a:off x="1603375" y="1757363"/>
+            <a:ext cx="3230563" cy="1077912"/>
+          </a:xfrm>
+          <a:prstGeom prst="rect">
+            <a:avLst/>
+          </a:prstGeom>
+          <a:solidFill>
+            <a:srgbClr val="4F81BD"/>
+          </a:solidFill>
+          <a:ln w="9525" cap="flat" cmpd="sng" algn="ctr">
+            <a:solidFill>
+              <a:sysClr val="windowText" lastClr="000000"/>
+            </a:solidFill>
+            <a:prstDash val="solid"/>
+            <a:round/>
+            <a:headEnd type="none" w="med" len="med"/>
+            <a:tailEnd type="none" w="med" len="med"/>
+          </a:ln>
+          <a:effectLst/>
+        </p:spPr>
+        <p:txBody>
+          <a:bodyPr/>
+          <a:lstStyle/>
+          <a:p>
+            <a:pPr>
+              <a:defRPr/>
+            </a:pPr>
+            <a:endParaRPr lang="en-US" sz="2400" kern="0" baseline="-25000">
+              <a:solidFill>
+                <a:sysClr val="windowText" lastClr="000000"/>
+              </a:solidFill>
+              <a:effectLst>
+                <a:outerShdw blurRad="38100" dist="38100" dir="2700000" algn="tl">
+                  <a:srgbClr val="000000">
+                    <a:alpha val="43137"/>
+                  </a:srgbClr>
+                </a:outerShdw>
+              </a:effectLst>
+              <a:latin typeface="Arial" pitchFamily="-105" charset="0"/>
+              <a:ea typeface="ＭＳ Ｐゴシック" pitchFamily="-105" charset="-128"/>
+              <a:cs typeface="ＭＳ Ｐゴシック" pitchFamily="-105" charset="-128"/>
+            </a:endParaRPr>
+          </a:p>
+        </p:txBody>
+      </p:sp>
+      <p:sp>
+        <p:nvSpPr>
+          <p:cNvPr id="4" name="Document 3"/>
+          <p:cNvSpPr/>
+          <p:nvPr/>
+        </p:nvSpPr>
+        <p:spPr>
+          <a:xfrm>
+            <a:off x="1831273" y="1968150"/>
+            <a:ext cx="751115" cy="588905"/>
+          </a:xfrm>
+          <a:prstGeom prst="flowChartDocument">
+            <a:avLst/>
+          </a:prstGeom>
+          <a:gradFill flip="none" rotWithShape="1">
+            <a:gsLst>
+              <a:gs pos="0">
+                <a:schemeClr val="accent2">
+                  <a:lumMod val="0"/>
+                  <a:lumOff val="100000"/>
+                </a:schemeClr>
+              </a:gs>
+              <a:gs pos="35000">
+                <a:schemeClr val="accent2">
+                  <a:lumMod val="0"/>
+                  <a:lumOff val="100000"/>
+                </a:schemeClr>
+              </a:gs>
+              <a:gs pos="100000">
+                <a:schemeClr val="accent2">
+                  <a:lumMod val="100000"/>
+                </a:schemeClr>
+              </a:gs>
+            </a:gsLst>
+            <a:path path="circle">
+              <a:fillToRect l="50000" t="-80000" r="50000" b="180000"/>
+            </a:path>
+            <a:tileRect/>
+          </a:gradFill>
+        </p:spPr>
+        <p:style>
+          <a:lnRef idx="1">
+            <a:schemeClr val="accent1"/>
+          </a:lnRef>
+          <a:fillRef idx="3">
+            <a:schemeClr val="accent1"/>
+          </a:fillRef>
+          <a:effectRef idx="2">
+            <a:schemeClr val="accent1"/>
+          </a:effectRef>
+          <a:fontRef idx="minor">
+            <a:schemeClr val="lt1"/>
+          </a:fontRef>
+        </p:style>
+        <p:txBody>
+          <a:bodyPr anchor="ctr"/>
+          <a:lstStyle/>
+          <a:p>
+            <a:pPr algn="ctr">
+              <a:defRPr/>
+            </a:pPr>
+            <a:r>
+              <a:rPr lang="en-US" sz="1200" dirty="0">
+                <a:solidFill>
+                  <a:srgbClr val="C00000"/>
+                </a:solidFill>
+              </a:rPr>
+              <a:t>function</a:t>
+            </a:r>
+            <a:br>
+              <a:rPr lang="en-US" sz="1200" dirty="0">
+                <a:solidFill>
+                  <a:srgbClr val="C00000"/>
+                </a:solidFill>
+              </a:rPr>
+            </a:br>
+            <a:r>
+              <a:rPr lang="en-US" sz="1200" dirty="0">
+                <a:solidFill>
+                  <a:srgbClr val="C00000"/>
+                </a:solidFill>
+              </a:rPr>
+              <a:t>instance</a:t>
+            </a:r>
+          </a:p>
+        </p:txBody>
+      </p:sp>
+      <p:sp>
+        <p:nvSpPr>
+          <p:cNvPr id="38918" name="Shape 167"/>
+          <p:cNvSpPr txBox="1">
+            <a:spLocks/>
+          </p:cNvSpPr>
+          <p:nvPr/>
+        </p:nvSpPr>
+        <p:spPr bwMode="auto">
+          <a:xfrm>
+            <a:off x="5046663" y="1552575"/>
+            <a:ext cx="5259387" cy="4645025"/>
+          </a:xfrm>
+          <a:prstGeom prst="rect">
+            <a:avLst/>
+          </a:prstGeom>
+          <a:noFill/>
+          <a:ln w="9525">
+            <a:solidFill>
+              <a:srgbClr val="000000"/>
+            </a:solidFill>
+            <a:miter lim="800000"/>
+            <a:headEnd/>
+            <a:tailEnd/>
+          </a:ln>
+          <a:extLst>
+            <a:ext uri="{909E8E84-426E-40DD-AFC4-6F175D3DCCD1}">
+              <a14:hiddenFill xmlns:a14="http://schemas.microsoft.com/office/drawing/2010/main">
+                <a:solidFill>
+                  <a:srgbClr val="FFFFFF"/>
+                </a:solidFill>
+              </a14:hiddenFill>
+            </a:ext>
+          </a:extLst>
+        </p:spPr>
+        <p:txBody>
+          <a:bodyPr lIns="91425" tIns="91425" rIns="91425" bIns="91425"/>
+          <a:lstStyle>
+            <a:lvl1pPr>
+              <a:lnSpc>
+                <a:spcPct val="90000"/>
+              </a:lnSpc>
+              <a:spcBef>
+                <a:spcPts val="1000"/>
+              </a:spcBef>
+              <a:buFont typeface="Arial" charset="0"/>
+              <a:buChar char="•"/>
+              <a:defRPr sz="2800">
+                <a:solidFill>
+                  <a:schemeClr val="tx1"/>
+                </a:solidFill>
+                <a:latin typeface="Calibri" charset="0"/>
+              </a:defRPr>
+            </a:lvl1pPr>
+            <a:lvl2pPr marL="742950" indent="-133350">
+              <a:lnSpc>
+                <a:spcPct val="90000"/>
+              </a:lnSpc>
+              <a:spcBef>
+                <a:spcPts val="500"/>
+              </a:spcBef>
+              <a:buFont typeface="Arial" charset="0"/>
+              <a:buChar char="•"/>
+              <a:defRPr sz="2400">
+                <a:solidFill>
+                  <a:schemeClr val="tx1"/>
+                </a:solidFill>
+                <a:latin typeface="Calibri" charset="0"/>
+              </a:defRPr>
+            </a:lvl2pPr>
+            <a:lvl3pPr marL="1143000" indent="-101600">
+              <a:lnSpc>
+                <a:spcPct val="90000"/>
+              </a:lnSpc>
+              <a:spcBef>
+                <a:spcPts val="500"/>
+              </a:spcBef>
+              <a:buFont typeface="Arial" charset="0"/>
+              <a:buChar char="•"/>
+              <a:defRPr sz="2000">
+                <a:solidFill>
+                  <a:schemeClr val="tx1"/>
+                </a:solidFill>
+                <a:latin typeface="Calibri" charset="0"/>
+              </a:defRPr>
+            </a:lvl3pPr>
+            <a:lvl4pPr marL="1600200" indent="-114300">
+              <a:lnSpc>
+                <a:spcPct val="90000"/>
+              </a:lnSpc>
+              <a:spcBef>
+                <a:spcPts val="500"/>
+              </a:spcBef>
+              <a:buFont typeface="Arial" charset="0"/>
+              <a:buChar char="•"/>
+              <a:defRPr>
+                <a:solidFill>
+                  <a:schemeClr val="tx1"/>
+                </a:solidFill>
+                <a:latin typeface="Calibri" charset="0"/>
+              </a:defRPr>
+            </a:lvl4pPr>
+            <a:lvl5pPr marL="2057400" indent="-114300">
+              <a:lnSpc>
+                <a:spcPct val="90000"/>
+              </a:lnSpc>
+              <a:spcBef>
+                <a:spcPts val="500"/>
+              </a:spcBef>
+              <a:buFont typeface="Arial" charset="0"/>
+              <a:buChar char="•"/>
+              <a:defRPr>
+                <a:solidFill>
+                  <a:schemeClr val="tx1"/>
+                </a:solidFill>
+                <a:latin typeface="Calibri" charset="0"/>
+              </a:defRPr>
+            </a:lvl5pPr>
+            <a:lvl6pPr marL="2514600" indent="-114300" eaLnBrk="0" fontAlgn="base" hangingPunct="0">
+              <a:lnSpc>
+                <a:spcPct val="90000"/>
+              </a:lnSpc>
+              <a:spcBef>
+                <a:spcPts val="500"/>
+              </a:spcBef>
+              <a:spcAft>
+                <a:spcPct val="0"/>
+              </a:spcAft>
+              <a:buFont typeface="Arial" charset="0"/>
+              <a:buChar char="•"/>
+              <a:defRPr>
+                <a:solidFill>
+                  <a:schemeClr val="tx1"/>
+                </a:solidFill>
+                <a:latin typeface="Calibri" charset="0"/>
+              </a:defRPr>
+            </a:lvl6pPr>
+            <a:lvl7pPr marL="2971800" indent="-114300" eaLnBrk="0" fontAlgn="base" hangingPunct="0">
+              <a:lnSpc>
+                <a:spcPct val="90000"/>
+              </a:lnSpc>
+              <a:spcBef>
+                <a:spcPts val="500"/>
+              </a:spcBef>
+              <a:spcAft>
+                <a:spcPct val="0"/>
+              </a:spcAft>
+              <a:buFont typeface="Arial" charset="0"/>
+              <a:buChar char="•"/>
+              <a:defRPr>
+                <a:solidFill>
+                  <a:schemeClr val="tx1"/>
+                </a:solidFill>
+                <a:latin typeface="Calibri" charset="0"/>
+              </a:defRPr>
+            </a:lvl7pPr>
+            <a:lvl8pPr marL="3429000" indent="-114300" eaLnBrk="0" fontAlgn="base" hangingPunct="0">
+              <a:lnSpc>
+                <a:spcPct val="90000"/>
+              </a:lnSpc>
+              <a:spcBef>
+                <a:spcPts val="500"/>
+              </a:spcBef>
+              <a:spcAft>
+                <a:spcPct val="0"/>
+              </a:spcAft>
+              <a:buFont typeface="Arial" charset="0"/>
+              <a:buChar char="•"/>
+              <a:defRPr>
+                <a:solidFill>
+                  <a:schemeClr val="tx1"/>
+                </a:solidFill>
+                <a:latin typeface="Calibri" charset="0"/>
+              </a:defRPr>
+            </a:lvl8pPr>
+            <a:lvl9pPr marL="3886200" indent="-114300" eaLnBrk="0" fontAlgn="base" hangingPunct="0">
+              <a:lnSpc>
+                <a:spcPct val="90000"/>
+              </a:lnSpc>
+              <a:spcBef>
+                <a:spcPts val="500"/>
+              </a:spcBef>
+              <a:spcAft>
+                <a:spcPct val="0"/>
+              </a:spcAft>
+              <a:buFont typeface="Arial" charset="0"/>
+              <a:buChar char="•"/>
+              <a:defRPr>
+                <a:solidFill>
+                  <a:schemeClr val="tx1"/>
+                </a:solidFill>
+                <a:latin typeface="Calibri" charset="0"/>
+              </a:defRPr>
+            </a:lvl9pPr>
+          </a:lstStyle>
+          <a:p>
+            <a:pPr eaLnBrk="1" hangingPunct="1">
+              <a:lnSpc>
+                <a:spcPct val="100000"/>
+              </a:lnSpc>
+              <a:spcBef>
+                <a:spcPct val="0"/>
+              </a:spcBef>
+              <a:buClr>
+                <a:srgbClr val="6E7BBD"/>
+              </a:buClr>
+              <a:buFont typeface="Calibri" charset="0"/>
+              <a:buNone/>
+            </a:pPr>
+            <a:r>
+              <a:rPr lang="mr-IN" altLang="en-US" sz="1400" b="1">
+                <a:solidFill>
+                  <a:srgbClr val="000000"/>
+                </a:solidFill>
+                <a:latin typeface="Consolas" charset="0"/>
+                <a:ea typeface="Consolas" charset="0"/>
+                <a:cs typeface="Consolas" charset="0"/>
+                <a:sym typeface="Consolas" charset="0"/>
+              </a:rPr>
+              <a:t>public void </a:t>
+            </a:r>
+            <a:r>
+              <a:rPr lang="en-US" altLang="en-US" sz="1400" b="1">
+                <a:solidFill>
+                  <a:srgbClr val="FF0000"/>
+                </a:solidFill>
+                <a:latin typeface="Consolas" charset="0"/>
+                <a:ea typeface="Consolas" charset="0"/>
+                <a:cs typeface="Consolas" charset="0"/>
+                <a:sym typeface="Consolas" charset="0"/>
+              </a:rPr>
+              <a:t>QoSRouting</a:t>
+            </a:r>
+            <a:r>
+              <a:rPr lang="mr-IN" altLang="en-US" sz="1400" b="1">
+                <a:solidFill>
+                  <a:srgbClr val="000000"/>
+                </a:solidFill>
+                <a:latin typeface="Consolas" charset="0"/>
+                <a:ea typeface="Consolas" charset="0"/>
+                <a:cs typeface="Consolas" charset="0"/>
+                <a:sym typeface="Consolas" charset="0"/>
+              </a:rPr>
+              <a:t>(</a:t>
+            </a:r>
+            <a:r>
+              <a:rPr lang="mr-IN" altLang="en-US" sz="1400" b="1">
+                <a:solidFill>
+                  <a:srgbClr val="FF0000"/>
+                </a:solidFill>
+                <a:latin typeface="Consolas" charset="0"/>
+                <a:ea typeface="Consolas" charset="0"/>
+                <a:cs typeface="Consolas" charset="0"/>
+                <a:sym typeface="Consolas" charset="0"/>
+              </a:rPr>
+              <a:t>Ipv4Address src, </a:t>
+            </a:r>
+            <a:r>
+              <a:rPr lang="en-US" altLang="en-US" sz="1400" b="1">
+                <a:solidFill>
+                  <a:srgbClr val="FF0000"/>
+                </a:solidFill>
+                <a:latin typeface="Consolas" charset="0"/>
+                <a:ea typeface="Consolas" charset="0"/>
+                <a:cs typeface="Consolas" charset="0"/>
+                <a:sym typeface="Consolas" charset="0"/>
+              </a:rPr>
+              <a:t/>
+            </a:r>
+            <a:br>
+              <a:rPr lang="en-US" altLang="en-US" sz="1400" b="1">
+                <a:solidFill>
+                  <a:srgbClr val="FF0000"/>
+                </a:solidFill>
+                <a:latin typeface="Consolas" charset="0"/>
+                <a:ea typeface="Consolas" charset="0"/>
+                <a:cs typeface="Consolas" charset="0"/>
+                <a:sym typeface="Consolas" charset="0"/>
+              </a:rPr>
+            </a:br>
+            <a:r>
+              <a:rPr lang="en-US" altLang="en-US" sz="1400" b="1">
+                <a:solidFill>
+                  <a:srgbClr val="FF0000"/>
+                </a:solidFill>
+                <a:latin typeface="Consolas" charset="0"/>
+                <a:ea typeface="Consolas" charset="0"/>
+                <a:cs typeface="Consolas" charset="0"/>
+                <a:sym typeface="Consolas" charset="0"/>
+              </a:rPr>
+              <a:t>            </a:t>
+            </a:r>
+            <a:r>
+              <a:rPr lang="mr-IN" altLang="en-US" sz="1400" b="1">
+                <a:solidFill>
+                  <a:srgbClr val="FF0000"/>
+                </a:solidFill>
+                <a:latin typeface="Consolas" charset="0"/>
+                <a:ea typeface="Consolas" charset="0"/>
+                <a:cs typeface="Consolas" charset="0"/>
+                <a:sym typeface="Consolas" charset="0"/>
+              </a:rPr>
+              <a:t>Ipv4Address dst, int requiredBw</a:t>
+            </a:r>
+            <a:r>
+              <a:rPr lang="mr-IN" altLang="en-US" sz="1400" b="1">
+                <a:solidFill>
+                  <a:srgbClr val="000000"/>
+                </a:solidFill>
+                <a:latin typeface="Consolas" charset="0"/>
+                <a:ea typeface="Consolas" charset="0"/>
+                <a:cs typeface="Consolas" charset="0"/>
+                <a:sym typeface="Consolas" charset="0"/>
+              </a:rPr>
+              <a:t>) {</a:t>
+            </a:r>
+          </a:p>
+          <a:p>
+            <a:pPr eaLnBrk="1" hangingPunct="1">
+              <a:lnSpc>
+                <a:spcPct val="100000"/>
+              </a:lnSpc>
+              <a:spcBef>
+                <a:spcPct val="0"/>
+              </a:spcBef>
+              <a:buClr>
+                <a:srgbClr val="6E7BBD"/>
+              </a:buClr>
+              <a:buFont typeface="Calibri" charset="0"/>
+              <a:buNone/>
+            </a:pPr>
+            <a:r>
+              <a:rPr lang="en-US" altLang="en-US" sz="1400" b="1">
+                <a:solidFill>
+                  <a:srgbClr val="000000"/>
+                </a:solidFill>
+                <a:latin typeface="Consolas" charset="0"/>
+                <a:ea typeface="Consolas" charset="0"/>
+                <a:cs typeface="Consolas" charset="0"/>
+                <a:sym typeface="Consolas" charset="0"/>
+              </a:rPr>
+              <a:t>  </a:t>
+            </a:r>
+            <a:r>
+              <a:rPr lang="mr-IN" altLang="en-US" sz="1400" b="1">
+                <a:solidFill>
+                  <a:srgbClr val="000000"/>
+                </a:solidFill>
+                <a:latin typeface="Consolas" charset="0"/>
+                <a:ea typeface="Consolas" charset="0"/>
+                <a:cs typeface="Consolas" charset="0"/>
+                <a:sym typeface="Consolas" charset="0"/>
+              </a:rPr>
+              <a:t>srcNode, dstNode = </a:t>
+            </a:r>
+            <a:r>
+              <a:rPr lang="mr-IN" altLang="en-US" sz="1400" b="1">
+                <a:solidFill>
+                  <a:srgbClr val="FF0000"/>
+                </a:solidFill>
+                <a:latin typeface="Consolas" charset="0"/>
+                <a:ea typeface="Consolas" charset="0"/>
+                <a:cs typeface="Consolas" charset="0"/>
+                <a:sym typeface="Consolas" charset="0"/>
+              </a:rPr>
+              <a:t>mapToNode</a:t>
+            </a:r>
+            <a:r>
+              <a:rPr lang="mr-IN" altLang="en-US" sz="1400" b="1">
+                <a:solidFill>
+                  <a:srgbClr val="000000"/>
+                </a:solidFill>
+                <a:latin typeface="Consolas" charset="0"/>
+                <a:ea typeface="Consolas" charset="0"/>
+                <a:cs typeface="Consolas" charset="0"/>
+                <a:sym typeface="Consolas" charset="0"/>
+              </a:rPr>
+              <a:t>(src, dst);</a:t>
+            </a:r>
+          </a:p>
+          <a:p>
+            <a:pPr eaLnBrk="1" hangingPunct="1">
+              <a:lnSpc>
+                <a:spcPct val="100000"/>
+              </a:lnSpc>
+              <a:spcBef>
+                <a:spcPct val="0"/>
+              </a:spcBef>
+              <a:buClr>
+                <a:srgbClr val="6E7BBD"/>
+              </a:buClr>
+              <a:buFont typeface="Calibri" charset="0"/>
+              <a:buNone/>
+            </a:pPr>
+            <a:r>
+              <a:rPr lang="mr-IN" altLang="en-US" sz="1400" b="1">
+                <a:solidFill>
+                  <a:srgbClr val="000000"/>
+                </a:solidFill>
+                <a:latin typeface="Consolas" charset="0"/>
+                <a:ea typeface="Consolas" charset="0"/>
+                <a:cs typeface="Consolas" charset="0"/>
+                <a:sym typeface="Consolas" charset="0"/>
+              </a:rPr>
+              <a:t>  topology = </a:t>
+            </a:r>
+            <a:r>
+              <a:rPr lang="mr-IN" altLang="en-US" sz="1400" b="1">
+                <a:solidFill>
+                  <a:srgbClr val="FF0000"/>
+                </a:solidFill>
+                <a:latin typeface="Consolas" charset="0"/>
+                <a:ea typeface="Consolas" charset="0"/>
+                <a:cs typeface="Consolas" charset="0"/>
+                <a:sym typeface="Consolas" charset="0"/>
+              </a:rPr>
+              <a:t>readTopology()</a:t>
+            </a:r>
+            <a:r>
+              <a:rPr lang="mr-IN" altLang="en-US" sz="1400" b="1">
+                <a:solidFill>
+                  <a:srgbClr val="000000"/>
+                </a:solidFill>
+                <a:latin typeface="Consolas" charset="0"/>
+                <a:ea typeface="Consolas" charset="0"/>
+                <a:cs typeface="Consolas" charset="0"/>
+                <a:sym typeface="Consolas" charset="0"/>
+              </a:rPr>
+              <a:t>;</a:t>
+            </a:r>
+          </a:p>
+          <a:p>
+            <a:pPr eaLnBrk="1" hangingPunct="1">
+              <a:lnSpc>
+                <a:spcPct val="100000"/>
+              </a:lnSpc>
+              <a:spcBef>
+                <a:spcPct val="0"/>
+              </a:spcBef>
+              <a:buClr>
+                <a:srgbClr val="6E7BBD"/>
+              </a:buClr>
+              <a:buFont typeface="Calibri" charset="0"/>
+              <a:buNone/>
+            </a:pPr>
+            <a:endParaRPr lang="mr-IN" altLang="en-US" sz="1400" b="1">
+              <a:solidFill>
+                <a:srgbClr val="000000"/>
+              </a:solidFill>
+              <a:latin typeface="Consolas" charset="0"/>
+              <a:ea typeface="Consolas" charset="0"/>
+              <a:cs typeface="Consolas" charset="0"/>
+              <a:sym typeface="Consolas" charset="0"/>
+            </a:endParaRPr>
+          </a:p>
+          <a:p>
+            <a:pPr eaLnBrk="1" hangingPunct="1">
+              <a:lnSpc>
+                <a:spcPct val="100000"/>
+              </a:lnSpc>
+              <a:spcBef>
+                <a:spcPct val="0"/>
+              </a:spcBef>
+              <a:buClr>
+                <a:srgbClr val="6E7BBD"/>
+              </a:buClr>
+              <a:buFont typeface="Calibri" charset="0"/>
+              <a:buNone/>
+            </a:pPr>
+            <a:r>
+              <a:rPr lang="mr-IN" altLang="en-US" sz="1400" b="1">
+                <a:solidFill>
+                  <a:srgbClr val="000000"/>
+                </a:solidFill>
+                <a:latin typeface="Consolas" charset="0"/>
+                <a:ea typeface="Consolas" charset="0"/>
+                <a:cs typeface="Consolas" charset="0"/>
+                <a:sym typeface="Consolas" charset="0"/>
+              </a:rPr>
+              <a:t>  pq.add(srcNode);</a:t>
+            </a:r>
+          </a:p>
+          <a:p>
+            <a:pPr eaLnBrk="1" hangingPunct="1">
+              <a:lnSpc>
+                <a:spcPct val="100000"/>
+              </a:lnSpc>
+              <a:spcBef>
+                <a:spcPct val="0"/>
+              </a:spcBef>
+              <a:buClr>
+                <a:srgbClr val="6E7BBD"/>
+              </a:buClr>
+              <a:buFont typeface="Calibri" charset="0"/>
+              <a:buNone/>
+            </a:pPr>
+            <a:r>
+              <a:rPr lang="mr-IN" altLang="en-US" sz="1400" b="1">
+                <a:solidFill>
+                  <a:srgbClr val="000000"/>
+                </a:solidFill>
+                <a:latin typeface="Consolas" charset="0"/>
+                <a:ea typeface="Consolas" charset="0"/>
+                <a:cs typeface="Consolas" charset="0"/>
+                <a:sym typeface="Consolas" charset="0"/>
+              </a:rPr>
+              <a:t>  while (!pq.isEmpty()) {</a:t>
+            </a:r>
+          </a:p>
+          <a:p>
+            <a:pPr eaLnBrk="1" hangingPunct="1">
+              <a:lnSpc>
+                <a:spcPct val="100000"/>
+              </a:lnSpc>
+              <a:spcBef>
+                <a:spcPct val="0"/>
+              </a:spcBef>
+              <a:buClr>
+                <a:srgbClr val="6E7BBD"/>
+              </a:buClr>
+              <a:buFont typeface="Calibri" charset="0"/>
+              <a:buNone/>
+            </a:pPr>
+            <a:r>
+              <a:rPr lang="mr-IN" altLang="en-US" sz="1400" b="1">
+                <a:solidFill>
+                  <a:srgbClr val="000000"/>
+                </a:solidFill>
+                <a:latin typeface="Consolas" charset="0"/>
+                <a:ea typeface="Consolas" charset="0"/>
+                <a:cs typeface="Consolas" charset="0"/>
+                <a:sym typeface="Consolas" charset="0"/>
+              </a:rPr>
+              <a:t>    n = pq.pop();</a:t>
+            </a:r>
+          </a:p>
+          <a:p>
+            <a:pPr eaLnBrk="1" hangingPunct="1">
+              <a:lnSpc>
+                <a:spcPct val="100000"/>
+              </a:lnSpc>
+              <a:spcBef>
+                <a:spcPct val="0"/>
+              </a:spcBef>
+              <a:buClr>
+                <a:srgbClr val="6E7BBD"/>
+              </a:buClr>
+              <a:buFont typeface="Calibri" charset="0"/>
+              <a:buNone/>
+            </a:pPr>
+            <a:r>
+              <a:rPr lang="mr-IN" altLang="en-US" sz="1400" b="1">
+                <a:solidFill>
+                  <a:srgbClr val="000000"/>
+                </a:solidFill>
+                <a:latin typeface="Consolas" charset="0"/>
+                <a:ea typeface="Consolas" charset="0"/>
+                <a:cs typeface="Consolas" charset="0"/>
+                <a:sym typeface="Consolas" charset="0"/>
+              </a:rPr>
+              <a:t>    if (bw_src(n) &lt; requiredBw)</a:t>
+            </a:r>
+          </a:p>
+          <a:p>
+            <a:pPr eaLnBrk="1" hangingPunct="1">
+              <a:lnSpc>
+                <a:spcPct val="100000"/>
+              </a:lnSpc>
+              <a:spcBef>
+                <a:spcPct val="0"/>
+              </a:spcBef>
+              <a:buClr>
+                <a:srgbClr val="6E7BBD"/>
+              </a:buClr>
+              <a:buFont typeface="Calibri" charset="0"/>
+              <a:buNone/>
+            </a:pPr>
+            <a:r>
+              <a:rPr lang="mr-IN" altLang="en-US" sz="1400" b="1">
+                <a:solidFill>
+                  <a:srgbClr val="000000"/>
+                </a:solidFill>
+                <a:latin typeface="Consolas" charset="0"/>
+                <a:ea typeface="Consolas" charset="0"/>
+                <a:cs typeface="Consolas" charset="0"/>
+                <a:sym typeface="Consolas" charset="0"/>
+              </a:rPr>
+              <a:t>      return failure</a:t>
+            </a:r>
+          </a:p>
+          <a:p>
+            <a:pPr eaLnBrk="1" hangingPunct="1">
+              <a:lnSpc>
+                <a:spcPct val="100000"/>
+              </a:lnSpc>
+              <a:spcBef>
+                <a:spcPct val="0"/>
+              </a:spcBef>
+              <a:buClr>
+                <a:srgbClr val="6E7BBD"/>
+              </a:buClr>
+              <a:buFont typeface="Calibri" charset="0"/>
+              <a:buNone/>
+            </a:pPr>
+            <a:r>
+              <a:rPr lang="mr-IN" altLang="en-US" sz="1400" b="1">
+                <a:solidFill>
+                  <a:srgbClr val="000000"/>
+                </a:solidFill>
+                <a:latin typeface="Consolas" charset="0"/>
+                <a:ea typeface="Consolas" charset="0"/>
+                <a:cs typeface="Consolas" charset="0"/>
+                <a:sym typeface="Consolas" charset="0"/>
+              </a:rPr>
+              <a:t>    if (n == dstNode)</a:t>
+            </a:r>
+          </a:p>
+          <a:p>
+            <a:pPr eaLnBrk="1" hangingPunct="1">
+              <a:lnSpc>
+                <a:spcPct val="100000"/>
+              </a:lnSpc>
+              <a:spcBef>
+                <a:spcPct val="0"/>
+              </a:spcBef>
+              <a:buClr>
+                <a:srgbClr val="6E7BBD"/>
+              </a:buClr>
+              <a:buFont typeface="Calibri" charset="0"/>
+              <a:buNone/>
+            </a:pPr>
+            <a:r>
+              <a:rPr lang="mr-IN" altLang="en-US" sz="1400" b="1">
+                <a:solidFill>
+                  <a:srgbClr val="000000"/>
+                </a:solidFill>
+                <a:latin typeface="Consolas" charset="0"/>
+                <a:ea typeface="Consolas" charset="0"/>
+                <a:cs typeface="Consolas" charset="0"/>
+                <a:sym typeface="Consolas" charset="0"/>
+              </a:rPr>
+              <a:t>      return </a:t>
+            </a:r>
+            <a:r>
+              <a:rPr lang="en-US" altLang="en-US" sz="1400" b="1">
+                <a:solidFill>
+                  <a:srgbClr val="0000FF"/>
+                </a:solidFill>
+                <a:latin typeface="Consolas" charset="0"/>
+                <a:ea typeface="Consolas" charset="0"/>
+                <a:cs typeface="Consolas" charset="0"/>
+                <a:sym typeface="Consolas" charset="0"/>
+              </a:rPr>
+              <a:t>writeRoute</a:t>
+            </a:r>
+            <a:r>
+              <a:rPr lang="mr-IN" altLang="en-US" sz="1400" b="1">
+                <a:solidFill>
+                  <a:srgbClr val="0000FF"/>
+                </a:solidFill>
+                <a:latin typeface="Consolas" charset="0"/>
+                <a:ea typeface="Consolas" charset="0"/>
+                <a:cs typeface="Consolas" charset="0"/>
+                <a:sym typeface="Consolas" charset="0"/>
+              </a:rPr>
+              <a:t>(</a:t>
+            </a:r>
+            <a:r>
+              <a:rPr lang="en-US" altLang="en-US" sz="1400" b="1">
+                <a:solidFill>
+                  <a:srgbClr val="0000FF"/>
+                </a:solidFill>
+                <a:latin typeface="Consolas" charset="0"/>
+                <a:ea typeface="Consolas" charset="0"/>
+                <a:cs typeface="Consolas" charset="0"/>
+                <a:sym typeface="Consolas" charset="0"/>
+              </a:rPr>
+              <a:t>src, dst, </a:t>
+            </a:r>
+            <a:r>
+              <a:rPr lang="mr-IN" altLang="en-US" sz="1400" b="1">
+                <a:solidFill>
+                  <a:srgbClr val="0000FF"/>
+                </a:solidFill>
+                <a:latin typeface="Consolas" charset="0"/>
+                <a:ea typeface="Consolas" charset="0"/>
+                <a:cs typeface="Consolas" charset="0"/>
+                <a:sym typeface="Consolas" charset="0"/>
+              </a:rPr>
+              <a:t>path)</a:t>
+            </a:r>
+            <a:r>
+              <a:rPr lang="mr-IN" altLang="en-US" sz="1400" b="1">
+                <a:solidFill>
+                  <a:srgbClr val="000000"/>
+                </a:solidFill>
+                <a:latin typeface="Consolas" charset="0"/>
+                <a:ea typeface="Consolas" charset="0"/>
+                <a:cs typeface="Consolas" charset="0"/>
+                <a:sym typeface="Consolas" charset="0"/>
+              </a:rPr>
+              <a:t>;</a:t>
+            </a:r>
+          </a:p>
+          <a:p>
+            <a:pPr eaLnBrk="1" hangingPunct="1">
+              <a:lnSpc>
+                <a:spcPct val="100000"/>
+              </a:lnSpc>
+              <a:spcBef>
+                <a:spcPct val="0"/>
+              </a:spcBef>
+              <a:buClr>
+                <a:srgbClr val="6E7BBD"/>
+              </a:buClr>
+              <a:buFont typeface="Calibri" charset="0"/>
+              <a:buNone/>
+            </a:pPr>
+            <a:r>
+              <a:rPr lang="mr-IN" altLang="en-US" sz="1400" b="1">
+                <a:solidFill>
+                  <a:srgbClr val="000000"/>
+                </a:solidFill>
+                <a:latin typeface="Consolas" charset="0"/>
+                <a:ea typeface="Consolas" charset="0"/>
+                <a:cs typeface="Consolas" charset="0"/>
+                <a:sym typeface="Consolas" charset="0"/>
+              </a:rPr>
+              <a:t>    for (e(n-&gt;m): </a:t>
+            </a:r>
+            <a:r>
+              <a:rPr lang="mr-IN" altLang="en-US" sz="1400" b="1">
+                <a:solidFill>
+                  <a:srgbClr val="FF0000"/>
+                </a:solidFill>
+                <a:latin typeface="Consolas" charset="0"/>
+                <a:ea typeface="Consolas" charset="0"/>
+                <a:cs typeface="Consolas" charset="0"/>
+                <a:sym typeface="Consolas" charset="0"/>
+              </a:rPr>
+              <a:t>n.neighbors</a:t>
+            </a:r>
+            <a:r>
+              <a:rPr lang="mr-IN" altLang="en-US" sz="1400" b="1">
+                <a:solidFill>
+                  <a:srgbClr val="000000"/>
+                </a:solidFill>
+                <a:latin typeface="Consolas" charset="0"/>
+                <a:ea typeface="Consolas" charset="0"/>
+                <a:cs typeface="Consolas" charset="0"/>
+                <a:sym typeface="Consolas" charset="0"/>
+              </a:rPr>
+              <a:t>) {</a:t>
+            </a:r>
+          </a:p>
+          <a:p>
+            <a:pPr eaLnBrk="1" hangingPunct="1">
+              <a:lnSpc>
+                <a:spcPct val="100000"/>
+              </a:lnSpc>
+              <a:spcBef>
+                <a:spcPct val="0"/>
+              </a:spcBef>
+              <a:buClr>
+                <a:srgbClr val="6E7BBD"/>
+              </a:buClr>
+              <a:buFont typeface="Calibri" charset="0"/>
+              <a:buNone/>
+            </a:pPr>
+            <a:r>
+              <a:rPr lang="mr-IN" altLang="en-US" sz="1400" b="1">
+                <a:solidFill>
+                  <a:srgbClr val="000000"/>
+                </a:solidFill>
+                <a:latin typeface="Consolas" charset="0"/>
+                <a:ea typeface="Consolas" charset="0"/>
+                <a:cs typeface="Consolas" charset="0"/>
+                <a:sym typeface="Consolas" charset="0"/>
+              </a:rPr>
+              <a:t>      if (min(</a:t>
+            </a:r>
+            <a:r>
+              <a:rPr lang="mr-IN" altLang="en-US" sz="1400" b="1">
+                <a:solidFill>
+                  <a:srgbClr val="FF0000"/>
+                </a:solidFill>
+                <a:latin typeface="Consolas" charset="0"/>
+                <a:ea typeface="Consolas" charset="0"/>
+                <a:cs typeface="Consolas" charset="0"/>
+                <a:sym typeface="Consolas" charset="0"/>
+              </a:rPr>
+              <a:t>e.bw</a:t>
+            </a:r>
+            <a:r>
+              <a:rPr lang="mr-IN" altLang="en-US" sz="1400" b="1">
+                <a:solidFill>
+                  <a:srgbClr val="000000"/>
+                </a:solidFill>
+                <a:latin typeface="Consolas" charset="0"/>
+                <a:ea typeface="Consolas" charset="0"/>
+                <a:cs typeface="Consolas" charset="0"/>
+                <a:sym typeface="Consolas" charset="0"/>
+              </a:rPr>
+              <a:t>, bw_src(n)) &gt; bw_src(m)) {</a:t>
+            </a:r>
+          </a:p>
+          <a:p>
+            <a:pPr eaLnBrk="1" hangingPunct="1">
+              <a:lnSpc>
+                <a:spcPct val="100000"/>
+              </a:lnSpc>
+              <a:spcBef>
+                <a:spcPct val="0"/>
+              </a:spcBef>
+              <a:buClr>
+                <a:srgbClr val="6E7BBD"/>
+              </a:buClr>
+              <a:buFont typeface="Calibri" charset="0"/>
+              <a:buNone/>
+            </a:pPr>
+            <a:r>
+              <a:rPr lang="mr-IN" altLang="en-US" sz="1400" b="1">
+                <a:solidFill>
+                  <a:srgbClr val="000000"/>
+                </a:solidFill>
+                <a:latin typeface="Consolas" charset="0"/>
+                <a:ea typeface="Consolas" charset="0"/>
+                <a:cs typeface="Consolas" charset="0"/>
+                <a:sym typeface="Consolas" charset="0"/>
+              </a:rPr>
+              <a:t>         updateBw(m, min(e.bw, bw_src(n)));</a:t>
+            </a:r>
+          </a:p>
+          <a:p>
+            <a:pPr eaLnBrk="1" hangingPunct="1">
+              <a:lnSpc>
+                <a:spcPct val="100000"/>
+              </a:lnSpc>
+              <a:spcBef>
+                <a:spcPct val="0"/>
+              </a:spcBef>
+              <a:buClr>
+                <a:srgbClr val="6E7BBD"/>
+              </a:buClr>
+              <a:buFont typeface="Calibri" charset="0"/>
+              <a:buNone/>
+            </a:pPr>
+            <a:r>
+              <a:rPr lang="mr-IN" altLang="en-US" sz="1400" b="1">
+                <a:solidFill>
+                  <a:srgbClr val="000000"/>
+                </a:solidFill>
+                <a:latin typeface="Consolas" charset="0"/>
+                <a:ea typeface="Consolas" charset="0"/>
+                <a:cs typeface="Consolas" charset="0"/>
+                <a:sym typeface="Consolas" charset="0"/>
+              </a:rPr>
+              <a:t>         ...</a:t>
+            </a:r>
+          </a:p>
+          <a:p>
+            <a:pPr eaLnBrk="1" hangingPunct="1">
+              <a:lnSpc>
+                <a:spcPct val="100000"/>
+              </a:lnSpc>
+              <a:spcBef>
+                <a:spcPct val="0"/>
+              </a:spcBef>
+              <a:buClr>
+                <a:srgbClr val="6E7BBD"/>
+              </a:buClr>
+              <a:buFont typeface="Calibri" charset="0"/>
+              <a:buNone/>
+            </a:pPr>
+            <a:r>
+              <a:rPr lang="mr-IN" altLang="en-US" sz="1400" b="1">
+                <a:solidFill>
+                  <a:srgbClr val="000000"/>
+                </a:solidFill>
+                <a:latin typeface="Consolas" charset="0"/>
+                <a:ea typeface="Consolas" charset="0"/>
+                <a:cs typeface="Consolas" charset="0"/>
+                <a:sym typeface="Consolas" charset="0"/>
+              </a:rPr>
+              <a:t>      }</a:t>
+            </a:r>
+          </a:p>
+          <a:p>
+            <a:pPr eaLnBrk="1" hangingPunct="1">
+              <a:lnSpc>
+                <a:spcPct val="100000"/>
+              </a:lnSpc>
+              <a:spcBef>
+                <a:spcPct val="0"/>
+              </a:spcBef>
+              <a:buClr>
+                <a:srgbClr val="6E7BBD"/>
+              </a:buClr>
+              <a:buFont typeface="Calibri" charset="0"/>
+              <a:buNone/>
+            </a:pPr>
+            <a:r>
+              <a:rPr lang="mr-IN" altLang="en-US" sz="1400" b="1">
+                <a:solidFill>
+                  <a:srgbClr val="000000"/>
+                </a:solidFill>
+                <a:latin typeface="Consolas" charset="0"/>
+                <a:ea typeface="Consolas" charset="0"/>
+                <a:cs typeface="Consolas" charset="0"/>
+                <a:sym typeface="Consolas" charset="0"/>
+              </a:rPr>
+              <a:t>    }</a:t>
+            </a:r>
+          </a:p>
+          <a:p>
+            <a:pPr eaLnBrk="1" hangingPunct="1">
+              <a:lnSpc>
+                <a:spcPct val="100000"/>
+              </a:lnSpc>
+              <a:spcBef>
+                <a:spcPct val="0"/>
+              </a:spcBef>
+              <a:buClr>
+                <a:srgbClr val="6E7BBD"/>
+              </a:buClr>
+              <a:buFont typeface="Calibri" charset="0"/>
+              <a:buNone/>
+            </a:pPr>
+            <a:r>
+              <a:rPr lang="mr-IN" altLang="en-US" sz="1400" b="1">
+                <a:solidFill>
+                  <a:srgbClr val="000000"/>
+                </a:solidFill>
+                <a:latin typeface="Consolas" charset="0"/>
+                <a:ea typeface="Consolas" charset="0"/>
+                <a:cs typeface="Consolas" charset="0"/>
+                <a:sym typeface="Consolas" charset="0"/>
+              </a:rPr>
+              <a:t>  }</a:t>
+            </a:r>
+          </a:p>
+          <a:p>
+            <a:pPr eaLnBrk="1" hangingPunct="1">
+              <a:lnSpc>
+                <a:spcPct val="100000"/>
+              </a:lnSpc>
+              <a:spcBef>
+                <a:spcPct val="0"/>
+              </a:spcBef>
+              <a:buClr>
+                <a:srgbClr val="6E7BBD"/>
+              </a:buClr>
+              <a:buFont typeface="Calibri" charset="0"/>
+              <a:buNone/>
+            </a:pPr>
+            <a:r>
+              <a:rPr lang="mr-IN" altLang="en-US" sz="1400" b="1">
+                <a:solidFill>
+                  <a:srgbClr val="000000"/>
+                </a:solidFill>
+                <a:latin typeface="Consolas" charset="0"/>
+                <a:ea typeface="Consolas" charset="0"/>
+                <a:cs typeface="Consolas" charset="0"/>
+                <a:sym typeface="Consolas" charset="0"/>
+              </a:rPr>
+              <a:t>  return failure</a:t>
+            </a:r>
+            <a:r>
+              <a:rPr lang="en-US" altLang="en-US" sz="1400" b="1">
+                <a:solidFill>
+                  <a:srgbClr val="000000"/>
+                </a:solidFill>
+                <a:latin typeface="Consolas" charset="0"/>
+                <a:ea typeface="Consolas" charset="0"/>
+                <a:cs typeface="Consolas" charset="0"/>
+                <a:sym typeface="Consolas" charset="0"/>
+              </a:rPr>
+              <a:t> </a:t>
+            </a:r>
+            <a:r>
+              <a:rPr lang="mr-IN" altLang="en-US" sz="1400" b="1">
+                <a:solidFill>
+                  <a:srgbClr val="000000"/>
+                </a:solidFill>
+                <a:latin typeface="Consolas" charset="0"/>
+                <a:ea typeface="Consolas" charset="0"/>
+                <a:cs typeface="Consolas" charset="0"/>
+                <a:sym typeface="Consolas" charset="0"/>
+              </a:rPr>
+              <a:t>}</a:t>
+            </a:r>
+          </a:p>
+        </p:txBody>
+      </p:sp>
+      <p:sp>
+        <p:nvSpPr>
+          <p:cNvPr id="11" name="Content Placeholder 4"/>
+          <p:cNvSpPr>
+            <a:spLocks noGrp="1"/>
+          </p:cNvSpPr>
+          <p:nvPr>
+            <p:ph idx="1"/>
+          </p:nvPr>
+        </p:nvSpPr>
+        <p:spPr>
+          <a:xfrm>
+            <a:off x="1617663" y="3041650"/>
+            <a:ext cx="3216275" cy="3155950"/>
+          </a:xfrm>
+          <a:ln>
+            <a:solidFill>
+              <a:schemeClr val="accent1">
+                <a:shade val="95000"/>
+                <a:satMod val="105000"/>
+              </a:schemeClr>
+            </a:solidFill>
+          </a:ln>
+        </p:spPr>
+        <p:txBody>
+          <a:bodyPr>
+            <a:normAutofit/>
+          </a:bodyPr>
+          <a:lstStyle/>
+          <a:p>
+            <a:pPr marL="342900" lvl="2" indent="-342900">
+              <a:defRPr/>
+            </a:pPr>
+            <a:r>
+              <a:rPr lang="en-US" altLang="ja-JP" dirty="0" smtClean="0">
+                <a:cs typeface="ＭＳ Ｐゴシック" charset="0"/>
+              </a:rPr>
+              <a:t>Allow generic functions</a:t>
+            </a:r>
+          </a:p>
+          <a:p>
+            <a:pPr marL="342900" lvl="2" indent="-342900">
+              <a:defRPr/>
+            </a:pPr>
+            <a:r>
+              <a:rPr lang="en-US" altLang="ja-JP" dirty="0" smtClean="0">
+                <a:cs typeface="ＭＳ Ｐゴシック" charset="0"/>
+              </a:rPr>
+              <a:t>Automatically track data dependency</a:t>
+            </a:r>
+          </a:p>
+          <a:p>
+            <a:pPr marL="342900" lvl="2" indent="-342900">
+              <a:defRPr/>
+            </a:pPr>
+            <a:r>
+              <a:rPr lang="en-US" altLang="ja-JP" dirty="0" smtClean="0">
+                <a:cs typeface="ＭＳ Ｐゴシック" charset="0"/>
+              </a:rPr>
+              <a:t>Automatic clean up, reschedule,  and </a:t>
+            </a:r>
+            <a:br>
+              <a:rPr lang="en-US" altLang="ja-JP" dirty="0" smtClean="0">
+                <a:cs typeface="ＭＳ Ｐゴシック" charset="0"/>
+              </a:rPr>
+            </a:br>
+            <a:r>
+              <a:rPr lang="en-US" altLang="ja-JP" dirty="0" smtClean="0">
+                <a:cs typeface="ＭＳ Ｐゴシック" charset="0"/>
+              </a:rPr>
+              <a:t>re-execute after dependent data changes (achieve intent)</a:t>
+            </a:r>
+          </a:p>
+        </p:txBody>
+      </p:sp>
+      <p:sp>
+        <p:nvSpPr>
+          <p:cNvPr id="12" name="Document 11"/>
+          <p:cNvSpPr/>
+          <p:nvPr/>
+        </p:nvSpPr>
+        <p:spPr>
+          <a:xfrm>
+            <a:off x="2794658" y="1968149"/>
+            <a:ext cx="751115" cy="588905"/>
+          </a:xfrm>
+          <a:prstGeom prst="flowChartDocument">
+            <a:avLst/>
+          </a:prstGeom>
+          <a:gradFill flip="none" rotWithShape="1">
+            <a:gsLst>
+              <a:gs pos="0">
+                <a:schemeClr val="accent5">
+                  <a:lumMod val="0"/>
+                  <a:lumOff val="100000"/>
+                </a:schemeClr>
+              </a:gs>
+              <a:gs pos="35000">
+                <a:schemeClr val="accent5">
+                  <a:lumMod val="0"/>
+                  <a:lumOff val="100000"/>
+                </a:schemeClr>
+              </a:gs>
+              <a:gs pos="100000">
+                <a:schemeClr val="accent5">
+                  <a:lumMod val="100000"/>
+                </a:schemeClr>
+              </a:gs>
+            </a:gsLst>
+            <a:path path="circle">
+              <a:fillToRect l="50000" t="-80000" r="50000" b="180000"/>
+            </a:path>
+            <a:tileRect/>
+          </a:gradFill>
+        </p:spPr>
+        <p:style>
+          <a:lnRef idx="1">
+            <a:schemeClr val="accent1"/>
+          </a:lnRef>
+          <a:fillRef idx="3">
+            <a:schemeClr val="accent1"/>
+          </a:fillRef>
+          <a:effectRef idx="2">
+            <a:schemeClr val="accent1"/>
+          </a:effectRef>
+          <a:fontRef idx="minor">
+            <a:schemeClr val="lt1"/>
+          </a:fontRef>
+        </p:style>
+        <p:txBody>
+          <a:bodyPr anchor="ctr"/>
+          <a:lstStyle/>
+          <a:p>
+            <a:pPr algn="ctr">
+              <a:defRPr/>
+            </a:pPr>
+            <a:r>
+              <a:rPr lang="en-US" sz="1200" dirty="0">
+                <a:solidFill>
+                  <a:srgbClr val="C00000"/>
+                </a:solidFill>
+              </a:rPr>
+              <a:t>function</a:t>
+            </a:r>
+            <a:br>
+              <a:rPr lang="en-US" sz="1200" dirty="0">
+                <a:solidFill>
+                  <a:srgbClr val="C00000"/>
+                </a:solidFill>
+              </a:rPr>
+            </a:br>
+            <a:r>
+              <a:rPr lang="en-US" sz="1200" dirty="0">
+                <a:solidFill>
+                  <a:srgbClr val="C00000"/>
+                </a:solidFill>
+              </a:rPr>
+              <a:t>instance</a:t>
+            </a:r>
+          </a:p>
+        </p:txBody>
+      </p:sp>
+      <p:sp>
+        <p:nvSpPr>
+          <p:cNvPr id="13" name="Document 12"/>
+          <p:cNvSpPr/>
+          <p:nvPr/>
+        </p:nvSpPr>
+        <p:spPr>
+          <a:xfrm>
+            <a:off x="3839684" y="1968149"/>
+            <a:ext cx="751115" cy="588905"/>
+          </a:xfrm>
+          <a:prstGeom prst="flowChartDocument">
+            <a:avLst/>
+          </a:prstGeom>
+          <a:gradFill flip="none" rotWithShape="1">
+            <a:gsLst>
+              <a:gs pos="0">
+                <a:schemeClr val="accent6">
+                  <a:lumMod val="0"/>
+                  <a:lumOff val="100000"/>
+                </a:schemeClr>
+              </a:gs>
+              <a:gs pos="35000">
+                <a:schemeClr val="accent6">
+                  <a:lumMod val="0"/>
+                  <a:lumOff val="100000"/>
+                </a:schemeClr>
+              </a:gs>
+              <a:gs pos="100000">
+                <a:schemeClr val="accent6">
+                  <a:lumMod val="100000"/>
+                </a:schemeClr>
+              </a:gs>
+            </a:gsLst>
+            <a:path path="circle">
+              <a:fillToRect l="50000" t="-80000" r="50000" b="180000"/>
+            </a:path>
+            <a:tileRect/>
+          </a:gradFill>
+        </p:spPr>
+        <p:style>
+          <a:lnRef idx="1">
+            <a:schemeClr val="accent1"/>
+          </a:lnRef>
+          <a:fillRef idx="3">
+            <a:schemeClr val="accent1"/>
+          </a:fillRef>
+          <a:effectRef idx="2">
+            <a:schemeClr val="accent1"/>
+          </a:effectRef>
+          <a:fontRef idx="minor">
+            <a:schemeClr val="lt1"/>
+          </a:fontRef>
+        </p:style>
+        <p:txBody>
+          <a:bodyPr anchor="ctr"/>
+          <a:lstStyle/>
+          <a:p>
+            <a:pPr algn="ctr">
+              <a:defRPr/>
+            </a:pPr>
+            <a:r>
+              <a:rPr lang="en-US" sz="1200" dirty="0">
+                <a:solidFill>
+                  <a:srgbClr val="C00000"/>
+                </a:solidFill>
+              </a:rPr>
+              <a:t>function</a:t>
+            </a:r>
+            <a:br>
+              <a:rPr lang="en-US" sz="1200" dirty="0">
+                <a:solidFill>
+                  <a:srgbClr val="C00000"/>
+                </a:solidFill>
+              </a:rPr>
+            </a:br>
+            <a:r>
+              <a:rPr lang="en-US" sz="1200" dirty="0">
+                <a:solidFill>
+                  <a:srgbClr val="C00000"/>
+                </a:solidFill>
+              </a:rPr>
+              <a:t>instance</a:t>
             </a:r>
           </a:p>
         </p:txBody>
@@ -11534,7 +12053,7 @@
 </p:sld>
 </file>
 
-<file path=ppt/slides/slide7.xml><?xml version="1.0" encoding="utf-8"?>
+<file path=ppt/slides/slide8.xml><?xml version="1.0" encoding="utf-8"?>
 <p:sld xmlns:a="http://schemas.openxmlformats.org/drawingml/2006/main" xmlns:r="http://schemas.openxmlformats.org/officeDocument/2006/relationships" xmlns:p="http://schemas.openxmlformats.org/presentationml/2006/main">
   <p:cSld>
     <p:spTree>
@@ -15475,6 +15994,1184 @@
         </p:txBody>
       </p:sp>
     </p:spTree>
+  </p:cSld>
+  <p:clrMapOvr>
+    <a:masterClrMapping/>
+  </p:clrMapOvr>
+  <p:timing>
+    <p:tnLst>
+      <p:par>
+        <p:cTn id="1" dur="indefinite" restart="never" nodeType="tmRoot"/>
+      </p:par>
+    </p:tnLst>
+  </p:timing>
+</p:sld>
+</file>
+
+<file path=ppt/slides/slide9.xml><?xml version="1.0" encoding="utf-8"?>
+<p:sld xmlns:a="http://schemas.openxmlformats.org/drawingml/2006/main" xmlns:r="http://schemas.openxmlformats.org/officeDocument/2006/relationships" xmlns:p="http://schemas.openxmlformats.org/presentationml/2006/main">
+  <p:cSld>
+    <p:spTree>
+      <p:nvGrpSpPr>
+        <p:cNvPr id="1" name=""/>
+        <p:cNvGrpSpPr/>
+        <p:nvPr/>
+      </p:nvGrpSpPr>
+      <p:grpSpPr>
+        <a:xfrm>
+          <a:off x="0" y="0"/>
+          <a:ext cx="0" cy="0"/>
+          <a:chOff x="0" y="0"/>
+          <a:chExt cx="0" cy="0"/>
+        </a:xfrm>
+      </p:grpSpPr>
+      <p:sp>
+        <p:nvSpPr>
+          <p:cNvPr id="43009" name="Title 2"/>
+          <p:cNvSpPr>
+            <a:spLocks noGrp="1"/>
+          </p:cNvSpPr>
+          <p:nvPr>
+            <p:ph type="title"/>
+          </p:nvPr>
+        </p:nvSpPr>
+        <p:spPr>
+          <a:xfrm>
+            <a:off x="838200" y="365125"/>
+            <a:ext cx="10515600" cy="798657"/>
+          </a:xfrm>
+        </p:spPr>
+        <p:txBody>
+          <a:bodyPr/>
+          <a:lstStyle/>
+          <a:p>
+            <a:pPr algn="ctr"/>
+            <a:r>
+              <a:rPr lang="en-US" altLang="en-US" sz="2800" dirty="0" smtClean="0"/>
+              <a:t>Problem</a:t>
+            </a:r>
+            <a:endParaRPr lang="en-US" altLang="en-US" sz="2800" dirty="0"/>
+          </a:p>
+        </p:txBody>
+      </p:sp>
+      <p:sp>
+        <p:nvSpPr>
+          <p:cNvPr id="3" name="Content Placeholder 2"/>
+          <p:cNvSpPr>
+            <a:spLocks noGrp="1"/>
+          </p:cNvSpPr>
+          <p:nvPr>
+            <p:ph idx="1"/>
+          </p:nvPr>
+        </p:nvSpPr>
+        <p:spPr>
+          <a:xfrm>
+            <a:off x="838199" y="1052945"/>
+            <a:ext cx="11242965" cy="5124018"/>
+          </a:xfrm>
+        </p:spPr>
+        <p:txBody>
+          <a:bodyPr/>
+          <a:lstStyle/>
+          <a:p>
+            <a:r>
+              <a:rPr lang="en-US" sz="2400" dirty="0" smtClean="0"/>
+              <a:t>Super computing can benefit from super efficient and super flexible infrastructures</a:t>
+            </a:r>
+          </a:p>
+          <a:p>
+            <a:r>
+              <a:rPr lang="en-US" sz="2400" dirty="0" smtClean="0"/>
+              <a:t>Traditional networks are not flexible and often cannot use network resources efficiently</a:t>
+            </a:r>
+          </a:p>
+          <a:p>
+            <a:r>
+              <a:rPr lang="en-US" sz="2400" dirty="0" smtClean="0"/>
+              <a:t>Emergence of SDN promises super efficient and flexible networks but current SDN control programming systems are low level, limited in key capabilities</a:t>
+            </a:r>
+          </a:p>
+        </p:txBody>
+      </p:sp>
+      <p:sp>
+        <p:nvSpPr>
+          <p:cNvPr id="5" name="Rectangle 4"/>
+          <p:cNvSpPr/>
+          <p:nvPr/>
+        </p:nvSpPr>
+        <p:spPr bwMode="auto">
+          <a:xfrm>
+            <a:off x="1594749" y="3473460"/>
+            <a:ext cx="8307295" cy="1740812"/>
+          </a:xfrm>
+          <a:prstGeom prst="rect">
+            <a:avLst/>
+          </a:prstGeom>
+          <a:solidFill>
+            <a:srgbClr val="4F81BD"/>
+          </a:solidFill>
+          <a:ln w="9525" cap="flat" cmpd="sng" algn="ctr">
+            <a:solidFill>
+              <a:sysClr val="windowText" lastClr="000000"/>
+            </a:solidFill>
+            <a:prstDash val="solid"/>
+            <a:round/>
+            <a:headEnd type="none" w="med" len="med"/>
+            <a:tailEnd type="none" w="med" len="med"/>
+          </a:ln>
+          <a:effectLst/>
+        </p:spPr>
+        <p:txBody>
+          <a:bodyPr vert="horz" wrap="square" lIns="91440" tIns="45720" rIns="91440" bIns="45720" numCol="1" rtlCol="0" anchor="t" anchorCtr="0" compatLnSpc="1">
+            <a:prstTxWarp prst="textNoShape">
+              <a:avLst/>
+            </a:prstTxWarp>
+          </a:bodyPr>
+          <a:lstStyle/>
+          <a:p>
+            <a:pPr marL="0" marR="0" lvl="0" indent="0" algn="l" defTabSz="914400" rtl="0" eaLnBrk="0" fontAlgn="base" latinLnBrk="0" hangingPunct="0">
+              <a:lnSpc>
+                <a:spcPct val="100000"/>
+              </a:lnSpc>
+              <a:spcBef>
+                <a:spcPct val="0"/>
+              </a:spcBef>
+              <a:spcAft>
+                <a:spcPct val="0"/>
+              </a:spcAft>
+              <a:buClrTx/>
+              <a:buSzTx/>
+              <a:buFontTx/>
+              <a:buNone/>
+              <a:tabLst/>
+              <a:defRPr/>
+            </a:pPr>
+            <a:endParaRPr kumimoji="0" lang="en-US" sz="2400" b="0" i="0" u="none" strike="noStrike" kern="0" cap="none" spc="0" normalizeH="0" baseline="-25000" noProof="0">
+              <a:ln>
+                <a:noFill/>
+              </a:ln>
+              <a:solidFill>
+                <a:sysClr val="windowText" lastClr="000000"/>
+              </a:solidFill>
+              <a:effectLst>
+                <a:outerShdw blurRad="38100" dist="38100" dir="2700000" algn="tl">
+                  <a:srgbClr val="000000">
+                    <a:alpha val="43137"/>
+                  </a:srgbClr>
+                </a:outerShdw>
+              </a:effectLst>
+              <a:uLnTx/>
+              <a:uFillTx/>
+              <a:latin typeface="Arial" pitchFamily="-105" charset="0"/>
+              <a:ea typeface="ＭＳ Ｐゴシック" pitchFamily="-105" charset="-128"/>
+              <a:cs typeface="ＭＳ Ｐゴシック" pitchFamily="-105" charset="-128"/>
+            </a:endParaRPr>
+          </a:p>
+        </p:txBody>
+      </p:sp>
+      <p:sp>
+        <p:nvSpPr>
+          <p:cNvPr id="6" name="Rectangle 5"/>
+          <p:cNvSpPr/>
+          <p:nvPr/>
+        </p:nvSpPr>
+        <p:spPr>
+          <a:xfrm>
+            <a:off x="1832127" y="4407953"/>
+            <a:ext cx="1374589" cy="660046"/>
+          </a:xfrm>
+          <a:prstGeom prst="rect">
+            <a:avLst/>
+          </a:prstGeom>
+          <a:gradFill rotWithShape="1">
+            <a:gsLst>
+              <a:gs pos="0">
+                <a:srgbClr val="9E9273">
+                  <a:tint val="100000"/>
+                  <a:shade val="100000"/>
+                  <a:satMod val="130000"/>
+                </a:srgbClr>
+              </a:gs>
+              <a:gs pos="100000">
+                <a:srgbClr val="9E9273">
+                  <a:tint val="50000"/>
+                  <a:shade val="100000"/>
+                  <a:satMod val="350000"/>
+                </a:srgbClr>
+              </a:gs>
+            </a:gsLst>
+            <a:lin ang="16200000" scaled="0"/>
+          </a:gradFill>
+          <a:ln>
+            <a:noFill/>
+          </a:ln>
+          <a:effectLst>
+            <a:outerShdw blurRad="40000" dist="23000" dir="5400000" rotWithShape="0">
+              <a:srgbClr val="000000">
+                <a:alpha val="35000"/>
+              </a:srgbClr>
+            </a:outerShdw>
+          </a:effectLst>
+          <a:scene3d>
+            <a:camera prst="orthographicFront">
+              <a:rot lat="0" lon="0" rev="0"/>
+            </a:camera>
+            <a:lightRig rig="threePt" dir="t">
+              <a:rot lat="0" lon="0" rev="1200000"/>
+            </a:lightRig>
+          </a:scene3d>
+          <a:sp3d>
+            <a:bevelT w="63500" h="25400"/>
+          </a:sp3d>
+        </p:spPr>
+        <p:txBody>
+          <a:bodyPr tIns="18288" rtlCol="0" anchor="ctr"/>
+          <a:lstStyle/>
+          <a:p>
+            <a:pPr algn="ctr" eaLnBrk="1" fontAlgn="auto" hangingPunct="1">
+              <a:spcBef>
+                <a:spcPts val="0"/>
+              </a:spcBef>
+              <a:spcAft>
+                <a:spcPts val="0"/>
+              </a:spcAft>
+            </a:pPr>
+            <a:r>
+              <a:rPr lang="en-US" baseline="0" noProof="0" dirty="0" smtClean="0">
+                <a:solidFill>
+                  <a:srgbClr val="000090"/>
+                </a:solidFill>
+                <a:latin typeface="Arial" pitchFamily="-105" charset="0"/>
+                <a:ea typeface="ＭＳ Ｐゴシック" pitchFamily="-105" charset="-128"/>
+                <a:cs typeface="ＭＳ Ｐゴシック" pitchFamily="-105" charset="-128"/>
+              </a:rPr>
+              <a:t>Network</a:t>
+            </a:r>
+            <a:br>
+              <a:rPr lang="en-US" baseline="0" noProof="0" dirty="0" smtClean="0">
+                <a:solidFill>
+                  <a:srgbClr val="000090"/>
+                </a:solidFill>
+                <a:latin typeface="Arial" pitchFamily="-105" charset="0"/>
+                <a:ea typeface="ＭＳ Ｐゴシック" pitchFamily="-105" charset="-128"/>
+                <a:cs typeface="ＭＳ Ｐゴシック" pitchFamily="-105" charset="-128"/>
+              </a:rPr>
+            </a:br>
+            <a:r>
+              <a:rPr lang="en-US" baseline="0" noProof="0" dirty="0" smtClean="0">
+                <a:solidFill>
+                  <a:srgbClr val="000090"/>
+                </a:solidFill>
+                <a:latin typeface="Arial" pitchFamily="-105" charset="0"/>
+                <a:ea typeface="ＭＳ Ｐゴシック" pitchFamily="-105" charset="-128"/>
+                <a:cs typeface="ＭＳ Ｐゴシック" pitchFamily="-105" charset="-128"/>
+              </a:rPr>
+              <a:t>State</a:t>
+            </a:r>
+            <a:endParaRPr kumimoji="0" lang="en-US" i="0" u="none" strike="noStrike" kern="0" cap="none" spc="0" normalizeH="0" baseline="0" noProof="0" dirty="0">
+              <a:ln>
+                <a:noFill/>
+              </a:ln>
+              <a:solidFill>
+                <a:srgbClr val="000090"/>
+              </a:solidFill>
+              <a:effectLst/>
+              <a:uLnTx/>
+              <a:uFillTx/>
+              <a:latin typeface="Calibri"/>
+              <a:ea typeface="+mn-ea"/>
+              <a:cs typeface="+mn-cs"/>
+            </a:endParaRPr>
+          </a:p>
+        </p:txBody>
+      </p:sp>
+      <p:sp>
+        <p:nvSpPr>
+          <p:cNvPr id="7" name="Rectangle 6"/>
+          <p:cNvSpPr/>
+          <p:nvPr/>
+        </p:nvSpPr>
+        <p:spPr>
+          <a:xfrm>
+            <a:off x="6928752" y="3987725"/>
+            <a:ext cx="1165411" cy="808144"/>
+          </a:xfrm>
+          <a:prstGeom prst="rect">
+            <a:avLst/>
+          </a:prstGeom>
+          <a:gradFill rotWithShape="1">
+            <a:gsLst>
+              <a:gs pos="0">
+                <a:srgbClr val="9E9273">
+                  <a:tint val="100000"/>
+                  <a:shade val="100000"/>
+                  <a:satMod val="130000"/>
+                </a:srgbClr>
+              </a:gs>
+              <a:gs pos="100000">
+                <a:srgbClr val="9E9273">
+                  <a:tint val="50000"/>
+                  <a:shade val="100000"/>
+                  <a:satMod val="350000"/>
+                </a:srgbClr>
+              </a:gs>
+            </a:gsLst>
+            <a:lin ang="16200000" scaled="0"/>
+          </a:gradFill>
+          <a:ln>
+            <a:noFill/>
+          </a:ln>
+          <a:effectLst>
+            <a:outerShdw blurRad="40000" dist="23000" dir="5400000" rotWithShape="0">
+              <a:srgbClr val="000000">
+                <a:alpha val="35000"/>
+              </a:srgbClr>
+            </a:outerShdw>
+          </a:effectLst>
+          <a:scene3d>
+            <a:camera prst="orthographicFront">
+              <a:rot lat="0" lon="0" rev="0"/>
+            </a:camera>
+            <a:lightRig rig="threePt" dir="t">
+              <a:rot lat="0" lon="0" rev="1200000"/>
+            </a:lightRig>
+          </a:scene3d>
+          <a:sp3d>
+            <a:bevelT w="63500" h="25400"/>
+          </a:sp3d>
+        </p:spPr>
+        <p:txBody>
+          <a:bodyPr tIns="18288" rtlCol="0" anchor="ctr"/>
+          <a:lstStyle/>
+          <a:p>
+            <a:pPr algn="ctr" eaLnBrk="1" fontAlgn="auto" hangingPunct="1">
+              <a:spcBef>
+                <a:spcPts val="0"/>
+              </a:spcBef>
+              <a:spcAft>
+                <a:spcPts val="0"/>
+              </a:spcAft>
+            </a:pPr>
+            <a:r>
+              <a:rPr lang="en-US" altLang="zh-CN" sz="1800" baseline="0" dirty="0" err="1" smtClean="0">
+                <a:solidFill>
+                  <a:srgbClr val="000090"/>
+                </a:solidFill>
+                <a:latin typeface="Arial" pitchFamily="-105" charset="0"/>
+                <a:ea typeface="ＭＳ Ｐゴシック" pitchFamily="-105" charset="-128"/>
+                <a:cs typeface="ＭＳ Ｐゴシック" pitchFamily="-105" charset="-128"/>
+              </a:rPr>
+              <a:t>Datapath</a:t>
+            </a:r>
+            <a:r>
+              <a:rPr lang="en-US" altLang="zh-CN" sz="1800" baseline="0" dirty="0" smtClean="0">
+                <a:solidFill>
+                  <a:srgbClr val="000090"/>
+                </a:solidFill>
+                <a:latin typeface="Arial" pitchFamily="-105" charset="0"/>
+                <a:ea typeface="ＭＳ Ｐゴシック" pitchFamily="-105" charset="-128"/>
+                <a:cs typeface="ＭＳ Ｐゴシック" pitchFamily="-105" charset="-128"/>
+              </a:rPr>
+              <a:t/>
+            </a:r>
+            <a:br>
+              <a:rPr lang="en-US" altLang="zh-CN" sz="1800" baseline="0" dirty="0" smtClean="0">
+                <a:solidFill>
+                  <a:srgbClr val="000090"/>
+                </a:solidFill>
+                <a:latin typeface="Arial" pitchFamily="-105" charset="0"/>
+                <a:ea typeface="ＭＳ Ｐゴシック" pitchFamily="-105" charset="-128"/>
+                <a:cs typeface="ＭＳ Ｐゴシック" pitchFamily="-105" charset="-128"/>
+              </a:rPr>
+            </a:br>
+            <a:r>
+              <a:rPr lang="en-US" altLang="zh-CN" sz="1800" baseline="0" dirty="0" smtClean="0">
+                <a:solidFill>
+                  <a:srgbClr val="000090"/>
+                </a:solidFill>
+                <a:latin typeface="Arial" pitchFamily="-105" charset="0"/>
+                <a:ea typeface="ＭＳ Ｐゴシック" pitchFamily="-105" charset="-128"/>
+                <a:cs typeface="ＭＳ Ｐゴシック" pitchFamily="-105" charset="-128"/>
+              </a:rPr>
+              <a:t>Model</a:t>
+            </a:r>
+            <a:endParaRPr kumimoji="0" lang="en-US" sz="1800" i="0" u="none" strike="noStrike" kern="0" cap="none" spc="0" normalizeH="0" baseline="0" noProof="0" dirty="0">
+              <a:ln>
+                <a:noFill/>
+              </a:ln>
+              <a:solidFill>
+                <a:srgbClr val="000090"/>
+              </a:solidFill>
+              <a:effectLst/>
+              <a:uLnTx/>
+              <a:uFillTx/>
+              <a:latin typeface="Calibri"/>
+              <a:ea typeface="+mn-ea"/>
+              <a:cs typeface="+mn-cs"/>
+            </a:endParaRPr>
+          </a:p>
+        </p:txBody>
+      </p:sp>
+      <p:sp>
+        <p:nvSpPr>
+          <p:cNvPr id="8" name="Rectangle 7"/>
+          <p:cNvSpPr/>
+          <p:nvPr/>
+        </p:nvSpPr>
+        <p:spPr>
+          <a:xfrm>
+            <a:off x="1811738" y="3604092"/>
+            <a:ext cx="1401733" cy="648794"/>
+          </a:xfrm>
+          <a:prstGeom prst="rect">
+            <a:avLst/>
+          </a:prstGeom>
+          <a:gradFill rotWithShape="1">
+            <a:gsLst>
+              <a:gs pos="0">
+                <a:srgbClr val="9E9273">
+                  <a:tint val="100000"/>
+                  <a:shade val="100000"/>
+                  <a:satMod val="130000"/>
+                </a:srgbClr>
+              </a:gs>
+              <a:gs pos="100000">
+                <a:srgbClr val="9E9273">
+                  <a:tint val="50000"/>
+                  <a:shade val="100000"/>
+                  <a:satMod val="350000"/>
+                </a:srgbClr>
+              </a:gs>
+            </a:gsLst>
+            <a:lin ang="16200000" scaled="0"/>
+          </a:gradFill>
+          <a:ln>
+            <a:noFill/>
+          </a:ln>
+          <a:effectLst>
+            <a:outerShdw blurRad="40000" dist="23000" dir="5400000" rotWithShape="0">
+              <a:srgbClr val="000000">
+                <a:alpha val="35000"/>
+              </a:srgbClr>
+            </a:outerShdw>
+          </a:effectLst>
+          <a:scene3d>
+            <a:camera prst="orthographicFront">
+              <a:rot lat="0" lon="0" rev="0"/>
+            </a:camera>
+            <a:lightRig rig="threePt" dir="t">
+              <a:rot lat="0" lon="0" rev="1200000"/>
+            </a:lightRig>
+          </a:scene3d>
+          <a:sp3d>
+            <a:bevelT w="63500" h="25400"/>
+          </a:sp3d>
+        </p:spPr>
+        <p:txBody>
+          <a:bodyPr tIns="18288" rtlCol="0" anchor="ctr"/>
+          <a:lstStyle/>
+          <a:p>
+            <a:pPr algn="ctr" eaLnBrk="1" fontAlgn="auto" hangingPunct="1">
+              <a:spcBef>
+                <a:spcPts val="0"/>
+              </a:spcBef>
+              <a:spcAft>
+                <a:spcPts val="0"/>
+              </a:spcAft>
+            </a:pPr>
+            <a:r>
+              <a:rPr lang="en-US" baseline="0" noProof="0" dirty="0" smtClean="0">
+                <a:solidFill>
+                  <a:srgbClr val="000090"/>
+                </a:solidFill>
+                <a:latin typeface="Arial" pitchFamily="-105" charset="0"/>
+                <a:ea typeface="ＭＳ Ｐゴシック" pitchFamily="-105" charset="-128"/>
+                <a:cs typeface="ＭＳ Ｐゴシック" pitchFamily="-105" charset="-128"/>
+              </a:rPr>
+              <a:t>Service</a:t>
+            </a:r>
+            <a:r>
+              <a:rPr lang="en-US" baseline="0" dirty="0">
+                <a:solidFill>
+                  <a:srgbClr val="000090"/>
+                </a:solidFill>
+                <a:latin typeface="Arial" pitchFamily="-105" charset="0"/>
+                <a:ea typeface="ＭＳ Ｐゴシック" pitchFamily="-105" charset="-128"/>
+                <a:cs typeface="ＭＳ Ｐゴシック" pitchFamily="-105" charset="-128"/>
+              </a:rPr>
+              <a:t>/</a:t>
+            </a:r>
+            <a:r>
+              <a:rPr lang="en-US" baseline="0" noProof="0" dirty="0" smtClean="0">
+                <a:solidFill>
+                  <a:srgbClr val="000090"/>
+                </a:solidFill>
+                <a:latin typeface="Arial" pitchFamily="-105" charset="0"/>
+                <a:ea typeface="ＭＳ Ｐゴシック" pitchFamily="-105" charset="-128"/>
+                <a:cs typeface="ＭＳ Ｐゴシック" pitchFamily="-105" charset="-128"/>
+              </a:rPr>
+              <a:t/>
+            </a:r>
+            <a:br>
+              <a:rPr lang="en-US" baseline="0" noProof="0" dirty="0" smtClean="0">
+                <a:solidFill>
+                  <a:srgbClr val="000090"/>
+                </a:solidFill>
+                <a:latin typeface="Arial" pitchFamily="-105" charset="0"/>
+                <a:ea typeface="ＭＳ Ｐゴシック" pitchFamily="-105" charset="-128"/>
+                <a:cs typeface="ＭＳ Ｐゴシック" pitchFamily="-105" charset="-128"/>
+              </a:rPr>
+            </a:br>
+            <a:r>
+              <a:rPr lang="en-US" baseline="0" noProof="0" dirty="0" smtClean="0">
+                <a:solidFill>
+                  <a:srgbClr val="000090"/>
+                </a:solidFill>
+                <a:latin typeface="Arial" pitchFamily="-105" charset="0"/>
+                <a:ea typeface="ＭＳ Ｐゴシック" pitchFamily="-105" charset="-128"/>
+                <a:cs typeface="ＭＳ Ｐゴシック" pitchFamily="-105" charset="-128"/>
+              </a:rPr>
+              <a:t>Policy</a:t>
+            </a:r>
+            <a:endParaRPr kumimoji="0" lang="en-US" i="0" u="none" strike="noStrike" kern="0" cap="none" spc="0" normalizeH="0" baseline="0" noProof="0" dirty="0">
+              <a:ln>
+                <a:noFill/>
+              </a:ln>
+              <a:solidFill>
+                <a:srgbClr val="000090"/>
+              </a:solidFill>
+              <a:effectLst/>
+              <a:uLnTx/>
+              <a:uFillTx/>
+              <a:latin typeface="Calibri"/>
+              <a:ea typeface="+mn-ea"/>
+              <a:cs typeface="+mn-cs"/>
+            </a:endParaRPr>
+          </a:p>
+        </p:txBody>
+      </p:sp>
+      <p:sp>
+        <p:nvSpPr>
+          <p:cNvPr id="9" name="Rectangle 8"/>
+          <p:cNvSpPr/>
+          <p:nvPr/>
+        </p:nvSpPr>
+        <p:spPr bwMode="auto">
+          <a:xfrm>
+            <a:off x="6749456" y="3708352"/>
+            <a:ext cx="2913529" cy="1359647"/>
+          </a:xfrm>
+          <a:prstGeom prst="rect">
+            <a:avLst/>
+          </a:prstGeom>
+          <a:noFill/>
+          <a:ln w="3175" cap="flat" cmpd="sng" algn="ctr">
+            <a:solidFill>
+              <a:srgbClr val="F79646">
+                <a:lumMod val="50000"/>
+              </a:srgbClr>
+            </a:solidFill>
+            <a:prstDash val="dash"/>
+            <a:round/>
+            <a:headEnd type="none" w="med" len="med"/>
+            <a:tailEnd type="none" w="med" len="med"/>
+          </a:ln>
+          <a:effectLst/>
+        </p:spPr>
+        <p:txBody>
+          <a:bodyPr vert="horz" wrap="square" lIns="91440" tIns="45720" rIns="91440" bIns="45720" numCol="1" rtlCol="0" anchor="t" anchorCtr="0" compatLnSpc="1">
+            <a:prstTxWarp prst="textNoShape">
+              <a:avLst/>
+            </a:prstTxWarp>
+          </a:bodyPr>
+          <a:lstStyle/>
+          <a:p>
+            <a:pPr marL="0" marR="0" lvl="0" indent="0" algn="l" defTabSz="914400" rtl="0" eaLnBrk="0" fontAlgn="base" latinLnBrk="0" hangingPunct="0">
+              <a:lnSpc>
+                <a:spcPct val="100000"/>
+              </a:lnSpc>
+              <a:spcBef>
+                <a:spcPct val="0"/>
+              </a:spcBef>
+              <a:spcAft>
+                <a:spcPct val="0"/>
+              </a:spcAft>
+              <a:buClrTx/>
+              <a:buSzTx/>
+              <a:buFontTx/>
+              <a:buNone/>
+              <a:tabLst/>
+              <a:defRPr/>
+            </a:pPr>
+            <a:endParaRPr kumimoji="0" lang="en-US" sz="2400" b="0" i="0" u="none" strike="noStrike" kern="0" cap="none" spc="0" normalizeH="0" baseline="-25000" noProof="0">
+              <a:ln>
+                <a:noFill/>
+              </a:ln>
+              <a:solidFill>
+                <a:sysClr val="windowText" lastClr="000000"/>
+              </a:solidFill>
+              <a:effectLst>
+                <a:outerShdw blurRad="38100" dist="38100" dir="2700000" algn="tl">
+                  <a:srgbClr val="000000">
+                    <a:alpha val="43137"/>
+                  </a:srgbClr>
+                </a:outerShdw>
+              </a:effectLst>
+              <a:uLnTx/>
+              <a:uFillTx/>
+              <a:latin typeface="Arial" pitchFamily="-105" charset="0"/>
+              <a:ea typeface="ＭＳ Ｐゴシック" pitchFamily="-105" charset="-128"/>
+              <a:cs typeface="ＭＳ Ｐゴシック" pitchFamily="-105" charset="-128"/>
+            </a:endParaRPr>
+          </a:p>
+        </p:txBody>
+      </p:sp>
+      <p:sp>
+        <p:nvSpPr>
+          <p:cNvPr id="10" name="Rectangle 9"/>
+          <p:cNvSpPr/>
+          <p:nvPr/>
+        </p:nvSpPr>
+        <p:spPr>
+          <a:xfrm>
+            <a:off x="8321270" y="3990713"/>
+            <a:ext cx="1165411" cy="808144"/>
+          </a:xfrm>
+          <a:prstGeom prst="rect">
+            <a:avLst/>
+          </a:prstGeom>
+          <a:gradFill rotWithShape="1">
+            <a:gsLst>
+              <a:gs pos="0">
+                <a:srgbClr val="9E9273">
+                  <a:tint val="100000"/>
+                  <a:shade val="100000"/>
+                  <a:satMod val="130000"/>
+                </a:srgbClr>
+              </a:gs>
+              <a:gs pos="100000">
+                <a:srgbClr val="9E9273">
+                  <a:tint val="50000"/>
+                  <a:shade val="100000"/>
+                  <a:satMod val="350000"/>
+                </a:srgbClr>
+              </a:gs>
+            </a:gsLst>
+            <a:lin ang="16200000" scaled="0"/>
+          </a:gradFill>
+          <a:ln>
+            <a:noFill/>
+          </a:ln>
+          <a:effectLst>
+            <a:outerShdw blurRad="40000" dist="23000" dir="5400000" rotWithShape="0">
+              <a:srgbClr val="000000">
+                <a:alpha val="35000"/>
+              </a:srgbClr>
+            </a:outerShdw>
+          </a:effectLst>
+          <a:scene3d>
+            <a:camera prst="orthographicFront">
+              <a:rot lat="0" lon="0" rev="0"/>
+            </a:camera>
+            <a:lightRig rig="threePt" dir="t">
+              <a:rot lat="0" lon="0" rev="1200000"/>
+            </a:lightRig>
+          </a:scene3d>
+          <a:sp3d>
+            <a:bevelT w="63500" h="25400"/>
+          </a:sp3d>
+        </p:spPr>
+        <p:txBody>
+          <a:bodyPr tIns="18288" rtlCol="0" anchor="ctr"/>
+          <a:lstStyle/>
+          <a:p>
+            <a:pPr algn="ctr" eaLnBrk="1" fontAlgn="auto" hangingPunct="1">
+              <a:spcBef>
+                <a:spcPts val="0"/>
+              </a:spcBef>
+              <a:spcAft>
+                <a:spcPts val="0"/>
+              </a:spcAft>
+            </a:pPr>
+            <a:r>
+              <a:rPr lang="en-US" altLang="zh-CN" sz="1800" baseline="0" dirty="0" err="1" smtClean="0">
+                <a:solidFill>
+                  <a:srgbClr val="000090"/>
+                </a:solidFill>
+                <a:latin typeface="Arial" pitchFamily="-105" charset="0"/>
+                <a:ea typeface="ＭＳ Ｐゴシック" pitchFamily="-105" charset="-128"/>
+                <a:cs typeface="ＭＳ Ｐゴシック" pitchFamily="-105" charset="-128"/>
+              </a:rPr>
+              <a:t>Datapath</a:t>
+            </a:r>
+            <a:r>
+              <a:rPr lang="en-US" altLang="zh-CN" sz="1800" baseline="0" dirty="0" smtClean="0">
+                <a:solidFill>
+                  <a:srgbClr val="000090"/>
+                </a:solidFill>
+                <a:latin typeface="Arial" pitchFamily="-105" charset="0"/>
+                <a:ea typeface="ＭＳ Ｐゴシック" pitchFamily="-105" charset="-128"/>
+                <a:cs typeface="ＭＳ Ｐゴシック" pitchFamily="-105" charset="-128"/>
+              </a:rPr>
+              <a:t/>
+            </a:r>
+            <a:br>
+              <a:rPr lang="en-US" altLang="zh-CN" sz="1800" baseline="0" dirty="0" smtClean="0">
+                <a:solidFill>
+                  <a:srgbClr val="000090"/>
+                </a:solidFill>
+                <a:latin typeface="Arial" pitchFamily="-105" charset="0"/>
+                <a:ea typeface="ＭＳ Ｐゴシック" pitchFamily="-105" charset="-128"/>
+                <a:cs typeface="ＭＳ Ｐゴシック" pitchFamily="-105" charset="-128"/>
+              </a:rPr>
+            </a:br>
+            <a:r>
+              <a:rPr lang="en-US" altLang="zh-CN" sz="1800" baseline="0" dirty="0" smtClean="0">
+                <a:solidFill>
+                  <a:srgbClr val="000090"/>
+                </a:solidFill>
+                <a:latin typeface="Arial" pitchFamily="-105" charset="0"/>
+                <a:ea typeface="ＭＳ Ｐゴシック" pitchFamily="-105" charset="-128"/>
+                <a:cs typeface="ＭＳ Ｐゴシック" pitchFamily="-105" charset="-128"/>
+              </a:rPr>
+              <a:t>Model</a:t>
+            </a:r>
+            <a:endParaRPr kumimoji="0" lang="en-US" sz="1800" i="0" u="none" strike="noStrike" kern="0" cap="none" spc="0" normalizeH="0" baseline="0" noProof="0" dirty="0">
+              <a:ln>
+                <a:noFill/>
+              </a:ln>
+              <a:solidFill>
+                <a:srgbClr val="000090"/>
+              </a:solidFill>
+              <a:effectLst/>
+              <a:uLnTx/>
+              <a:uFillTx/>
+              <a:latin typeface="Calibri"/>
+              <a:ea typeface="+mn-ea"/>
+              <a:cs typeface="+mn-cs"/>
+            </a:endParaRPr>
+          </a:p>
+        </p:txBody>
+      </p:sp>
+      <p:grpSp>
+        <p:nvGrpSpPr>
+          <p:cNvPr id="11" name="Group 10"/>
+          <p:cNvGrpSpPr/>
+          <p:nvPr/>
+        </p:nvGrpSpPr>
+        <p:grpSpPr>
+          <a:xfrm>
+            <a:off x="3173379" y="4716854"/>
+            <a:ext cx="3588651" cy="1321530"/>
+            <a:chOff x="3278081" y="4319980"/>
+            <a:chExt cx="3588651" cy="1321530"/>
+          </a:xfrm>
+        </p:grpSpPr>
+        <p:cxnSp>
+          <p:nvCxnSpPr>
+            <p:cNvPr id="12" name="Straight Arrow Connector 11"/>
+            <p:cNvCxnSpPr>
+              <a:stCxn id="20" idx="0"/>
+            </p:cNvCxnSpPr>
+            <p:nvPr/>
+          </p:nvCxnSpPr>
+          <p:spPr bwMode="auto">
+            <a:xfrm flipH="1" flipV="1">
+              <a:off x="3278081" y="4482101"/>
+              <a:ext cx="1809516" cy="1159409"/>
+            </a:xfrm>
+            <a:prstGeom prst="straightConnector1">
+              <a:avLst/>
+            </a:prstGeom>
+            <a:solidFill>
+              <a:srgbClr val="4F81BD"/>
+            </a:solidFill>
+            <a:ln w="9525" cap="flat" cmpd="sng" algn="ctr">
+              <a:solidFill>
+                <a:sysClr val="windowText" lastClr="000000"/>
+              </a:solidFill>
+              <a:prstDash val="solid"/>
+              <a:round/>
+              <a:headEnd type="none" w="med" len="med"/>
+              <a:tailEnd type="triangle" w="lg" len="med"/>
+            </a:ln>
+            <a:effectLst/>
+          </p:spPr>
+        </p:cxnSp>
+        <p:cxnSp>
+          <p:nvCxnSpPr>
+            <p:cNvPr id="13" name="Straight Arrow Connector 12"/>
+            <p:cNvCxnSpPr>
+              <a:stCxn id="21" idx="0"/>
+            </p:cNvCxnSpPr>
+            <p:nvPr/>
+          </p:nvCxnSpPr>
+          <p:spPr bwMode="auto">
+            <a:xfrm flipH="1" flipV="1">
+              <a:off x="3318615" y="4319980"/>
+              <a:ext cx="3548117" cy="1321530"/>
+            </a:xfrm>
+            <a:prstGeom prst="straightConnector1">
+              <a:avLst/>
+            </a:prstGeom>
+            <a:solidFill>
+              <a:srgbClr val="4F81BD"/>
+            </a:solidFill>
+            <a:ln w="9525" cap="flat" cmpd="sng" algn="ctr">
+              <a:solidFill>
+                <a:sysClr val="windowText" lastClr="000000"/>
+              </a:solidFill>
+              <a:prstDash val="solid"/>
+              <a:round/>
+              <a:headEnd type="none" w="med" len="med"/>
+              <a:tailEnd type="triangle" w="lg" len="med"/>
+            </a:ln>
+            <a:effectLst/>
+          </p:spPr>
+        </p:cxnSp>
+      </p:grpSp>
+      <p:grpSp>
+        <p:nvGrpSpPr>
+          <p:cNvPr id="14" name="Group 13"/>
+          <p:cNvGrpSpPr/>
+          <p:nvPr/>
+        </p:nvGrpSpPr>
+        <p:grpSpPr>
+          <a:xfrm>
+            <a:off x="5307886" y="4795869"/>
+            <a:ext cx="3596091" cy="1204504"/>
+            <a:chOff x="4236079" y="4374576"/>
+            <a:chExt cx="3596091" cy="1204504"/>
+          </a:xfrm>
+        </p:grpSpPr>
+        <p:cxnSp>
+          <p:nvCxnSpPr>
+            <p:cNvPr id="15" name="Straight Arrow Connector 14"/>
+            <p:cNvCxnSpPr/>
+            <p:nvPr/>
+          </p:nvCxnSpPr>
+          <p:spPr bwMode="auto">
+            <a:xfrm flipH="1">
+              <a:off x="4236079" y="4374576"/>
+              <a:ext cx="2203573" cy="1163501"/>
+            </a:xfrm>
+            <a:prstGeom prst="straightConnector1">
+              <a:avLst/>
+            </a:prstGeom>
+            <a:solidFill>
+              <a:srgbClr val="4F81BD"/>
+            </a:solidFill>
+            <a:ln w="9525" cap="flat" cmpd="sng" algn="ctr">
+              <a:solidFill>
+                <a:sysClr val="windowText" lastClr="000000"/>
+              </a:solidFill>
+              <a:prstDash val="solid"/>
+              <a:round/>
+              <a:headEnd type="none" w="med" len="med"/>
+              <a:tailEnd type="triangle" w="lg" len="med"/>
+            </a:ln>
+            <a:effectLst/>
+          </p:spPr>
+        </p:cxnSp>
+        <p:cxnSp>
+          <p:nvCxnSpPr>
+            <p:cNvPr id="16" name="Straight Arrow Connector 15"/>
+            <p:cNvCxnSpPr/>
+            <p:nvPr/>
+          </p:nvCxnSpPr>
+          <p:spPr bwMode="auto">
+            <a:xfrm flipH="1">
+              <a:off x="5856945" y="4377564"/>
+              <a:ext cx="1975225" cy="1201516"/>
+            </a:xfrm>
+            <a:prstGeom prst="straightConnector1">
+              <a:avLst/>
+            </a:prstGeom>
+            <a:solidFill>
+              <a:srgbClr val="4F81BD"/>
+            </a:solidFill>
+            <a:ln w="9525" cap="flat" cmpd="sng" algn="ctr">
+              <a:solidFill>
+                <a:sysClr val="windowText" lastClr="000000"/>
+              </a:solidFill>
+              <a:prstDash val="solid"/>
+              <a:round/>
+              <a:headEnd type="none" w="med" len="med"/>
+              <a:tailEnd type="triangle" w="lg" len="med"/>
+            </a:ln>
+            <a:effectLst/>
+          </p:spPr>
+        </p:cxnSp>
+      </p:grpSp>
+      <p:pic>
+        <p:nvPicPr>
+          <p:cNvPr id="17" name="Picture 16"/>
+          <p:cNvPicPr>
+            <a:picLocks noChangeAspect="1"/>
+          </p:cNvPicPr>
+          <p:nvPr/>
+        </p:nvPicPr>
+        <p:blipFill>
+          <a:blip r:embed="rId2" cstate="print">
+            <a:extLst>
+              <a:ext uri="{28A0092B-C50C-407E-A947-70E740481C1C}">
+                <a14:useLocalDpi xmlns:a14="http://schemas.microsoft.com/office/drawing/2010/main"/>
+              </a:ext>
+            </a:extLst>
+          </a:blip>
+          <a:stretch>
+            <a:fillRect/>
+          </a:stretch>
+        </p:blipFill>
+        <p:spPr>
+          <a:xfrm>
+            <a:off x="4286630" y="5959370"/>
+            <a:ext cx="1445692" cy="609600"/>
+          </a:xfrm>
+          <a:prstGeom prst="rect">
+            <a:avLst/>
+          </a:prstGeom>
+        </p:spPr>
+      </p:pic>
+      <p:pic>
+        <p:nvPicPr>
+          <p:cNvPr id="18" name="Picture 17"/>
+          <p:cNvPicPr>
+            <a:picLocks noChangeAspect="1"/>
+          </p:cNvPicPr>
+          <p:nvPr/>
+        </p:nvPicPr>
+        <p:blipFill>
+          <a:blip r:embed="rId2" cstate="print">
+            <a:extLst>
+              <a:ext uri="{28A0092B-C50C-407E-A947-70E740481C1C}">
+                <a14:useLocalDpi xmlns:a14="http://schemas.microsoft.com/office/drawing/2010/main"/>
+              </a:ext>
+            </a:extLst>
+          </a:blip>
+          <a:stretch>
+            <a:fillRect/>
+          </a:stretch>
+        </p:blipFill>
+        <p:spPr>
+          <a:xfrm>
+            <a:off x="6065765" y="5959370"/>
+            <a:ext cx="1445692" cy="609600"/>
+          </a:xfrm>
+          <a:prstGeom prst="rect">
+            <a:avLst/>
+          </a:prstGeom>
+        </p:spPr>
+      </p:pic>
+      <p:sp>
+        <p:nvSpPr>
+          <p:cNvPr id="19" name="Rectangle 18"/>
+          <p:cNvSpPr/>
+          <p:nvPr/>
+        </p:nvSpPr>
+        <p:spPr>
+          <a:xfrm>
+            <a:off x="4973333" y="3869926"/>
+            <a:ext cx="1165411" cy="808144"/>
+          </a:xfrm>
+          <a:prstGeom prst="rect">
+            <a:avLst/>
+          </a:prstGeom>
+          <a:gradFill rotWithShape="1">
+            <a:gsLst>
+              <a:gs pos="0">
+                <a:srgbClr val="9E9273">
+                  <a:tint val="100000"/>
+                  <a:shade val="100000"/>
+                  <a:satMod val="130000"/>
+                </a:srgbClr>
+              </a:gs>
+              <a:gs pos="100000">
+                <a:srgbClr val="9E9273">
+                  <a:tint val="50000"/>
+                  <a:shade val="100000"/>
+                  <a:satMod val="350000"/>
+                </a:srgbClr>
+              </a:gs>
+            </a:gsLst>
+            <a:lin ang="16200000" scaled="0"/>
+          </a:gradFill>
+          <a:ln>
+            <a:noFill/>
+          </a:ln>
+          <a:effectLst>
+            <a:outerShdw blurRad="40000" dist="23000" dir="5400000" rotWithShape="0">
+              <a:srgbClr val="000000">
+                <a:alpha val="35000"/>
+              </a:srgbClr>
+            </a:outerShdw>
+          </a:effectLst>
+          <a:scene3d>
+            <a:camera prst="orthographicFront">
+              <a:rot lat="0" lon="0" rev="0"/>
+            </a:camera>
+            <a:lightRig rig="threePt" dir="t">
+              <a:rot lat="0" lon="0" rev="1200000"/>
+            </a:lightRig>
+          </a:scene3d>
+          <a:sp3d>
+            <a:bevelT w="63500" h="25400"/>
+          </a:sp3d>
+        </p:spPr>
+        <p:txBody>
+          <a:bodyPr tIns="18288" rtlCol="0" anchor="ctr"/>
+          <a:lstStyle/>
+          <a:p>
+            <a:pPr algn="ctr" eaLnBrk="1" fontAlgn="auto" hangingPunct="1">
+              <a:spcBef>
+                <a:spcPts val="0"/>
+              </a:spcBef>
+              <a:spcAft>
+                <a:spcPts val="0"/>
+              </a:spcAft>
+            </a:pPr>
+            <a:r>
+              <a:rPr lang="en-US" altLang="zh-CN" sz="2000" baseline="0" dirty="0" smtClean="0">
+                <a:solidFill>
+                  <a:srgbClr val="000090"/>
+                </a:solidFill>
+                <a:latin typeface="Arial" pitchFamily="-105" charset="0"/>
+                <a:ea typeface="ＭＳ Ｐゴシック" pitchFamily="-105" charset="-128"/>
+                <a:cs typeface="ＭＳ Ｐゴシック" pitchFamily="-105" charset="-128"/>
+              </a:rPr>
+              <a:t>Program</a:t>
+            </a:r>
+            <a:br>
+              <a:rPr lang="en-US" altLang="zh-CN" sz="2000" baseline="0" dirty="0" smtClean="0">
+                <a:solidFill>
+                  <a:srgbClr val="000090"/>
+                </a:solidFill>
+                <a:latin typeface="Arial" pitchFamily="-105" charset="0"/>
+                <a:ea typeface="ＭＳ Ｐゴシック" pitchFamily="-105" charset="-128"/>
+                <a:cs typeface="ＭＳ Ｐゴシック" pitchFamily="-105" charset="-128"/>
+              </a:rPr>
+            </a:br>
+            <a:r>
+              <a:rPr lang="en-US" altLang="zh-CN" sz="2000" baseline="0" dirty="0" smtClean="0">
+                <a:solidFill>
+                  <a:srgbClr val="000090"/>
+                </a:solidFill>
+                <a:latin typeface="Arial" pitchFamily="-105" charset="0"/>
+                <a:ea typeface="ＭＳ Ｐゴシック" pitchFamily="-105" charset="-128"/>
+                <a:cs typeface="ＭＳ Ｐゴシック" pitchFamily="-105" charset="-128"/>
+              </a:rPr>
+              <a:t>Logic</a:t>
+            </a:r>
+            <a:endParaRPr kumimoji="0" lang="en-US" sz="2000" i="0" u="none" strike="noStrike" kern="0" cap="none" spc="0" normalizeH="0" baseline="0" noProof="0" dirty="0">
+              <a:ln>
+                <a:noFill/>
+              </a:ln>
+              <a:solidFill>
+                <a:srgbClr val="000090"/>
+              </a:solidFill>
+              <a:effectLst/>
+              <a:uLnTx/>
+              <a:uFillTx/>
+              <a:latin typeface="Calibri"/>
+              <a:ea typeface="+mn-ea"/>
+              <a:cs typeface="+mn-cs"/>
+            </a:endParaRPr>
+          </a:p>
+        </p:txBody>
+      </p:sp>
+      <p:cxnSp>
+        <p:nvCxnSpPr>
+          <p:cNvPr id="20" name="Straight Arrow Connector 19"/>
+          <p:cNvCxnSpPr/>
+          <p:nvPr/>
+        </p:nvCxnSpPr>
+        <p:spPr bwMode="auto">
+          <a:xfrm>
+            <a:off x="3213471" y="3718843"/>
+            <a:ext cx="1759862" cy="555155"/>
+          </a:xfrm>
+          <a:prstGeom prst="straightConnector1">
+            <a:avLst/>
+          </a:prstGeom>
+          <a:solidFill>
+            <a:srgbClr val="4F81BD"/>
+          </a:solidFill>
+          <a:ln w="9525" cap="flat" cmpd="sng" algn="ctr">
+            <a:solidFill>
+              <a:sysClr val="windowText" lastClr="000000"/>
+            </a:solidFill>
+            <a:prstDash val="solid"/>
+            <a:round/>
+            <a:headEnd type="none" w="med" len="med"/>
+            <a:tailEnd type="triangle" w="lg" len="med"/>
+          </a:ln>
+          <a:effectLst/>
+        </p:spPr>
+      </p:cxnSp>
+      <p:cxnSp>
+        <p:nvCxnSpPr>
+          <p:cNvPr id="21" name="Straight Arrow Connector 20"/>
+          <p:cNvCxnSpPr/>
+          <p:nvPr/>
+        </p:nvCxnSpPr>
+        <p:spPr bwMode="auto">
+          <a:xfrm flipV="1">
+            <a:off x="6138744" y="4259561"/>
+            <a:ext cx="614776" cy="14437"/>
+          </a:xfrm>
+          <a:prstGeom prst="straightConnector1">
+            <a:avLst/>
+          </a:prstGeom>
+          <a:solidFill>
+            <a:srgbClr val="4F81BD"/>
+          </a:solidFill>
+          <a:ln w="9525" cap="flat" cmpd="sng" algn="ctr">
+            <a:solidFill>
+              <a:sysClr val="windowText" lastClr="000000"/>
+            </a:solidFill>
+            <a:prstDash val="solid"/>
+            <a:round/>
+            <a:headEnd type="none" w="med" len="med"/>
+            <a:tailEnd type="triangle" w="lg" len="med"/>
+          </a:ln>
+          <a:effectLst/>
+        </p:spPr>
+      </p:cxnSp>
+      <p:cxnSp>
+        <p:nvCxnSpPr>
+          <p:cNvPr id="22" name="Straight Arrow Connector 21"/>
+          <p:cNvCxnSpPr/>
+          <p:nvPr/>
+        </p:nvCxnSpPr>
+        <p:spPr bwMode="auto">
+          <a:xfrm flipV="1">
+            <a:off x="3226983" y="4273998"/>
+            <a:ext cx="1746350" cy="363842"/>
+          </a:xfrm>
+          <a:prstGeom prst="straightConnector1">
+            <a:avLst/>
+          </a:prstGeom>
+          <a:solidFill>
+            <a:srgbClr val="4F81BD"/>
+          </a:solidFill>
+          <a:ln w="9525" cap="flat" cmpd="sng" algn="ctr">
+            <a:solidFill>
+              <a:sysClr val="windowText" lastClr="000000"/>
+            </a:solidFill>
+            <a:prstDash val="solid"/>
+            <a:round/>
+            <a:headEnd type="none" w="med" len="med"/>
+            <a:tailEnd type="triangle" w="lg" len="med"/>
+          </a:ln>
+          <a:effectLst/>
+        </p:spPr>
+      </p:cxnSp>
+    </p:spTree>
+    <p:extLst>
+      <p:ext uri="{BB962C8B-B14F-4D97-AF65-F5344CB8AC3E}">
+        <p14:creationId xmlns:p14="http://schemas.microsoft.com/office/powerpoint/2010/main" val="340410705"/>
+      </p:ext>
+    </p:extLst>
   </p:cSld>
   <p:clrMapOvr>
     <a:masterClrMapping/>
